--- a/blog/notebook/XXL分布式系统架构.pptx
+++ b/blog/notebook/XXL分布式系统架构.pptx
@@ -200,7 +200,7 @@
           <a:p>
             <a:fld id="{D2A48B96-639E-45A3-A0BA-2464DFDB1FAA}" type="datetimeFigureOut">
               <a:rPr lang="zh-CN" altLang="en-US" smtClean="0"/>
-              <a:t>18/4/11</a:t>
+              <a:t>18/4/12</a:t>
             </a:fld>
             <a:endParaRPr lang="zh-CN" altLang="en-US"/>
           </a:p>
@@ -1643,7 +1643,7 @@
           <a:p>
             <a:fld id="{D997B5FA-0921-464F-AAE1-844C04324D75}" type="datetimeFigureOut">
               <a:rPr lang="zh-CN" altLang="en-US" smtClean="0"/>
-              <a:t>18/4/11</a:t>
+              <a:t>18/4/12</a:t>
             </a:fld>
             <a:endParaRPr lang="zh-CN" altLang="en-US"/>
           </a:p>
@@ -1808,7 +1808,7 @@
           <a:p>
             <a:fld id="{D997B5FA-0921-464F-AAE1-844C04324D75}" type="datetimeFigureOut">
               <a:rPr lang="zh-CN" altLang="en-US" smtClean="0"/>
-              <a:t>18/4/11</a:t>
+              <a:t>18/4/12</a:t>
             </a:fld>
             <a:endParaRPr lang="zh-CN" altLang="en-US"/>
           </a:p>
@@ -1983,7 +1983,7 @@
           <a:p>
             <a:fld id="{D997B5FA-0921-464F-AAE1-844C04324D75}" type="datetimeFigureOut">
               <a:rPr lang="zh-CN" altLang="en-US" smtClean="0"/>
-              <a:t>18/4/11</a:t>
+              <a:t>18/4/12</a:t>
             </a:fld>
             <a:endParaRPr lang="zh-CN" altLang="en-US"/>
           </a:p>
@@ -2148,7 +2148,7 @@
           <a:p>
             <a:fld id="{D997B5FA-0921-464F-AAE1-844C04324D75}" type="datetimeFigureOut">
               <a:rPr lang="zh-CN" altLang="en-US" smtClean="0"/>
-              <a:t>18/4/11</a:t>
+              <a:t>18/4/12</a:t>
             </a:fld>
             <a:endParaRPr lang="zh-CN" altLang="en-US"/>
           </a:p>
@@ -2389,7 +2389,7 @@
           <a:p>
             <a:fld id="{D997B5FA-0921-464F-AAE1-844C04324D75}" type="datetimeFigureOut">
               <a:rPr lang="zh-CN" altLang="en-US" smtClean="0"/>
-              <a:t>18/4/11</a:t>
+              <a:t>18/4/12</a:t>
             </a:fld>
             <a:endParaRPr lang="zh-CN" altLang="en-US"/>
           </a:p>
@@ -2616,7 +2616,7 @@
           <a:p>
             <a:fld id="{D997B5FA-0921-464F-AAE1-844C04324D75}" type="datetimeFigureOut">
               <a:rPr lang="zh-CN" altLang="en-US" smtClean="0"/>
-              <a:t>18/4/11</a:t>
+              <a:t>18/4/12</a:t>
             </a:fld>
             <a:endParaRPr lang="zh-CN" altLang="en-US"/>
           </a:p>
@@ -2978,7 +2978,7 @@
           <a:p>
             <a:fld id="{D997B5FA-0921-464F-AAE1-844C04324D75}" type="datetimeFigureOut">
               <a:rPr lang="zh-CN" altLang="en-US" smtClean="0"/>
-              <a:t>18/4/11</a:t>
+              <a:t>18/4/12</a:t>
             </a:fld>
             <a:endParaRPr lang="zh-CN" altLang="en-US"/>
           </a:p>
@@ -3091,7 +3091,7 @@
           <a:p>
             <a:fld id="{D997B5FA-0921-464F-AAE1-844C04324D75}" type="datetimeFigureOut">
               <a:rPr lang="zh-CN" altLang="en-US" smtClean="0"/>
-              <a:t>18/4/11</a:t>
+              <a:t>18/4/12</a:t>
             </a:fld>
             <a:endParaRPr lang="zh-CN" altLang="en-US"/>
           </a:p>
@@ -3181,7 +3181,7 @@
           <a:p>
             <a:fld id="{D997B5FA-0921-464F-AAE1-844C04324D75}" type="datetimeFigureOut">
               <a:rPr lang="zh-CN" altLang="en-US" smtClean="0"/>
-              <a:t>18/4/11</a:t>
+              <a:t>18/4/12</a:t>
             </a:fld>
             <a:endParaRPr lang="zh-CN" altLang="en-US"/>
           </a:p>
@@ -3453,7 +3453,7 @@
           <a:p>
             <a:fld id="{D997B5FA-0921-464F-AAE1-844C04324D75}" type="datetimeFigureOut">
               <a:rPr lang="zh-CN" altLang="en-US" smtClean="0"/>
-              <a:t>18/4/11</a:t>
+              <a:t>18/4/12</a:t>
             </a:fld>
             <a:endParaRPr lang="zh-CN" altLang="en-US"/>
           </a:p>
@@ -3701,7 +3701,7 @@
           <a:p>
             <a:fld id="{D997B5FA-0921-464F-AAE1-844C04324D75}" type="datetimeFigureOut">
               <a:rPr lang="zh-CN" altLang="en-US" smtClean="0"/>
-              <a:t>18/4/11</a:t>
+              <a:t>18/4/12</a:t>
             </a:fld>
             <a:endParaRPr lang="zh-CN" altLang="en-US"/>
           </a:p>
@@ -3909,7 +3909,7 @@
           <a:p>
             <a:fld id="{D997B5FA-0921-464F-AAE1-844C04324D75}" type="datetimeFigureOut">
               <a:rPr lang="zh-CN" altLang="en-US" smtClean="0"/>
-              <a:t>18/4/11</a:t>
+              <a:t>18/4/12</a:t>
             </a:fld>
             <a:endParaRPr lang="zh-CN" altLang="en-US"/>
           </a:p>
@@ -5273,15 +5273,7 @@
                 <a:ea typeface="Heiti SC Light" charset="-122"/>
                 <a:cs typeface="Heiti SC Light" charset="-122"/>
               </a:rPr>
-              <a:t>部署环境</a:t>
-            </a:r>
-            <a:r>
-              <a:rPr lang="zh-CN" altLang="en-US" sz="2800" b="1" dirty="0" smtClean="0">
-                <a:latin typeface="Heiti SC Light" charset="-122"/>
-                <a:ea typeface="Heiti SC Light" charset="-122"/>
-                <a:cs typeface="Heiti SC Light" charset="-122"/>
-              </a:rPr>
-              <a:t>（</a:t>
+              <a:t>部署环境（</a:t>
             </a:r>
             <a:r>
               <a:rPr lang="en-US" altLang="zh-CN" sz="2800" b="1" dirty="0" smtClean="0">
@@ -6458,15 +6450,7 @@
                 <a:ea typeface="Heiti SC Light" charset="-122"/>
                 <a:cs typeface="Heiti SC Light" charset="-122"/>
               </a:rPr>
-              <a:t>分布式基础架构图谱</a:t>
-            </a:r>
-            <a:r>
-              <a:rPr lang="zh-CN" altLang="en-US" sz="2800" b="1" dirty="0" smtClean="0">
-                <a:latin typeface="Heiti SC Light" charset="-122"/>
-                <a:ea typeface="Heiti SC Light" charset="-122"/>
-                <a:cs typeface="Heiti SC Light" charset="-122"/>
-              </a:rPr>
-              <a:t> </a:t>
+              <a:t>分布式基础架构图谱 </a:t>
             </a:r>
             <a:r>
               <a:rPr lang="en-US" altLang="zh-CN" sz="2800" b="1" dirty="0" smtClean="0">
@@ -6706,14 +6690,14 @@
       </p:sp>
       <p:sp>
         <p:nvSpPr>
-          <p:cNvPr id="70" name="可选流程 69"/>
+          <p:cNvPr id="72" name="可选流程 71"/>
           <p:cNvSpPr/>
           <p:nvPr/>
         </p:nvSpPr>
         <p:spPr>
           <a:xfrm>
-            <a:off x="3708585" y="2863584"/>
-            <a:ext cx="1295671" cy="611595"/>
+            <a:off x="3711356" y="3690124"/>
+            <a:ext cx="2707986" cy="611595"/>
           </a:xfrm>
           <a:prstGeom prst="flowChartAlternateProcess">
             <a:avLst/>
@@ -6747,114 +6731,18 @@
                 <a:ea typeface="Microsoft YaHei" charset="0"/>
                 <a:cs typeface="Microsoft YaHei" charset="0"/>
               </a:rPr>
-              <a:t>消息队列</a:t>
+              <a:t>配置中心</a:t>
             </a:r>
           </a:p>
           <a:p>
             <a:pPr algn="ctr"/>
             <a:r>
-              <a:rPr kumimoji="1" lang="en-US" altLang="zh-CN" sz="1400" dirty="0" smtClean="0">
-                <a:latin typeface="Microsoft YaHei" charset="0"/>
-                <a:ea typeface="Microsoft YaHei" charset="0"/>
-                <a:cs typeface="Microsoft YaHei" charset="0"/>
-              </a:rPr>
-              <a:t>【</a:t>
-            </a:r>
-            <a:r>
-              <a:rPr kumimoji="1" lang="fr-FR" altLang="zh-CN" sz="1400" dirty="0">
-                <a:latin typeface="Microsoft YaHei" charset="0"/>
-                <a:ea typeface="Microsoft YaHei" charset="0"/>
-                <a:cs typeface="Microsoft YaHei" charset="0"/>
-              </a:rPr>
-              <a:t> MQ </a:t>
-            </a:r>
-            <a:r>
-              <a:rPr kumimoji="1" lang="en-US" altLang="zh-CN" sz="1400" dirty="0" smtClean="0">
-                <a:latin typeface="Microsoft YaHei" charset="0"/>
-                <a:ea typeface="Microsoft YaHei" charset="0"/>
-                <a:cs typeface="Microsoft YaHei" charset="0"/>
-              </a:rPr>
-              <a:t>】</a:t>
-            </a:r>
-            <a:endParaRPr kumimoji="1" lang="zh-CN" altLang="en-US" sz="1400" dirty="0">
-              <a:latin typeface="Microsoft YaHei" charset="0"/>
-              <a:ea typeface="Microsoft YaHei" charset="0"/>
-              <a:cs typeface="Microsoft YaHei" charset="0"/>
-            </a:endParaRPr>
-          </a:p>
-        </p:txBody>
-      </p:sp>
-      <p:sp>
-        <p:nvSpPr>
-          <p:cNvPr id="72" name="可选流程 71"/>
-          <p:cNvSpPr/>
-          <p:nvPr/>
-        </p:nvSpPr>
-        <p:spPr>
-          <a:xfrm>
-            <a:off x="3711356" y="3690124"/>
-            <a:ext cx="2707986" cy="611595"/>
-          </a:xfrm>
-          <a:prstGeom prst="flowChartAlternateProcess">
-            <a:avLst/>
-          </a:prstGeom>
-          <a:solidFill>
-            <a:srgbClr val="4BACC6"/>
-          </a:solidFill>
-        </p:spPr>
-        <p:style>
-          <a:lnRef idx="0">
-            <a:schemeClr val="accent1"/>
-          </a:lnRef>
-          <a:fillRef idx="3">
-            <a:schemeClr val="accent1"/>
-          </a:fillRef>
-          <a:effectRef idx="3">
-            <a:schemeClr val="accent1"/>
-          </a:effectRef>
-          <a:fontRef idx="minor">
-            <a:schemeClr val="lt1"/>
-          </a:fontRef>
-        </p:style>
-        <p:txBody>
-          <a:bodyPr anchor="ctr"/>
-          <a:lstStyle/>
-          <a:p>
-            <a:pPr algn="ctr"/>
-            <a:r>
-              <a:rPr kumimoji="1" lang="zh-CN" altLang="en-US" sz="1400" dirty="0" smtClean="0">
-                <a:latin typeface="Microsoft YaHei" charset="0"/>
-                <a:ea typeface="Microsoft YaHei" charset="0"/>
-                <a:cs typeface="Microsoft YaHei" charset="0"/>
-              </a:rPr>
-              <a:t>配置中心</a:t>
-            </a:r>
-          </a:p>
-          <a:p>
-            <a:pPr algn="ctr"/>
-            <a:r>
               <a:rPr kumimoji="1" lang="en-US" altLang="zh-CN" sz="1400" dirty="0">
                 <a:latin typeface="Microsoft YaHei" charset="0"/>
                 <a:ea typeface="Microsoft YaHei" charset="0"/>
                 <a:cs typeface="Microsoft YaHei" charset="0"/>
               </a:rPr>
-              <a:t>【 </a:t>
-            </a:r>
-            <a:r>
-              <a:rPr kumimoji="1" lang="en-US" altLang="zh-CN" sz="1400" dirty="0">
-                <a:latin typeface="Microsoft YaHei" charset="0"/>
-                <a:ea typeface="Microsoft YaHei" charset="0"/>
-                <a:cs typeface="Microsoft YaHei" charset="0"/>
-              </a:rPr>
-              <a:t>Conf</a:t>
-            </a:r>
-            <a:r>
-              <a:rPr kumimoji="1" lang="en-US" altLang="zh-CN" sz="1400" dirty="0">
-                <a:latin typeface="Microsoft YaHei" charset="0"/>
-                <a:ea typeface="Microsoft YaHei" charset="0"/>
-                <a:cs typeface="Microsoft YaHei" charset="0"/>
-              </a:rPr>
-              <a:t> 】</a:t>
+              <a:t>【 Conf 】</a:t>
             </a:r>
             <a:endParaRPr kumimoji="1" lang="zh-CN" altLang="en-US" sz="1400" dirty="0">
               <a:latin typeface="Microsoft YaHei" charset="0"/>
@@ -7116,11 +7004,6 @@
               </a:rPr>
               <a:t>垂直业务领域</a:t>
             </a:r>
-            <a:endParaRPr kumimoji="1" lang="zh-CN" altLang="en-US" sz="1400" kern="0" dirty="0">
-              <a:latin typeface="Microsoft YaHei" charset="0"/>
-              <a:ea typeface="Microsoft YaHei" charset="0"/>
-              <a:cs typeface="Microsoft YaHei" charset="0"/>
-            </a:endParaRPr>
           </a:p>
         </p:txBody>
       </p:sp>
@@ -7874,23 +7757,7 @@
                 <a:ea typeface="Microsoft YaHei" charset="0"/>
                 <a:cs typeface="Microsoft YaHei" charset="0"/>
               </a:rPr>
-              <a:t> </a:t>
-            </a:r>
-            <a:r>
-              <a:rPr lang="en-US" altLang="zh-CN" sz="1400" dirty="0">
-                <a:latin typeface="Microsoft YaHei" charset="0"/>
-                <a:ea typeface="Microsoft YaHei" charset="0"/>
-                <a:cs typeface="Microsoft YaHei" charset="0"/>
-              </a:rPr>
-              <a:t>rocketmq</a:t>
-            </a:r>
-            <a:r>
-              <a:rPr lang="en-US" altLang="zh-CN" sz="1400" dirty="0">
-                <a:latin typeface="Microsoft YaHei" charset="0"/>
-                <a:ea typeface="Microsoft YaHei" charset="0"/>
-                <a:cs typeface="Microsoft YaHei" charset="0"/>
-              </a:rPr>
-              <a:t> </a:t>
+              <a:t> rocketmq </a:t>
             </a:r>
             <a:r>
               <a:rPr lang="zh-CN" altLang="en-US" sz="1400" dirty="0" smtClean="0">
@@ -8226,15 +8093,7 @@
                 <a:ea typeface="Microsoft YaHei" charset="0"/>
                 <a:cs typeface="Microsoft YaHei" charset="0"/>
               </a:rPr>
-              <a:t>、</a:t>
-            </a:r>
-            <a:r>
-              <a:rPr lang="zh-CN" altLang="en-US" sz="1400" dirty="0" smtClean="0">
-                <a:latin typeface="Microsoft YaHei" charset="0"/>
-                <a:ea typeface="Microsoft YaHei" charset="0"/>
-                <a:cs typeface="Microsoft YaHei" charset="0"/>
-              </a:rPr>
-              <a:t>日志分析：</a:t>
+              <a:t>、日志分析：</a:t>
             </a:r>
             <a:r>
               <a:rPr lang="en-US" altLang="zh-CN" sz="1400" dirty="0" smtClean="0">
@@ -8386,7 +8245,7 @@
         </p:nvSpPr>
         <p:spPr>
           <a:xfrm>
-            <a:off x="5126625" y="2870166"/>
+            <a:off x="9032130" y="4942351"/>
             <a:ext cx="1295671" cy="612427"/>
           </a:xfrm>
           <a:prstGeom prst="flowChartAlternateProcess">
@@ -8412,7 +8271,7 @@
           <a:p>
             <a:pPr lvl="0" algn="ctr"/>
             <a:r>
-              <a:rPr kumimoji="1" lang="zh-CN" altLang="en-US" sz="1400" dirty="0">
+              <a:rPr kumimoji="1" lang="en-US" altLang="zh-CN" sz="1400">
                 <a:solidFill>
                   <a:prstClr val="white"/>
                 </a:solidFill>
@@ -8420,75 +8279,12 @@
                 <a:ea typeface="Microsoft YaHei" charset="0"/>
                 <a:cs typeface="Microsoft YaHei" charset="0"/>
               </a:rPr>
-              <a:t>任务调度</a:t>
-            </a:r>
-          </a:p>
-          <a:p>
-            <a:pPr lvl="0" algn="ctr"/>
-            <a:r>
-              <a:rPr kumimoji="1" lang="en-US" altLang="zh-CN" sz="1400" dirty="0">
-                <a:solidFill>
-                  <a:prstClr val="white"/>
-                </a:solidFill>
-                <a:latin typeface="Microsoft YaHei" charset="0"/>
-                <a:ea typeface="Microsoft YaHei" charset="0"/>
-                <a:cs typeface="Microsoft YaHei" charset="0"/>
-              </a:rPr>
-              <a:t>【 Job 】</a:t>
+              <a:t>……</a:t>
             </a:r>
             <a:endParaRPr kumimoji="1" lang="zh-CN" altLang="en-US" sz="1400" dirty="0">
               <a:solidFill>
                 <a:prstClr val="white"/>
               </a:solidFill>
-              <a:latin typeface="Microsoft YaHei" charset="0"/>
-              <a:ea typeface="Microsoft YaHei" charset="0"/>
-              <a:cs typeface="Microsoft YaHei" charset="0"/>
-            </a:endParaRPr>
-          </a:p>
-        </p:txBody>
-      </p:sp>
-      <p:sp>
-        <p:nvSpPr>
-          <p:cNvPr id="41" name="可选流程 40"/>
-          <p:cNvSpPr/>
-          <p:nvPr/>
-        </p:nvSpPr>
-        <p:spPr>
-          <a:xfrm>
-            <a:off x="8727680" y="5047178"/>
-            <a:ext cx="1663821" cy="611596"/>
-          </a:xfrm>
-          <a:prstGeom prst="flowChartAlternateProcess">
-            <a:avLst/>
-          </a:prstGeom>
-          <a:solidFill>
-            <a:srgbClr val="FAA756"/>
-          </a:solidFill>
-          <a:ln>
-            <a:noFill/>
-          </a:ln>
-          <a:effectLst>
-            <a:outerShdw blurRad="57150" dist="19050" dir="5400000" algn="ctr" rotWithShape="0">
-              <a:srgbClr val="000000">
-                <a:alpha val="63000"/>
-              </a:srgbClr>
-            </a:outerShdw>
-          </a:effectLst>
-        </p:spPr>
-        <p:txBody>
-          <a:bodyPr anchor="ctr"/>
-          <a:lstStyle/>
-          <a:p>
-            <a:pPr algn="ctr" defTabSz="1219170" eaLnBrk="0" fontAlgn="base" hangingPunct="0">
-              <a:spcBef>
-                <a:spcPct val="0"/>
-              </a:spcBef>
-              <a:spcAft>
-                <a:spcPct val="0"/>
-              </a:spcAft>
-              <a:defRPr/>
-            </a:pPr>
-            <a:endParaRPr kumimoji="1" lang="zh-CN" altLang="en-US" sz="1867" kern="0" dirty="0">
               <a:latin typeface="Microsoft YaHei" charset="0"/>
               <a:ea typeface="Microsoft YaHei" charset="0"/>
               <a:cs typeface="Microsoft YaHei" charset="0"/>
@@ -8602,6 +8398,124 @@
               <a:ea typeface="Microsoft YaHei" charset="0"/>
               <a:cs typeface="Microsoft YaHei" charset="0"/>
             </a:endParaRPr>
+          </a:p>
+        </p:txBody>
+      </p:sp>
+      <p:sp>
+        <p:nvSpPr>
+          <p:cNvPr id="39" name="可选流程 38"/>
+          <p:cNvSpPr/>
+          <p:nvPr/>
+        </p:nvSpPr>
+        <p:spPr>
+          <a:xfrm>
+            <a:off x="3717429" y="2870166"/>
+            <a:ext cx="1295671" cy="611595"/>
+          </a:xfrm>
+          <a:prstGeom prst="flowChartAlternateProcess">
+            <a:avLst/>
+          </a:prstGeom>
+          <a:solidFill>
+            <a:srgbClr val="4BACC6"/>
+          </a:solidFill>
+        </p:spPr>
+        <p:style>
+          <a:lnRef idx="0">
+            <a:schemeClr val="accent1"/>
+          </a:lnRef>
+          <a:fillRef idx="3">
+            <a:schemeClr val="accent1"/>
+          </a:fillRef>
+          <a:effectRef idx="3">
+            <a:schemeClr val="accent1"/>
+          </a:effectRef>
+          <a:fontRef idx="minor">
+            <a:schemeClr val="lt1"/>
+          </a:fontRef>
+        </p:style>
+        <p:txBody>
+          <a:bodyPr anchor="ctr"/>
+          <a:lstStyle/>
+          <a:p>
+            <a:pPr algn="ctr"/>
+            <a:r>
+              <a:rPr kumimoji="1" lang="zh-CN" altLang="en-US" sz="1400" dirty="0">
+                <a:latin typeface="Microsoft YaHei" charset="0"/>
+                <a:ea typeface="Microsoft YaHei" charset="0"/>
+                <a:cs typeface="Microsoft YaHei" charset="0"/>
+              </a:rPr>
+              <a:t>消息队列</a:t>
+            </a:r>
+          </a:p>
+          <a:p>
+            <a:pPr algn="ctr"/>
+            <a:r>
+              <a:rPr kumimoji="1" lang="en-US" altLang="zh-CN" sz="1400" dirty="0">
+                <a:latin typeface="Microsoft YaHei" charset="0"/>
+                <a:ea typeface="Microsoft YaHei" charset="0"/>
+                <a:cs typeface="Microsoft YaHei" charset="0"/>
+              </a:rPr>
+              <a:t>【 MQ 】</a:t>
+            </a:r>
+          </a:p>
+        </p:txBody>
+      </p:sp>
+      <p:sp>
+        <p:nvSpPr>
+          <p:cNvPr id="42" name="可选流程 41"/>
+          <p:cNvSpPr/>
+          <p:nvPr/>
+        </p:nvSpPr>
+        <p:spPr>
+          <a:xfrm>
+            <a:off x="5117433" y="2870166"/>
+            <a:ext cx="1295671" cy="611595"/>
+          </a:xfrm>
+          <a:prstGeom prst="flowChartAlternateProcess">
+            <a:avLst/>
+          </a:prstGeom>
+          <a:solidFill>
+            <a:srgbClr val="4BACC6"/>
+          </a:solidFill>
+        </p:spPr>
+        <p:style>
+          <a:lnRef idx="0">
+            <a:schemeClr val="accent1"/>
+          </a:lnRef>
+          <a:fillRef idx="3">
+            <a:schemeClr val="accent1"/>
+          </a:fillRef>
+          <a:effectRef idx="3">
+            <a:schemeClr val="accent1"/>
+          </a:effectRef>
+          <a:fontRef idx="minor">
+            <a:schemeClr val="lt1"/>
+          </a:fontRef>
+        </p:style>
+        <p:txBody>
+          <a:bodyPr anchor="ctr"/>
+          <a:lstStyle/>
+          <a:p>
+            <a:pPr algn="ctr"/>
+            <a:r>
+              <a:rPr kumimoji="1" lang="zh-CN" altLang="en-US" sz="1400" dirty="0">
+                <a:latin typeface="Microsoft YaHei" charset="0"/>
+                <a:ea typeface="Microsoft YaHei" charset="0"/>
+                <a:cs typeface="Microsoft YaHei" charset="0"/>
+              </a:rPr>
+              <a:t>任务调度</a:t>
+            </a:r>
+          </a:p>
+          <a:p>
+            <a:pPr algn="ctr"/>
+            <a:r>
+              <a:rPr kumimoji="1" lang="en-US" altLang="zh-CN" sz="1400" dirty="0">
+                <a:latin typeface="Microsoft YaHei" charset="0"/>
+                <a:ea typeface="Microsoft YaHei" charset="0"/>
+                <a:cs typeface="Microsoft YaHei" charset="0"/>
+              </a:rPr>
+              <a:t>【 Job 】</a:t>
+            </a:r>
           </a:p>
         </p:txBody>
       </p:sp>

--- a/blog/notebook/XXL分布式系统架构.pptx
+++ b/blog/notebook/XXL分布式系统架构.pptx
@@ -8,10 +8,10 @@
     <p:notesMasterId r:id="rId6"/>
   </p:notesMasterIdLst>
   <p:sldIdLst>
-    <p:sldId id="259" r:id="rId2"/>
-    <p:sldId id="262" r:id="rId3"/>
-    <p:sldId id="261" r:id="rId4"/>
-    <p:sldId id="260" r:id="rId5"/>
+    <p:sldId id="260" r:id="rId2"/>
+    <p:sldId id="259" r:id="rId3"/>
+    <p:sldId id="262" r:id="rId4"/>
+    <p:sldId id="261" r:id="rId5"/>
   </p:sldIdLst>
   <p:sldSz cx="12192000" cy="6858000"/>
   <p:notesSz cx="6858000" cy="9144000"/>
@@ -200,7 +200,7 @@
           <a:p>
             <a:fld id="{D2A48B96-639E-45A3-A0BA-2464DFDB1FAA}" type="datetimeFigureOut">
               <a:rPr lang="zh-CN" altLang="en-US" smtClean="0"/>
-              <a:t>18/4/12</a:t>
+              <a:t>2018/12/7</a:t>
             </a:fld>
             <a:endParaRPr lang="zh-CN" altLang="en-US"/>
           </a:p>
@@ -558,6 +558,899 @@
           <a:bodyPr/>
           <a:lstStyle/>
           <a:p>
+            <a:r>
+              <a:rPr lang="en-US" altLang="zh-CN" sz="1200" dirty="0" smtClean="0">
+                <a:latin typeface="Microsoft YaHei" charset="0"/>
+                <a:ea typeface="Microsoft YaHei" charset="0"/>
+                <a:cs typeface="Microsoft YaHei" charset="0"/>
+              </a:rPr>
+              <a:t>---</a:t>
+            </a:r>
+            <a:r>
+              <a:rPr lang="zh-CN" altLang="en-US" sz="1200" dirty="0" smtClean="0">
+                <a:latin typeface="Microsoft YaHei" charset="0"/>
+                <a:ea typeface="Microsoft YaHei" charset="0"/>
+                <a:cs typeface="Microsoft YaHei" charset="0"/>
+              </a:rPr>
+              <a:t> </a:t>
+            </a:r>
+            <a:r>
+              <a:rPr lang="en-US" altLang="zh-CN" sz="1200" dirty="0" smtClean="0">
+                <a:latin typeface="Microsoft YaHei" charset="0"/>
+                <a:ea typeface="Microsoft YaHei" charset="0"/>
+                <a:cs typeface="Microsoft YaHei" charset="0"/>
+              </a:rPr>
+              <a:t>---</a:t>
+            </a:r>
+            <a:r>
+              <a:rPr lang="zh-CN" altLang="en-US" sz="1200" dirty="0" smtClean="0">
+                <a:latin typeface="Microsoft YaHei" charset="0"/>
+                <a:ea typeface="Microsoft YaHei" charset="0"/>
+                <a:cs typeface="Microsoft YaHei" charset="0"/>
+              </a:rPr>
+              <a:t> </a:t>
+            </a:r>
+            <a:r>
+              <a:rPr lang="zh-CN" altLang="en-US" sz="1200" dirty="0" smtClean="0">
+                <a:latin typeface="Microsoft YaHei" charset="0"/>
+                <a:ea typeface="Microsoft YaHei" charset="0"/>
+                <a:cs typeface="Microsoft YaHei" charset="0"/>
+              </a:rPr>
+              <a:t>中间件</a:t>
+            </a:r>
+            <a:r>
+              <a:rPr lang="zh-CN" altLang="en-US" sz="1200" dirty="0" smtClean="0">
+                <a:latin typeface="Microsoft YaHei" charset="0"/>
+                <a:ea typeface="Microsoft YaHei" charset="0"/>
+                <a:cs typeface="Microsoft YaHei" charset="0"/>
+              </a:rPr>
+              <a:t>（</a:t>
+            </a:r>
+            <a:r>
+              <a:rPr lang="en-US" altLang="zh-CN" sz="1200" dirty="0" smtClean="0">
+                <a:latin typeface="Microsoft YaHei" charset="0"/>
+                <a:ea typeface="Microsoft YaHei" charset="0"/>
+                <a:cs typeface="Microsoft YaHei" charset="0"/>
+              </a:rPr>
+              <a:t>9</a:t>
+            </a:r>
+            <a:r>
+              <a:rPr lang="zh-CN" altLang="en-US" sz="1200" dirty="0" smtClean="0">
+                <a:latin typeface="Microsoft YaHei" charset="0"/>
+                <a:ea typeface="Microsoft YaHei" charset="0"/>
+                <a:cs typeface="Microsoft YaHei" charset="0"/>
+              </a:rPr>
+              <a:t>）</a:t>
+            </a:r>
+          </a:p>
+          <a:p>
+            <a:r>
+              <a:rPr lang="en-US" altLang="zh-CN" sz="1200" dirty="0" smtClean="0">
+                <a:latin typeface="Microsoft YaHei" charset="0"/>
+                <a:ea typeface="Microsoft YaHei" charset="0"/>
+                <a:cs typeface="Microsoft YaHei" charset="0"/>
+              </a:rPr>
+              <a:t>1</a:t>
+            </a:r>
+            <a:r>
+              <a:rPr lang="zh-CN" altLang="en-US" sz="1200" dirty="0" smtClean="0">
+                <a:latin typeface="Microsoft YaHei" charset="0"/>
+                <a:ea typeface="Microsoft YaHei" charset="0"/>
+                <a:cs typeface="Microsoft YaHei" charset="0"/>
+              </a:rPr>
+              <a:t>、</a:t>
+            </a:r>
+            <a:r>
+              <a:rPr lang="zh-CN" altLang="en-US" sz="1200" dirty="0" smtClean="0">
+                <a:latin typeface="Microsoft YaHei" charset="0"/>
+                <a:ea typeface="Microsoft YaHei" charset="0"/>
+                <a:cs typeface="Microsoft YaHei" charset="0"/>
+              </a:rPr>
+              <a:t>集群</a:t>
+            </a:r>
+            <a:r>
+              <a:rPr lang="zh-CN" altLang="en-US" sz="1200" dirty="0" smtClean="0">
+                <a:latin typeface="Microsoft YaHei" charset="0"/>
+                <a:ea typeface="Microsoft YaHei" charset="0"/>
+                <a:cs typeface="Microsoft YaHei" charset="0"/>
+              </a:rPr>
+              <a:t>（负载</a:t>
+            </a:r>
+            <a:r>
+              <a:rPr lang="en-US" altLang="zh-CN" sz="1200" dirty="0" smtClean="0">
+                <a:latin typeface="Microsoft YaHei" charset="0"/>
+                <a:ea typeface="Microsoft YaHei" charset="0"/>
+                <a:cs typeface="Microsoft YaHei" charset="0"/>
+              </a:rPr>
+              <a:t>/</a:t>
+            </a:r>
+            <a:r>
+              <a:rPr lang="zh-CN" altLang="en-US" sz="1200" dirty="0" smtClean="0">
+                <a:latin typeface="Microsoft YaHei" charset="0"/>
+                <a:ea typeface="Microsoft YaHei" charset="0"/>
+                <a:cs typeface="Microsoft YaHei" charset="0"/>
+              </a:rPr>
+              <a:t>网关）：</a:t>
+            </a:r>
+            <a:r>
+              <a:rPr lang="en-US" altLang="zh-CN" sz="1200" dirty="0" smtClean="0">
+                <a:latin typeface="Microsoft YaHei" charset="0"/>
+                <a:ea typeface="Microsoft YaHei" charset="0"/>
+                <a:cs typeface="Microsoft YaHei" charset="0"/>
+              </a:rPr>
+              <a:t>nginx</a:t>
+            </a:r>
+            <a:r>
+              <a:rPr lang="zh-CN" altLang="en-US" sz="1200" dirty="0" smtClean="0">
+                <a:latin typeface="Microsoft YaHei" charset="0"/>
+                <a:ea typeface="Microsoft YaHei" charset="0"/>
+                <a:cs typeface="Microsoft YaHei" charset="0"/>
+              </a:rPr>
+              <a:t> </a:t>
+            </a:r>
+          </a:p>
+          <a:p>
+            <a:r>
+              <a:rPr lang="en-US" altLang="zh-CN" sz="1200" dirty="0" smtClean="0">
+                <a:latin typeface="Microsoft YaHei" charset="0"/>
+                <a:ea typeface="Microsoft YaHei" charset="0"/>
+                <a:cs typeface="Microsoft YaHei" charset="0"/>
+              </a:rPr>
+              <a:t>2</a:t>
+            </a:r>
+            <a:r>
+              <a:rPr lang="zh-CN" altLang="en-US" sz="1200" dirty="0" smtClean="0">
+                <a:latin typeface="Microsoft YaHei" charset="0"/>
+                <a:ea typeface="Microsoft YaHei" charset="0"/>
+                <a:cs typeface="Microsoft YaHei" charset="0"/>
+              </a:rPr>
+              <a:t>、缓存：</a:t>
+            </a:r>
+            <a:r>
+              <a:rPr lang="en-US" altLang="zh-CN" sz="1200" dirty="0" smtClean="0">
+                <a:latin typeface="Microsoft YaHei" charset="0"/>
+                <a:ea typeface="Microsoft YaHei" charset="0"/>
+                <a:cs typeface="Microsoft YaHei" charset="0"/>
+              </a:rPr>
+              <a:t>XXL-CACHE/ redis cluster</a:t>
+            </a:r>
+            <a:endParaRPr lang="zh-CN" altLang="en-US" sz="1200" dirty="0" smtClean="0">
+              <a:latin typeface="Microsoft YaHei" charset="0"/>
+              <a:ea typeface="Microsoft YaHei" charset="0"/>
+              <a:cs typeface="Microsoft YaHei" charset="0"/>
+            </a:endParaRPr>
+          </a:p>
+          <a:p>
+            <a:r>
+              <a:rPr lang="en-US" altLang="zh-CN" sz="1200" dirty="0" smtClean="0">
+                <a:latin typeface="Microsoft YaHei" charset="0"/>
+                <a:ea typeface="Microsoft YaHei" charset="0"/>
+                <a:cs typeface="Microsoft YaHei" charset="0"/>
+              </a:rPr>
+              <a:t>3</a:t>
+            </a:r>
+            <a:r>
+              <a:rPr lang="zh-CN" altLang="en-US" sz="1200" dirty="0" smtClean="0">
+                <a:latin typeface="Microsoft YaHei" charset="0"/>
+                <a:ea typeface="Microsoft YaHei" charset="0"/>
+                <a:cs typeface="Microsoft YaHei" charset="0"/>
+              </a:rPr>
+              <a:t>、通讯：</a:t>
+            </a:r>
+            <a:r>
+              <a:rPr lang="en-US" altLang="zh-CN" sz="1200" dirty="0" smtClean="0">
+                <a:latin typeface="Microsoft YaHei" charset="0"/>
+                <a:ea typeface="Microsoft YaHei" charset="0"/>
+                <a:cs typeface="Microsoft YaHei" charset="0"/>
+              </a:rPr>
+              <a:t>XXL-RPC</a:t>
+            </a:r>
+            <a:endParaRPr lang="zh-CN" altLang="en-US" sz="1200" dirty="0" smtClean="0">
+              <a:latin typeface="Microsoft YaHei" charset="0"/>
+              <a:ea typeface="Microsoft YaHei" charset="0"/>
+              <a:cs typeface="Microsoft YaHei" charset="0"/>
+            </a:endParaRPr>
+          </a:p>
+          <a:p>
+            <a:r>
+              <a:rPr lang="en-US" altLang="zh-CN" sz="1200" dirty="0" smtClean="0">
+                <a:latin typeface="Microsoft YaHei" charset="0"/>
+                <a:ea typeface="Microsoft YaHei" charset="0"/>
+                <a:cs typeface="Microsoft YaHei" charset="0"/>
+              </a:rPr>
+              <a:t>4</a:t>
+            </a:r>
+            <a:r>
+              <a:rPr lang="zh-CN" altLang="en-US" sz="1200" dirty="0" smtClean="0">
+                <a:latin typeface="Microsoft YaHei" charset="0"/>
+                <a:ea typeface="Microsoft YaHei" charset="0"/>
+                <a:cs typeface="Microsoft YaHei" charset="0"/>
+              </a:rPr>
+              <a:t>、队列：</a:t>
+            </a:r>
+            <a:r>
+              <a:rPr lang="en-US" altLang="zh-CN" sz="1200" dirty="0" smtClean="0">
+                <a:latin typeface="Microsoft YaHei" charset="0"/>
+                <a:ea typeface="Microsoft YaHei" charset="0"/>
+                <a:cs typeface="Microsoft YaHei" charset="0"/>
+              </a:rPr>
+              <a:t> XXL-MQ</a:t>
+            </a:r>
+            <a:endParaRPr lang="zh-CN" altLang="en-US" sz="1200" dirty="0" smtClean="0">
+              <a:latin typeface="Microsoft YaHei" charset="0"/>
+              <a:ea typeface="Microsoft YaHei" charset="0"/>
+              <a:cs typeface="Microsoft YaHei" charset="0"/>
+            </a:endParaRPr>
+          </a:p>
+          <a:p>
+            <a:r>
+              <a:rPr lang="en-US" altLang="zh-CN" sz="1200" dirty="0" smtClean="0">
+                <a:latin typeface="Microsoft YaHei" charset="0"/>
+                <a:ea typeface="Microsoft YaHei" charset="0"/>
+                <a:cs typeface="Microsoft YaHei" charset="0"/>
+              </a:rPr>
+              <a:t>5</a:t>
+            </a:r>
+            <a:r>
+              <a:rPr lang="zh-CN" altLang="en-US" sz="1200" dirty="0" smtClean="0">
+                <a:latin typeface="Microsoft YaHei" charset="0"/>
+                <a:ea typeface="Microsoft YaHei" charset="0"/>
+                <a:cs typeface="Microsoft YaHei" charset="0"/>
+              </a:rPr>
+              <a:t>、调度：</a:t>
+            </a:r>
+            <a:r>
+              <a:rPr lang="en-US" altLang="zh-CN" sz="1200" dirty="0" smtClean="0">
+                <a:latin typeface="Microsoft YaHei" charset="0"/>
+                <a:ea typeface="Microsoft YaHei" charset="0"/>
+                <a:cs typeface="Microsoft YaHei" charset="0"/>
+              </a:rPr>
+              <a:t>XXL-JOB</a:t>
+            </a:r>
+            <a:endParaRPr lang="zh-CN" altLang="en-US" sz="1200" dirty="0" smtClean="0">
+              <a:latin typeface="Microsoft YaHei" charset="0"/>
+              <a:ea typeface="Microsoft YaHei" charset="0"/>
+              <a:cs typeface="Microsoft YaHei" charset="0"/>
+            </a:endParaRPr>
+          </a:p>
+          <a:p>
+            <a:r>
+              <a:rPr lang="en-US" altLang="zh-CN" sz="1200" dirty="0" smtClean="0">
+                <a:latin typeface="Microsoft YaHei" charset="0"/>
+                <a:ea typeface="Microsoft YaHei" charset="0"/>
+                <a:cs typeface="Microsoft YaHei" charset="0"/>
+              </a:rPr>
+              <a:t>6</a:t>
+            </a:r>
+            <a:r>
+              <a:rPr lang="zh-CN" altLang="en-US" sz="1200" dirty="0" smtClean="0">
+                <a:latin typeface="Microsoft YaHei" charset="0"/>
+                <a:ea typeface="Microsoft YaHei" charset="0"/>
+                <a:cs typeface="Microsoft YaHei" charset="0"/>
+              </a:rPr>
+              <a:t>、配置：</a:t>
+            </a:r>
+            <a:r>
+              <a:rPr lang="en-US" altLang="zh-CN" sz="1200" dirty="0" smtClean="0">
+                <a:latin typeface="Microsoft YaHei" charset="0"/>
+                <a:ea typeface="Microsoft YaHei" charset="0"/>
+                <a:cs typeface="Microsoft YaHei" charset="0"/>
+              </a:rPr>
+              <a:t>XXL-CONF</a:t>
+            </a:r>
+            <a:endParaRPr lang="zh-CN" altLang="en-US" sz="1200" dirty="0" smtClean="0">
+              <a:latin typeface="Microsoft YaHei" charset="0"/>
+              <a:ea typeface="Microsoft YaHei" charset="0"/>
+              <a:cs typeface="Microsoft YaHei" charset="0"/>
+            </a:endParaRPr>
+          </a:p>
+          <a:p>
+            <a:r>
+              <a:rPr lang="en-US" altLang="zh-CN" sz="1200" dirty="0" smtClean="0">
+                <a:latin typeface="Microsoft YaHei" charset="0"/>
+                <a:ea typeface="Microsoft YaHei" charset="0"/>
+                <a:cs typeface="Microsoft YaHei" charset="0"/>
+              </a:rPr>
+              <a:t>7</a:t>
+            </a:r>
+            <a:r>
+              <a:rPr lang="zh-CN" altLang="en-US" sz="1200" dirty="0" smtClean="0">
+                <a:latin typeface="Microsoft YaHei" charset="0"/>
+                <a:ea typeface="Microsoft YaHei" charset="0"/>
+                <a:cs typeface="Microsoft YaHei" charset="0"/>
+              </a:rPr>
+              <a:t>、注册中心：</a:t>
+            </a:r>
+            <a:r>
+              <a:rPr lang="en-US" altLang="zh-CN" sz="1200" dirty="0" smtClean="0">
+                <a:latin typeface="Microsoft YaHei" charset="0"/>
+                <a:ea typeface="Microsoft YaHei" charset="0"/>
+                <a:cs typeface="Microsoft YaHei" charset="0"/>
+              </a:rPr>
+              <a:t>XXL-REGISTRY</a:t>
+            </a:r>
+            <a:endParaRPr lang="zh-CN" altLang="en-US" sz="1200" dirty="0" smtClean="0">
+              <a:latin typeface="Microsoft YaHei" charset="0"/>
+              <a:ea typeface="Microsoft YaHei" charset="0"/>
+              <a:cs typeface="Microsoft YaHei" charset="0"/>
+            </a:endParaRPr>
+          </a:p>
+          <a:p>
+            <a:r>
+              <a:rPr lang="en-US" altLang="zh-CN" sz="1200" dirty="0" smtClean="0">
+                <a:latin typeface="Microsoft YaHei" charset="0"/>
+                <a:ea typeface="Microsoft YaHei" charset="0"/>
+                <a:cs typeface="Microsoft YaHei" charset="0"/>
+              </a:rPr>
+              <a:t>8</a:t>
+            </a:r>
+            <a:r>
+              <a:rPr lang="zh-CN" altLang="en-US" sz="1200" dirty="0" smtClean="0">
+                <a:latin typeface="Microsoft YaHei" charset="0"/>
+                <a:ea typeface="Microsoft YaHei" charset="0"/>
+                <a:cs typeface="Microsoft YaHei" charset="0"/>
+              </a:rPr>
+              <a:t>、数据库访问层</a:t>
+            </a:r>
+            <a:r>
+              <a:rPr lang="en-US" altLang="zh-CN" sz="1200" dirty="0" smtClean="0">
+                <a:latin typeface="Microsoft YaHei" charset="0"/>
+                <a:ea typeface="Microsoft YaHei" charset="0"/>
+                <a:cs typeface="Microsoft YaHei" charset="0"/>
+              </a:rPr>
+              <a:t>DAL</a:t>
+            </a:r>
+            <a:r>
+              <a:rPr lang="zh-CN" altLang="en-US" sz="1200" dirty="0" smtClean="0">
+                <a:latin typeface="Microsoft YaHei" charset="0"/>
+                <a:ea typeface="Microsoft YaHei" charset="0"/>
+                <a:cs typeface="Microsoft YaHei" charset="0"/>
+              </a:rPr>
+              <a:t>（读写分离、分库分</a:t>
+            </a:r>
+          </a:p>
+          <a:p>
+            <a:r>
+              <a:rPr lang="zh-CN" altLang="en-US" sz="1200" dirty="0" smtClean="0">
+                <a:latin typeface="Microsoft YaHei" charset="0"/>
+                <a:ea typeface="Microsoft YaHei" charset="0"/>
+                <a:cs typeface="Microsoft YaHei" charset="0"/>
+              </a:rPr>
+              <a:t>表）：</a:t>
+            </a:r>
+            <a:r>
+              <a:rPr lang="en-US" altLang="zh-CN" sz="1200" dirty="0" smtClean="0">
+                <a:latin typeface="Microsoft YaHei" charset="0"/>
+                <a:ea typeface="Microsoft YaHei" charset="0"/>
+                <a:cs typeface="Microsoft YaHei" charset="0"/>
+              </a:rPr>
+              <a:t>Zebra</a:t>
+            </a:r>
+            <a:r>
+              <a:rPr lang="zh-CN" altLang="en-US" sz="1200" dirty="0" smtClean="0">
+                <a:latin typeface="Microsoft YaHei" charset="0"/>
+                <a:ea typeface="Microsoft YaHei" charset="0"/>
+                <a:cs typeface="Microsoft YaHei" charset="0"/>
+              </a:rPr>
+              <a:t>、</a:t>
+            </a:r>
+            <a:r>
+              <a:rPr lang="en-US" altLang="zh-CN" sz="1200" dirty="0" smtClean="0">
+                <a:latin typeface="Microsoft YaHei" charset="0"/>
+                <a:ea typeface="Microsoft YaHei" charset="0"/>
+                <a:cs typeface="Microsoft YaHei" charset="0"/>
+              </a:rPr>
+              <a:t>Sharding-jdbc</a:t>
+            </a:r>
+            <a:endParaRPr lang="zh-CN" altLang="en-US" sz="1200" dirty="0" smtClean="0">
+              <a:latin typeface="Microsoft YaHei" charset="0"/>
+              <a:ea typeface="Microsoft YaHei" charset="0"/>
+              <a:cs typeface="Microsoft YaHei" charset="0"/>
+            </a:endParaRPr>
+          </a:p>
+          <a:p>
+            <a:r>
+              <a:rPr lang="en-US" altLang="zh-CN" sz="1200" dirty="0" smtClean="0">
+                <a:latin typeface="Microsoft YaHei" charset="0"/>
+                <a:ea typeface="Microsoft YaHei" charset="0"/>
+                <a:cs typeface="Microsoft YaHei" charset="0"/>
+              </a:rPr>
+              <a:t>9</a:t>
+            </a:r>
+            <a:r>
+              <a:rPr lang="zh-CN" altLang="en-US" sz="1200" dirty="0" smtClean="0">
+                <a:latin typeface="Microsoft YaHei" charset="0"/>
+                <a:ea typeface="Microsoft YaHei" charset="0"/>
+                <a:cs typeface="Microsoft YaHei" charset="0"/>
+              </a:rPr>
+              <a:t>、监控、报警：</a:t>
+            </a:r>
+            <a:r>
+              <a:rPr lang="en-US" altLang="zh-CN" sz="1200" dirty="0" smtClean="0">
+                <a:latin typeface="Microsoft YaHei" charset="0"/>
+                <a:ea typeface="Microsoft YaHei" charset="0"/>
+                <a:cs typeface="Microsoft YaHei" charset="0"/>
+              </a:rPr>
+              <a:t>Cat</a:t>
+            </a:r>
+            <a:r>
+              <a:rPr lang="zh-CN" altLang="en-US" sz="1200" dirty="0" smtClean="0">
+                <a:latin typeface="Microsoft YaHei" charset="0"/>
+                <a:ea typeface="Microsoft YaHei" charset="0"/>
+                <a:cs typeface="Microsoft YaHei" charset="0"/>
+              </a:rPr>
+              <a:t> </a:t>
+            </a:r>
+          </a:p>
+          <a:p>
+            <a:r>
+              <a:rPr lang="en-US" altLang="zh-CN" sz="1200" dirty="0" smtClean="0">
+                <a:latin typeface="Microsoft YaHei" charset="0"/>
+                <a:ea typeface="Microsoft YaHei" charset="0"/>
+                <a:cs typeface="Microsoft YaHei" charset="0"/>
+              </a:rPr>
+              <a:t>---</a:t>
+            </a:r>
+            <a:r>
+              <a:rPr lang="zh-CN" altLang="en-US" sz="1200" dirty="0" smtClean="0">
+                <a:latin typeface="Microsoft YaHei" charset="0"/>
+                <a:ea typeface="Microsoft YaHei" charset="0"/>
+                <a:cs typeface="Microsoft YaHei" charset="0"/>
+              </a:rPr>
+              <a:t> </a:t>
+            </a:r>
+            <a:r>
+              <a:rPr lang="en-US" altLang="zh-CN" sz="1200" dirty="0" smtClean="0">
+                <a:latin typeface="Microsoft YaHei" charset="0"/>
+                <a:ea typeface="Microsoft YaHei" charset="0"/>
+                <a:cs typeface="Microsoft YaHei" charset="0"/>
+              </a:rPr>
+              <a:t>---</a:t>
+            </a:r>
+            <a:r>
+              <a:rPr lang="zh-CN" altLang="en-US" sz="1200" dirty="0" smtClean="0">
+                <a:latin typeface="Microsoft YaHei" charset="0"/>
+                <a:ea typeface="Microsoft YaHei" charset="0"/>
+                <a:cs typeface="Microsoft YaHei" charset="0"/>
+              </a:rPr>
+              <a:t> 基础服务（</a:t>
+            </a:r>
+            <a:r>
+              <a:rPr lang="en-US" altLang="zh-CN" sz="1200" dirty="0" smtClean="0">
+                <a:latin typeface="Microsoft YaHei" charset="0"/>
+                <a:ea typeface="Microsoft YaHei" charset="0"/>
+                <a:cs typeface="Microsoft YaHei" charset="0"/>
+              </a:rPr>
+              <a:t>2</a:t>
+            </a:r>
+            <a:r>
+              <a:rPr lang="zh-CN" altLang="en-US" sz="1200" dirty="0" smtClean="0">
+                <a:latin typeface="Microsoft YaHei" charset="0"/>
+                <a:ea typeface="Microsoft YaHei" charset="0"/>
+                <a:cs typeface="Microsoft YaHei" charset="0"/>
+              </a:rPr>
+              <a:t>）</a:t>
+            </a:r>
+          </a:p>
+          <a:p>
+            <a:r>
+              <a:rPr lang="en-US" altLang="zh-CN" sz="1200" dirty="0" smtClean="0">
+                <a:latin typeface="Microsoft YaHei" charset="0"/>
+                <a:ea typeface="Microsoft YaHei" charset="0"/>
+                <a:cs typeface="Microsoft YaHei" charset="0"/>
+              </a:rPr>
+              <a:t>10</a:t>
+            </a:r>
+            <a:r>
+              <a:rPr lang="zh-CN" altLang="en-US" sz="1200" dirty="0" smtClean="0">
+                <a:latin typeface="Microsoft YaHei" charset="0"/>
+                <a:ea typeface="Microsoft YaHei" charset="0"/>
+                <a:cs typeface="Microsoft YaHei" charset="0"/>
+              </a:rPr>
+              <a:t>、单点登录：</a:t>
+            </a:r>
+            <a:r>
+              <a:rPr lang="en-US" altLang="zh-CN" sz="1200" dirty="0" smtClean="0">
+                <a:latin typeface="Microsoft YaHei" charset="0"/>
+                <a:ea typeface="Microsoft YaHei" charset="0"/>
+                <a:cs typeface="Microsoft YaHei" charset="0"/>
+              </a:rPr>
+              <a:t>XXL-SSO</a:t>
+            </a:r>
+            <a:endParaRPr lang="zh-CN" altLang="en-US" sz="1200" dirty="0" smtClean="0">
+              <a:latin typeface="Microsoft YaHei" charset="0"/>
+              <a:ea typeface="Microsoft YaHei" charset="0"/>
+              <a:cs typeface="Microsoft YaHei" charset="0"/>
+            </a:endParaRPr>
+          </a:p>
+          <a:p>
+            <a:r>
+              <a:rPr lang="en-US" altLang="zh-CN" sz="1200" dirty="0" smtClean="0">
+                <a:latin typeface="Microsoft YaHei" charset="0"/>
+                <a:ea typeface="Microsoft YaHei" charset="0"/>
+                <a:cs typeface="Microsoft YaHei" charset="0"/>
+              </a:rPr>
+              <a:t>11</a:t>
+            </a:r>
+            <a:r>
+              <a:rPr lang="zh-CN" altLang="en-US" sz="1200" dirty="0" smtClean="0">
+                <a:latin typeface="Microsoft YaHei" charset="0"/>
+                <a:ea typeface="Microsoft YaHei" charset="0"/>
+                <a:cs typeface="Microsoft YaHei" charset="0"/>
+              </a:rPr>
+              <a:t>、搜索：</a:t>
+            </a:r>
+            <a:r>
+              <a:rPr lang="en-US" altLang="zh-CN" sz="1200" dirty="0" smtClean="0">
+                <a:latin typeface="Microsoft YaHei" charset="0"/>
+                <a:ea typeface="Microsoft YaHei" charset="0"/>
+                <a:cs typeface="Microsoft YaHei" charset="0"/>
+              </a:rPr>
+              <a:t>XXL-SEARCH/ES</a:t>
+            </a:r>
+            <a:endParaRPr lang="zh-CN" altLang="en-US" sz="1200" dirty="0" smtClean="0">
+              <a:latin typeface="Microsoft YaHei" charset="0"/>
+              <a:ea typeface="Microsoft YaHei" charset="0"/>
+              <a:cs typeface="Microsoft YaHei" charset="0"/>
+            </a:endParaRPr>
+          </a:p>
+          <a:p>
+            <a:pPr marL="0" marR="0" indent="0" algn="l" defTabSz="914400" rtl="0" eaLnBrk="1" fontAlgn="auto" latinLnBrk="0" hangingPunct="1">
+              <a:lnSpc>
+                <a:spcPct val="100000"/>
+              </a:lnSpc>
+              <a:spcBef>
+                <a:spcPts val="0"/>
+              </a:spcBef>
+              <a:spcAft>
+                <a:spcPts val="0"/>
+              </a:spcAft>
+              <a:buClrTx/>
+              <a:buSzTx/>
+              <a:buFontTx/>
+              <a:buNone/>
+              <a:tabLst/>
+              <a:defRPr/>
+            </a:pPr>
+            <a:r>
+              <a:rPr lang="en-US" altLang="zh-CN" sz="1200" dirty="0" smtClean="0">
+                <a:latin typeface="Microsoft YaHei" charset="0"/>
+                <a:ea typeface="Microsoft YaHei" charset="0"/>
+                <a:cs typeface="Microsoft YaHei" charset="0"/>
+              </a:rPr>
+              <a:t>---</a:t>
+            </a:r>
+            <a:r>
+              <a:rPr lang="zh-CN" altLang="en-US" sz="1200" dirty="0" smtClean="0">
+                <a:latin typeface="Microsoft YaHei" charset="0"/>
+                <a:ea typeface="Microsoft YaHei" charset="0"/>
+                <a:cs typeface="Microsoft YaHei" charset="0"/>
+              </a:rPr>
+              <a:t> </a:t>
+            </a:r>
+            <a:r>
+              <a:rPr lang="en-US" altLang="zh-CN" sz="1200" dirty="0" smtClean="0">
+                <a:latin typeface="Microsoft YaHei" charset="0"/>
+                <a:ea typeface="Microsoft YaHei" charset="0"/>
+                <a:cs typeface="Microsoft YaHei" charset="0"/>
+              </a:rPr>
+              <a:t>---</a:t>
+            </a:r>
+            <a:r>
+              <a:rPr lang="zh-CN" altLang="en-US" sz="1200" dirty="0" smtClean="0">
+                <a:latin typeface="Microsoft YaHei" charset="0"/>
+                <a:ea typeface="Microsoft YaHei" charset="0"/>
+                <a:cs typeface="Microsoft YaHei" charset="0"/>
+              </a:rPr>
+              <a:t> </a:t>
+            </a:r>
+            <a:r>
+              <a:rPr lang="en-US" altLang="zh-CN" sz="1200" dirty="0" smtClean="0">
+                <a:latin typeface="Microsoft YaHei" charset="0"/>
+                <a:ea typeface="Microsoft YaHei" charset="0"/>
+                <a:cs typeface="Microsoft YaHei" charset="0"/>
+              </a:rPr>
+              <a:t>CI</a:t>
+            </a:r>
+            <a:r>
+              <a:rPr lang="zh-CN" altLang="en-US" sz="1200" dirty="0" smtClean="0">
+                <a:latin typeface="Microsoft YaHei" charset="0"/>
+                <a:ea typeface="Microsoft YaHei" charset="0"/>
+                <a:cs typeface="Microsoft YaHei" charset="0"/>
+              </a:rPr>
+              <a:t>、</a:t>
+            </a:r>
+            <a:r>
+              <a:rPr lang="en-US" altLang="zh-CN" sz="1200" dirty="0" smtClean="0">
+                <a:latin typeface="Microsoft YaHei" charset="0"/>
+                <a:ea typeface="Microsoft YaHei" charset="0"/>
+                <a:cs typeface="Microsoft YaHei" charset="0"/>
+              </a:rPr>
+              <a:t>CD</a:t>
+            </a:r>
+            <a:r>
+              <a:rPr lang="zh-CN" altLang="en-US" sz="1200" dirty="0" smtClean="0">
+                <a:latin typeface="Microsoft YaHei" charset="0"/>
+                <a:ea typeface="Microsoft YaHei" charset="0"/>
+                <a:cs typeface="Microsoft YaHei" charset="0"/>
+              </a:rPr>
+              <a:t>（</a:t>
+            </a:r>
+            <a:r>
+              <a:rPr lang="en-US" altLang="zh-CN" sz="1200" dirty="0" smtClean="0">
+                <a:latin typeface="Microsoft YaHei" charset="0"/>
+                <a:ea typeface="Microsoft YaHei" charset="0"/>
+                <a:cs typeface="Microsoft YaHei" charset="0"/>
+              </a:rPr>
+              <a:t>2</a:t>
+            </a:r>
+            <a:r>
+              <a:rPr lang="zh-CN" altLang="en-US" sz="1200" dirty="0" smtClean="0">
+                <a:latin typeface="Microsoft YaHei" charset="0"/>
+                <a:ea typeface="Microsoft YaHei" charset="0"/>
+                <a:cs typeface="Microsoft YaHei" charset="0"/>
+              </a:rPr>
+              <a:t>）</a:t>
+            </a:r>
+          </a:p>
+          <a:p>
+            <a:pPr marL="0" marR="0" indent="0" algn="l" defTabSz="914400" rtl="0" eaLnBrk="1" fontAlgn="auto" latinLnBrk="0" hangingPunct="1">
+              <a:lnSpc>
+                <a:spcPct val="100000"/>
+              </a:lnSpc>
+              <a:spcBef>
+                <a:spcPts val="0"/>
+              </a:spcBef>
+              <a:spcAft>
+                <a:spcPts val="0"/>
+              </a:spcAft>
+              <a:buClrTx/>
+              <a:buSzTx/>
+              <a:buFontTx/>
+              <a:buNone/>
+              <a:tabLst/>
+              <a:defRPr/>
+            </a:pPr>
+            <a:r>
+              <a:rPr lang="en-US" altLang="zh-CN" sz="1200" dirty="0" smtClean="0">
+                <a:latin typeface="Microsoft YaHei" charset="0"/>
+                <a:ea typeface="Microsoft YaHei" charset="0"/>
+                <a:cs typeface="Microsoft YaHei" charset="0"/>
+              </a:rPr>
+              <a:t>12</a:t>
+            </a:r>
+            <a:r>
+              <a:rPr lang="zh-CN" altLang="en-US" sz="1200" dirty="0" smtClean="0">
+                <a:latin typeface="Microsoft YaHei" charset="0"/>
+                <a:ea typeface="Microsoft YaHei" charset="0"/>
+                <a:cs typeface="Microsoft YaHei" charset="0"/>
+              </a:rPr>
+              <a:t>、</a:t>
+            </a:r>
+            <a:r>
+              <a:rPr lang="en-US" altLang="zh-CN" sz="1200" dirty="0" smtClean="0">
+                <a:latin typeface="Microsoft YaHei" charset="0"/>
+                <a:ea typeface="Microsoft YaHei" charset="0"/>
+                <a:cs typeface="Microsoft YaHei" charset="0"/>
+              </a:rPr>
+              <a:t>CI</a:t>
+            </a:r>
+            <a:r>
+              <a:rPr lang="zh-CN" altLang="en-US" sz="1200" dirty="0" smtClean="0">
+                <a:latin typeface="Microsoft YaHei" charset="0"/>
+                <a:ea typeface="Microsoft YaHei" charset="0"/>
+                <a:cs typeface="Microsoft YaHei" charset="0"/>
+              </a:rPr>
+              <a:t>：</a:t>
+            </a:r>
+            <a:r>
+              <a:rPr lang="en-US" altLang="zh-CN" sz="1200" dirty="0" smtClean="0">
+                <a:latin typeface="Microsoft YaHei" charset="0"/>
+                <a:ea typeface="Microsoft YaHei" charset="0"/>
+                <a:cs typeface="Microsoft YaHei" charset="0"/>
+              </a:rPr>
+              <a:t>Jenkins</a:t>
+            </a:r>
+            <a:endParaRPr lang="zh-CN" altLang="en-US" sz="1200" dirty="0" smtClean="0">
+              <a:latin typeface="Microsoft YaHei" charset="0"/>
+              <a:ea typeface="Microsoft YaHei" charset="0"/>
+              <a:cs typeface="Microsoft YaHei" charset="0"/>
+            </a:endParaRPr>
+          </a:p>
+          <a:p>
+            <a:pPr marL="0" marR="0" indent="0" algn="l" defTabSz="914400" rtl="0" eaLnBrk="1" fontAlgn="auto" latinLnBrk="0" hangingPunct="1">
+              <a:lnSpc>
+                <a:spcPct val="100000"/>
+              </a:lnSpc>
+              <a:spcBef>
+                <a:spcPts val="0"/>
+              </a:spcBef>
+              <a:spcAft>
+                <a:spcPts val="0"/>
+              </a:spcAft>
+              <a:buClrTx/>
+              <a:buSzTx/>
+              <a:buFontTx/>
+              <a:buNone/>
+              <a:tabLst/>
+              <a:defRPr/>
+            </a:pPr>
+            <a:r>
+              <a:rPr lang="en-US" altLang="zh-CN" sz="1200" dirty="0" smtClean="0">
+                <a:latin typeface="Microsoft YaHei" charset="0"/>
+                <a:ea typeface="Microsoft YaHei" charset="0"/>
+                <a:cs typeface="Microsoft YaHei" charset="0"/>
+              </a:rPr>
+              <a:t>13</a:t>
+            </a:r>
+            <a:r>
+              <a:rPr lang="zh-CN" altLang="en-US" sz="1200" dirty="0" smtClean="0">
+                <a:latin typeface="Microsoft YaHei" charset="0"/>
+                <a:ea typeface="Microsoft YaHei" charset="0"/>
+                <a:cs typeface="Microsoft YaHei" charset="0"/>
+              </a:rPr>
+              <a:t>、</a:t>
+            </a:r>
+            <a:r>
+              <a:rPr lang="en-US" altLang="zh-CN" sz="1200" dirty="0" smtClean="0">
+                <a:latin typeface="Microsoft YaHei" charset="0"/>
+                <a:ea typeface="Microsoft YaHei" charset="0"/>
+                <a:cs typeface="Microsoft YaHei" charset="0"/>
+              </a:rPr>
+              <a:t>CD</a:t>
+            </a:r>
+            <a:r>
+              <a:rPr lang="zh-CN" altLang="en-US" sz="1200" dirty="0" smtClean="0">
+                <a:latin typeface="Microsoft YaHei" charset="0"/>
+                <a:ea typeface="Microsoft YaHei" charset="0"/>
+                <a:cs typeface="Microsoft YaHei" charset="0"/>
+              </a:rPr>
+              <a:t>：</a:t>
+            </a:r>
+            <a:r>
+              <a:rPr lang="en-US" altLang="zh-CN" sz="1200" dirty="0" smtClean="0">
+                <a:latin typeface="Microsoft YaHei" charset="0"/>
+                <a:ea typeface="Microsoft YaHei" charset="0"/>
+                <a:cs typeface="Microsoft YaHei" charset="0"/>
+              </a:rPr>
+              <a:t>Docker</a:t>
+            </a:r>
+            <a:endParaRPr lang="zh-CN" altLang="en-US" sz="1200" dirty="0" smtClean="0">
+              <a:latin typeface="Microsoft YaHei" charset="0"/>
+              <a:ea typeface="Microsoft YaHei" charset="0"/>
+              <a:cs typeface="Microsoft YaHei" charset="0"/>
+            </a:endParaRPr>
+          </a:p>
+          <a:p>
+            <a:pPr marL="0" marR="0" indent="0" algn="l" defTabSz="914400" rtl="0" eaLnBrk="1" fontAlgn="auto" latinLnBrk="0" hangingPunct="1">
+              <a:lnSpc>
+                <a:spcPct val="100000"/>
+              </a:lnSpc>
+              <a:spcBef>
+                <a:spcPts val="0"/>
+              </a:spcBef>
+              <a:spcAft>
+                <a:spcPts val="0"/>
+              </a:spcAft>
+              <a:buClrTx/>
+              <a:buSzTx/>
+              <a:buFontTx/>
+              <a:buNone/>
+              <a:tabLst/>
+              <a:defRPr/>
+            </a:pPr>
+            <a:r>
+              <a:rPr lang="en-US" altLang="zh-CN" sz="1200" dirty="0" smtClean="0">
+                <a:latin typeface="Microsoft YaHei" charset="0"/>
+                <a:ea typeface="Microsoft YaHei" charset="0"/>
+                <a:cs typeface="Microsoft YaHei" charset="0"/>
+              </a:rPr>
+              <a:t>---</a:t>
+            </a:r>
+            <a:r>
+              <a:rPr lang="zh-CN" altLang="en-US" sz="1200" dirty="0" smtClean="0">
+                <a:latin typeface="Microsoft YaHei" charset="0"/>
+                <a:ea typeface="Microsoft YaHei" charset="0"/>
+                <a:cs typeface="Microsoft YaHei" charset="0"/>
+              </a:rPr>
+              <a:t> </a:t>
+            </a:r>
+            <a:r>
+              <a:rPr lang="en-US" altLang="zh-CN" sz="1200" dirty="0" smtClean="0">
+                <a:latin typeface="Microsoft YaHei" charset="0"/>
+                <a:ea typeface="Microsoft YaHei" charset="0"/>
+                <a:cs typeface="Microsoft YaHei" charset="0"/>
+              </a:rPr>
+              <a:t>---</a:t>
+            </a:r>
+            <a:r>
+              <a:rPr lang="zh-CN" altLang="en-US" sz="1200" dirty="0" smtClean="0">
+                <a:latin typeface="Microsoft YaHei" charset="0"/>
+                <a:ea typeface="Microsoft YaHei" charset="0"/>
+                <a:cs typeface="Microsoft YaHei" charset="0"/>
+              </a:rPr>
+              <a:t> </a:t>
+            </a:r>
+            <a:r>
+              <a:rPr lang="zh-CN" altLang="en-US" sz="1200" dirty="0" smtClean="0">
+                <a:latin typeface="Microsoft YaHei" charset="0"/>
+                <a:ea typeface="Microsoft YaHei" charset="0"/>
+                <a:cs typeface="Microsoft YaHei" charset="0"/>
+              </a:rPr>
+              <a:t>存储</a:t>
+            </a:r>
+            <a:endParaRPr lang="zh-CN" altLang="en-US" sz="1200" dirty="0" smtClean="0">
+              <a:latin typeface="Microsoft YaHei" charset="0"/>
+              <a:ea typeface="Microsoft YaHei" charset="0"/>
+              <a:cs typeface="Microsoft YaHei" charset="0"/>
+            </a:endParaRPr>
+          </a:p>
+          <a:p>
+            <a:r>
+              <a:rPr lang="en-US" altLang="zh-CN" sz="1200" dirty="0" smtClean="0">
+                <a:latin typeface="Microsoft YaHei" charset="0"/>
+                <a:ea typeface="Microsoft YaHei" charset="0"/>
+                <a:cs typeface="Microsoft YaHei" charset="0"/>
+              </a:rPr>
+              <a:t>14</a:t>
+            </a:r>
+            <a:r>
+              <a:rPr lang="zh-CN" altLang="en-US" sz="1200" dirty="0" smtClean="0">
+                <a:latin typeface="Microsoft YaHei" charset="0"/>
+                <a:ea typeface="Microsoft YaHei" charset="0"/>
+                <a:cs typeface="Microsoft YaHei" charset="0"/>
+              </a:rPr>
+              <a:t>、数据库：主从</a:t>
+            </a:r>
+            <a:r>
+              <a:rPr lang="en-US" altLang="zh-CN" sz="1200" dirty="0" smtClean="0">
+                <a:latin typeface="Microsoft YaHei" charset="0"/>
+                <a:ea typeface="Microsoft YaHei" charset="0"/>
+                <a:cs typeface="Microsoft YaHei" charset="0"/>
+              </a:rPr>
+              <a:t>/mysql</a:t>
+            </a:r>
+            <a:endParaRPr lang="zh-CN" altLang="en-US" sz="1200" dirty="0" smtClean="0">
+              <a:latin typeface="Microsoft YaHei" charset="0"/>
+              <a:ea typeface="Microsoft YaHei" charset="0"/>
+              <a:cs typeface="Microsoft YaHei" charset="0"/>
+            </a:endParaRPr>
+          </a:p>
+          <a:p>
+            <a:r>
+              <a:rPr lang="en-US" altLang="zh-CN" sz="1200" dirty="0" smtClean="0">
+                <a:latin typeface="Microsoft YaHei" charset="0"/>
+                <a:ea typeface="Microsoft YaHei" charset="0"/>
+                <a:cs typeface="Microsoft YaHei" charset="0"/>
+              </a:rPr>
+              <a:t>15</a:t>
+            </a:r>
+            <a:r>
+              <a:rPr lang="zh-CN" altLang="en-US" sz="1200" dirty="0" smtClean="0">
+                <a:latin typeface="Microsoft YaHei" charset="0"/>
+                <a:ea typeface="Microsoft YaHei" charset="0"/>
+                <a:cs typeface="Microsoft YaHei" charset="0"/>
+              </a:rPr>
+              <a:t>、文件系统</a:t>
+            </a:r>
+            <a:r>
+              <a:rPr lang="en-US" altLang="zh-CN" sz="1200" dirty="0" smtClean="0">
+                <a:latin typeface="Microsoft YaHei" charset="0"/>
+                <a:ea typeface="Microsoft YaHei" charset="0"/>
+                <a:cs typeface="Microsoft YaHei" charset="0"/>
+              </a:rPr>
+              <a:t>/CDN</a:t>
+            </a:r>
+            <a:r>
+              <a:rPr lang="zh-CN" altLang="en-US" sz="1200" dirty="0" smtClean="0">
+                <a:latin typeface="Microsoft YaHei" charset="0"/>
+                <a:ea typeface="Microsoft YaHei" charset="0"/>
+                <a:cs typeface="Microsoft YaHei" charset="0"/>
+              </a:rPr>
+              <a:t>：云服务</a:t>
+            </a:r>
+          </a:p>
+          <a:p>
             <a:endParaRPr kumimoji="0" lang="zh-CN" altLang="en-US" dirty="0">
               <a:latin typeface="Arial" charset="0"/>
               <a:ea typeface="ＭＳ Ｐゴシック" charset="-128"/>
@@ -719,7 +1612,7 @@
     </p:spTree>
     <p:extLst>
       <p:ext uri="{BB962C8B-B14F-4D97-AF65-F5344CB8AC3E}">
-        <p14:creationId xmlns:p14="http://schemas.microsoft.com/office/powerpoint/2010/main" val="1329285136"/>
+        <p14:creationId xmlns:p14="http://schemas.microsoft.com/office/powerpoint/2010/main" val="777329901"/>
       </p:ext>
     </p:extLst>
   </p:cSld>
@@ -980,7 +1873,7 @@
     </p:spTree>
     <p:extLst>
       <p:ext uri="{BB962C8B-B14F-4D97-AF65-F5344CB8AC3E}">
-        <p14:creationId xmlns:p14="http://schemas.microsoft.com/office/powerpoint/2010/main" val="2113013361"/>
+        <p14:creationId xmlns:p14="http://schemas.microsoft.com/office/powerpoint/2010/main" val="1329285136"/>
       </p:ext>
     </p:extLst>
   </p:cSld>
@@ -1241,7 +2134,7 @@
     </p:spTree>
     <p:extLst>
       <p:ext uri="{BB962C8B-B14F-4D97-AF65-F5344CB8AC3E}">
-        <p14:creationId xmlns:p14="http://schemas.microsoft.com/office/powerpoint/2010/main" val="7750709"/>
+        <p14:creationId xmlns:p14="http://schemas.microsoft.com/office/powerpoint/2010/main" val="2113013361"/>
       </p:ext>
     </p:extLst>
   </p:cSld>
@@ -1502,7 +2395,7 @@
     </p:spTree>
     <p:extLst>
       <p:ext uri="{BB962C8B-B14F-4D97-AF65-F5344CB8AC3E}">
-        <p14:creationId xmlns:p14="http://schemas.microsoft.com/office/powerpoint/2010/main" val="777329901"/>
+        <p14:creationId xmlns:p14="http://schemas.microsoft.com/office/powerpoint/2010/main" val="7750709"/>
       </p:ext>
     </p:extLst>
   </p:cSld>
@@ -1643,7 +2536,7 @@
           <a:p>
             <a:fld id="{D997B5FA-0921-464F-AAE1-844C04324D75}" type="datetimeFigureOut">
               <a:rPr lang="zh-CN" altLang="en-US" smtClean="0"/>
-              <a:t>18/4/12</a:t>
+              <a:t>2018/12/7</a:t>
             </a:fld>
             <a:endParaRPr lang="zh-CN" altLang="en-US"/>
           </a:p>
@@ -1808,7 +2701,7 @@
           <a:p>
             <a:fld id="{D997B5FA-0921-464F-AAE1-844C04324D75}" type="datetimeFigureOut">
               <a:rPr lang="zh-CN" altLang="en-US" smtClean="0"/>
-              <a:t>18/4/12</a:t>
+              <a:t>2018/12/7</a:t>
             </a:fld>
             <a:endParaRPr lang="zh-CN" altLang="en-US"/>
           </a:p>
@@ -1983,7 +2876,7 @@
           <a:p>
             <a:fld id="{D997B5FA-0921-464F-AAE1-844C04324D75}" type="datetimeFigureOut">
               <a:rPr lang="zh-CN" altLang="en-US" smtClean="0"/>
-              <a:t>18/4/12</a:t>
+              <a:t>2018/12/7</a:t>
             </a:fld>
             <a:endParaRPr lang="zh-CN" altLang="en-US"/>
           </a:p>
@@ -2148,7 +3041,7 @@
           <a:p>
             <a:fld id="{D997B5FA-0921-464F-AAE1-844C04324D75}" type="datetimeFigureOut">
               <a:rPr lang="zh-CN" altLang="en-US" smtClean="0"/>
-              <a:t>18/4/12</a:t>
+              <a:t>2018/12/7</a:t>
             </a:fld>
             <a:endParaRPr lang="zh-CN" altLang="en-US"/>
           </a:p>
@@ -2389,7 +3282,7 @@
           <a:p>
             <a:fld id="{D997B5FA-0921-464F-AAE1-844C04324D75}" type="datetimeFigureOut">
               <a:rPr lang="zh-CN" altLang="en-US" smtClean="0"/>
-              <a:t>18/4/12</a:t>
+              <a:t>2018/12/7</a:t>
             </a:fld>
             <a:endParaRPr lang="zh-CN" altLang="en-US"/>
           </a:p>
@@ -2616,7 +3509,7 @@
           <a:p>
             <a:fld id="{D997B5FA-0921-464F-AAE1-844C04324D75}" type="datetimeFigureOut">
               <a:rPr lang="zh-CN" altLang="en-US" smtClean="0"/>
-              <a:t>18/4/12</a:t>
+              <a:t>2018/12/7</a:t>
             </a:fld>
             <a:endParaRPr lang="zh-CN" altLang="en-US"/>
           </a:p>
@@ -2978,7 +3871,7 @@
           <a:p>
             <a:fld id="{D997B5FA-0921-464F-AAE1-844C04324D75}" type="datetimeFigureOut">
               <a:rPr lang="zh-CN" altLang="en-US" smtClean="0"/>
-              <a:t>18/4/12</a:t>
+              <a:t>2018/12/7</a:t>
             </a:fld>
             <a:endParaRPr lang="zh-CN" altLang="en-US"/>
           </a:p>
@@ -3091,7 +3984,7 @@
           <a:p>
             <a:fld id="{D997B5FA-0921-464F-AAE1-844C04324D75}" type="datetimeFigureOut">
               <a:rPr lang="zh-CN" altLang="en-US" smtClean="0"/>
-              <a:t>18/4/12</a:t>
+              <a:t>2018/12/7</a:t>
             </a:fld>
             <a:endParaRPr lang="zh-CN" altLang="en-US"/>
           </a:p>
@@ -3181,7 +4074,7 @@
           <a:p>
             <a:fld id="{D997B5FA-0921-464F-AAE1-844C04324D75}" type="datetimeFigureOut">
               <a:rPr lang="zh-CN" altLang="en-US" smtClean="0"/>
-              <a:t>18/4/12</a:t>
+              <a:t>2018/12/7</a:t>
             </a:fld>
             <a:endParaRPr lang="zh-CN" altLang="en-US"/>
           </a:p>
@@ -3453,7 +4346,7 @@
           <a:p>
             <a:fld id="{D997B5FA-0921-464F-AAE1-844C04324D75}" type="datetimeFigureOut">
               <a:rPr lang="zh-CN" altLang="en-US" smtClean="0"/>
-              <a:t>18/4/12</a:t>
+              <a:t>2018/12/7</a:t>
             </a:fld>
             <a:endParaRPr lang="zh-CN" altLang="en-US"/>
           </a:p>
@@ -3701,7 +4594,7 @@
           <a:p>
             <a:fld id="{D997B5FA-0921-464F-AAE1-844C04324D75}" type="datetimeFigureOut">
               <a:rPr lang="zh-CN" altLang="en-US" smtClean="0"/>
-              <a:t>18/4/12</a:t>
+              <a:t>2018/12/7</a:t>
             </a:fld>
             <a:endParaRPr lang="zh-CN" altLang="en-US"/>
           </a:p>
@@ -3909,7 +4802,7 @@
           <a:p>
             <a:fld id="{D997B5FA-0921-464F-AAE1-844C04324D75}" type="datetimeFigureOut">
               <a:rPr lang="zh-CN" altLang="en-US" smtClean="0"/>
-              <a:t>18/4/12</a:t>
+              <a:t>2018/12/7</a:t>
             </a:fld>
             <a:endParaRPr lang="zh-CN" altLang="en-US"/>
           </a:p>
@@ -4311,211 +5204,13 @@
       </p:grpSpPr>
       <p:sp>
         <p:nvSpPr>
-          <p:cNvPr id="9" name="矩形 8"/>
-          <p:cNvSpPr/>
-          <p:nvPr/>
-        </p:nvSpPr>
-        <p:spPr>
-          <a:xfrm>
-            <a:off x="5931089" y="7076091"/>
-            <a:ext cx="2920811" cy="841124"/>
-          </a:xfrm>
-          <a:prstGeom prst="rect">
-            <a:avLst/>
-          </a:prstGeom>
-          <a:solidFill>
-            <a:srgbClr val="E8DDF4"/>
-          </a:solidFill>
-          <a:ln>
-            <a:noFill/>
-          </a:ln>
-        </p:spPr>
-        <p:style>
-          <a:lnRef idx="1">
-            <a:schemeClr val="accent1"/>
-          </a:lnRef>
-          <a:fillRef idx="2">
-            <a:schemeClr val="accent1"/>
-          </a:fillRef>
-          <a:effectRef idx="1">
-            <a:schemeClr val="accent1"/>
-          </a:effectRef>
-          <a:fontRef idx="minor">
-            <a:schemeClr val="dk1"/>
-          </a:fontRef>
-        </p:style>
-        <p:txBody>
-          <a:bodyPr anchor="b"/>
-          <a:lstStyle/>
-          <a:p>
-            <a:pPr algn="ctr">
-              <a:defRPr/>
-            </a:pPr>
-            <a:r>
-              <a:rPr kumimoji="1" lang="zh-CN" altLang="en-US" sz="1600" b="1" dirty="0" smtClean="0">
-                <a:latin typeface="Heiti SC Light" charset="-122"/>
-                <a:ea typeface="Heiti SC Light" charset="-122"/>
-                <a:cs typeface="Heiti SC Light" charset="-122"/>
-              </a:rPr>
-              <a:t>注册中心</a:t>
-            </a:r>
-            <a:endParaRPr kumimoji="1" lang="zh-CN" altLang="en-US" sz="1600" b="1" dirty="0">
-              <a:latin typeface="Heiti SC Light" charset="-122"/>
-              <a:ea typeface="Heiti SC Light" charset="-122"/>
-              <a:cs typeface="Heiti SC Light" charset="-122"/>
-            </a:endParaRPr>
-          </a:p>
-        </p:txBody>
-      </p:sp>
-      <p:cxnSp>
-        <p:nvCxnSpPr>
-          <p:cNvPr id="86" name="直线箭头连接符 85"/>
-          <p:cNvCxnSpPr/>
-          <p:nvPr/>
-        </p:nvCxnSpPr>
-        <p:spPr>
-          <a:xfrm>
-            <a:off x="11955553" y="7258143"/>
-            <a:ext cx="9228" cy="410923"/>
-          </a:xfrm>
-          <a:prstGeom prst="straightConnector1">
-            <a:avLst/>
-          </a:prstGeom>
-          <a:ln w="28575">
-            <a:prstDash val="dash"/>
-            <a:headEnd type="none" w="med" len="med"/>
-            <a:tailEnd type="arrow" w="med" len="med"/>
-          </a:ln>
-        </p:spPr>
-        <p:style>
-          <a:lnRef idx="1">
-            <a:schemeClr val="accent1"/>
-          </a:lnRef>
-          <a:fillRef idx="0">
-            <a:schemeClr val="accent1"/>
-          </a:fillRef>
-          <a:effectRef idx="0">
-            <a:schemeClr val="accent1"/>
-          </a:effectRef>
-          <a:fontRef idx="minor">
-            <a:schemeClr val="tx1"/>
-          </a:fontRef>
-        </p:style>
-      </p:cxnSp>
-      <p:cxnSp>
-        <p:nvCxnSpPr>
-          <p:cNvPr id="87" name="直线箭头连接符 86"/>
-          <p:cNvCxnSpPr/>
-          <p:nvPr/>
-        </p:nvCxnSpPr>
-        <p:spPr>
-          <a:xfrm flipV="1">
-            <a:off x="12192000" y="7245443"/>
-            <a:ext cx="0" cy="417180"/>
-          </a:xfrm>
-          <a:prstGeom prst="straightConnector1">
-            <a:avLst/>
-          </a:prstGeom>
-          <a:ln w="28575">
-            <a:prstDash val="dash"/>
-            <a:headEnd type="none" w="med" len="med"/>
-            <a:tailEnd type="arrow" w="med" len="med"/>
-          </a:ln>
-        </p:spPr>
-        <p:style>
-          <a:lnRef idx="1">
-            <a:schemeClr val="accent1"/>
-          </a:lnRef>
-          <a:fillRef idx="0">
-            <a:schemeClr val="accent1"/>
-          </a:fillRef>
-          <a:effectRef idx="0">
-            <a:schemeClr val="accent1"/>
-          </a:effectRef>
-          <a:fontRef idx="minor">
-            <a:schemeClr val="tx1"/>
-          </a:fontRef>
-        </p:style>
-      </p:cxnSp>
-      <p:cxnSp>
-        <p:nvCxnSpPr>
-          <p:cNvPr id="133" name="直线箭头连接符 132"/>
-          <p:cNvCxnSpPr/>
-          <p:nvPr/>
-        </p:nvCxnSpPr>
-        <p:spPr>
-          <a:xfrm>
-            <a:off x="12476487" y="7419060"/>
-            <a:ext cx="413345" cy="1"/>
-          </a:xfrm>
-          <a:prstGeom prst="straightConnector1">
-            <a:avLst/>
-          </a:prstGeom>
-          <a:ln w="28575">
-            <a:prstDash val="dash"/>
-            <a:headEnd type="none" w="med" len="med"/>
-            <a:tailEnd type="arrow" w="med" len="med"/>
-          </a:ln>
-        </p:spPr>
-        <p:style>
-          <a:lnRef idx="1">
-            <a:schemeClr val="accent1"/>
-          </a:lnRef>
-          <a:fillRef idx="0">
-            <a:schemeClr val="accent1"/>
-          </a:fillRef>
-          <a:effectRef idx="0">
-            <a:schemeClr val="accent1"/>
-          </a:effectRef>
-          <a:fontRef idx="minor">
-            <a:schemeClr val="tx1"/>
-          </a:fontRef>
-        </p:style>
-      </p:cxnSp>
-      <p:cxnSp>
-        <p:nvCxnSpPr>
-          <p:cNvPr id="134" name="直线箭头连接符 133"/>
-          <p:cNvCxnSpPr/>
-          <p:nvPr/>
-        </p:nvCxnSpPr>
-        <p:spPr>
-          <a:xfrm flipH="1">
-            <a:off x="12434527" y="7662622"/>
-            <a:ext cx="429217" cy="1"/>
-          </a:xfrm>
-          <a:prstGeom prst="straightConnector1">
-            <a:avLst/>
-          </a:prstGeom>
-          <a:ln w="28575">
-            <a:prstDash val="dash"/>
-            <a:headEnd type="none" w="med" len="med"/>
-            <a:tailEnd type="arrow" w="med" len="med"/>
-          </a:ln>
-        </p:spPr>
-        <p:style>
-          <a:lnRef idx="1">
-            <a:schemeClr val="accent1"/>
-          </a:lnRef>
-          <a:fillRef idx="0">
-            <a:schemeClr val="accent1"/>
-          </a:fillRef>
-          <a:effectRef idx="0">
-            <a:schemeClr val="accent1"/>
-          </a:effectRef>
-          <a:fontRef idx="minor">
-            <a:schemeClr val="tx1"/>
-          </a:fontRef>
-        </p:style>
-      </p:cxnSp>
-      <p:sp>
-        <p:nvSpPr>
           <p:cNvPr id="2" name="矩形 1"/>
           <p:cNvSpPr/>
           <p:nvPr/>
         </p:nvSpPr>
         <p:spPr>
           <a:xfrm>
-            <a:off x="4088541" y="6156980"/>
+            <a:off x="3898160" y="6188786"/>
             <a:ext cx="4572456" cy="523220"/>
           </a:xfrm>
           <a:prstGeom prst="rect">
@@ -4535,7 +5230,7 @@
                 <a:ea typeface="Heiti SC Light" charset="-122"/>
                 <a:cs typeface="Heiti SC Light" charset="-122"/>
               </a:rPr>
-              <a:t>开发环境（</a:t>
+              <a:t>分布式基础架构图谱 </a:t>
             </a:r>
             <a:r>
               <a:rPr lang="en-US" altLang="zh-CN" sz="2800" b="1" dirty="0" smtClean="0">
@@ -4543,15 +5238,7 @@
                 <a:ea typeface="Heiti SC Light" charset="-122"/>
                 <a:cs typeface="Heiti SC Light" charset="-122"/>
               </a:rPr>
-              <a:t>Mac</a:t>
-            </a:r>
-            <a:r>
-              <a:rPr lang="zh-CN" altLang="en-US" sz="2800" b="1" dirty="0" smtClean="0">
-                <a:latin typeface="Heiti SC Light" charset="-122"/>
-                <a:ea typeface="Heiti SC Light" charset="-122"/>
-                <a:cs typeface="Heiti SC Light" charset="-122"/>
-              </a:rPr>
-              <a:t>）</a:t>
+              <a:t>v1.1</a:t>
             </a:r>
             <a:endParaRPr lang="en-US" altLang="zh-CN" sz="2800" b="1" dirty="0">
               <a:latin typeface="Heiti SC Light" charset="-122"/>
@@ -4569,8 +5256,8 @@
         </p:nvSpPr>
         <p:spPr>
           <a:xfrm>
-            <a:off x="1849215" y="4506462"/>
-            <a:ext cx="8628285" cy="567638"/>
+            <a:off x="2200273" y="509585"/>
+            <a:ext cx="7799232" cy="567638"/>
           </a:xfrm>
           <a:prstGeom prst="roundRect">
             <a:avLst/>
@@ -4601,17 +5288,54 @@
               <a:defRPr/>
             </a:pPr>
             <a:r>
+              <a:rPr kumimoji="1" lang="zh-CN" altLang="en-US" sz="1400" dirty="0">
+                <a:latin typeface="Microsoft YaHei" charset="0"/>
+                <a:ea typeface="Microsoft YaHei" charset="0"/>
+                <a:cs typeface="Microsoft YaHei" charset="0"/>
+              </a:rPr>
+              <a:t>负载</a:t>
+            </a:r>
+            <a:r>
+              <a:rPr kumimoji="1" lang="zh-CN" altLang="en-US" sz="1400" dirty="0" smtClean="0">
+                <a:latin typeface="Microsoft YaHei" charset="0"/>
+                <a:ea typeface="Microsoft YaHei" charset="0"/>
+                <a:cs typeface="Microsoft YaHei" charset="0"/>
+              </a:rPr>
+              <a:t>均衡</a:t>
+            </a:r>
+          </a:p>
+          <a:p>
+            <a:pPr algn="ctr">
+              <a:defRPr/>
+            </a:pPr>
+            <a:r>
               <a:rPr kumimoji="1" lang="en-US" altLang="zh-CN" sz="1400" dirty="0" smtClean="0">
-                <a:latin typeface="Heiti SC Light" charset="-122"/>
-                <a:ea typeface="Heiti SC Light" charset="-122"/>
-                <a:cs typeface="Heiti SC Light" charset="-122"/>
-              </a:rPr>
-              <a:t>Jdk</a:t>
+                <a:latin typeface="Microsoft YaHei" charset="0"/>
+                <a:ea typeface="Microsoft YaHei" charset="0"/>
+                <a:cs typeface="Microsoft YaHei" charset="0"/>
+              </a:rPr>
+              <a:t>Api</a:t>
+            </a:r>
+            <a:r>
+              <a:rPr kumimoji="1" lang="zh-CN" altLang="en-US" sz="1400" dirty="0" smtClean="0">
+                <a:latin typeface="Microsoft YaHei" charset="0"/>
+                <a:ea typeface="Microsoft YaHei" charset="0"/>
+                <a:cs typeface="Microsoft YaHei" charset="0"/>
+              </a:rPr>
+              <a:t> </a:t>
+            </a:r>
+            <a:r>
+              <a:rPr kumimoji="1" lang="en-US" altLang="zh-CN" sz="1400" dirty="0" smtClean="0">
+                <a:latin typeface="Microsoft YaHei" charset="0"/>
+                <a:ea typeface="Microsoft YaHei" charset="0"/>
+                <a:cs typeface="Microsoft YaHei" charset="0"/>
+              </a:rPr>
+              <a:t>gateway</a:t>
             </a:r>
             <a:endParaRPr kumimoji="1" lang="zh-CN" altLang="en-US" sz="1400" dirty="0">
-              <a:latin typeface="Heiti SC Light" charset="-122"/>
-              <a:ea typeface="Heiti SC Light" charset="-122"/>
-              <a:cs typeface="Heiti SC Light" charset="-122"/>
+              <a:latin typeface="Microsoft YaHei" charset="0"/>
+              <a:ea typeface="Microsoft YaHei" charset="0"/>
+              <a:cs typeface="Microsoft YaHei" charset="0"/>
             </a:endParaRPr>
           </a:p>
         </p:txBody>
@@ -4624,7 +5348,7 @@
         </p:nvSpPr>
         <p:spPr>
           <a:xfrm>
-            <a:off x="1849215" y="3308284"/>
+            <a:off x="2365479" y="2831610"/>
             <a:ext cx="1295671" cy="611595"/>
           </a:xfrm>
           <a:prstGeom prst="flowChartAlternateProcess">
@@ -4654,30 +5378,41 @@
           <a:p>
             <a:pPr algn="ctr"/>
             <a:r>
-              <a:rPr kumimoji="1" lang="en-US" altLang="zh-CN" sz="1400" dirty="0" smtClean="0">
-                <a:latin typeface="Heiti SC Light" charset="-122"/>
-                <a:ea typeface="Heiti SC Light" charset="-122"/>
-                <a:cs typeface="Heiti SC Light" charset="-122"/>
-              </a:rPr>
-              <a:t>Maven</a:t>
+              <a:rPr kumimoji="1" lang="zh-CN" altLang="en-US" sz="1400" dirty="0" smtClean="0">
+                <a:latin typeface="Microsoft YaHei" charset="0"/>
+                <a:ea typeface="Microsoft YaHei" charset="0"/>
+                <a:cs typeface="Microsoft YaHei" charset="0"/>
+              </a:rPr>
+              <a:t>缓存</a:t>
+            </a:r>
+          </a:p>
+          <a:p>
+            <a:pPr algn="ctr"/>
+            <a:r>
+              <a:rPr kumimoji="1" lang="en-US" altLang="zh-CN" sz="1400" dirty="0">
+                <a:latin typeface="Microsoft YaHei" charset="0"/>
+                <a:ea typeface="Microsoft YaHei" charset="0"/>
+                <a:cs typeface="Microsoft YaHei" charset="0"/>
+              </a:rPr>
+              <a:t>【 Cache 】</a:t>
             </a:r>
             <a:endParaRPr kumimoji="1" lang="zh-CN" altLang="en-US" sz="1400" dirty="0">
-              <a:latin typeface="Heiti SC Light" charset="-122"/>
-              <a:ea typeface="Heiti SC Light" charset="-122"/>
-              <a:cs typeface="Heiti SC Light" charset="-122"/>
+              <a:latin typeface="Microsoft YaHei" charset="0"/>
+              <a:ea typeface="Microsoft YaHei" charset="0"/>
+              <a:cs typeface="Microsoft YaHei" charset="0"/>
             </a:endParaRPr>
           </a:p>
         </p:txBody>
       </p:sp>
       <p:sp>
         <p:nvSpPr>
-          <p:cNvPr id="80" name="可选流程 79"/>
+          <p:cNvPr id="69" name="可选流程 68"/>
           <p:cNvSpPr/>
           <p:nvPr/>
         </p:nvSpPr>
         <p:spPr>
           <a:xfrm>
-            <a:off x="4287386" y="3308284"/>
+            <a:off x="3826284" y="2836526"/>
             <a:ext cx="1295671" cy="611595"/>
           </a:xfrm>
           <a:prstGeom prst="flowChartAlternateProcess">
@@ -4707,30 +5442,41 @@
           <a:p>
             <a:pPr algn="ctr"/>
             <a:r>
-              <a:rPr kumimoji="1" lang="en-US" altLang="zh-CN" sz="1400" dirty="0" smtClean="0">
-                <a:latin typeface="Heiti SC Light" charset="-122"/>
-                <a:ea typeface="Heiti SC Light" charset="-122"/>
-                <a:cs typeface="Heiti SC Light" charset="-122"/>
-              </a:rPr>
-              <a:t>Git</a:t>
+              <a:rPr kumimoji="1" lang="zh-CN" altLang="en-US" sz="1400" dirty="0" smtClean="0">
+                <a:latin typeface="Microsoft YaHei" charset="0"/>
+                <a:ea typeface="Microsoft YaHei" charset="0"/>
+                <a:cs typeface="Microsoft YaHei" charset="0"/>
+              </a:rPr>
+              <a:t>服务通讯</a:t>
+            </a:r>
+          </a:p>
+          <a:p>
+            <a:pPr algn="ctr"/>
+            <a:r>
+              <a:rPr kumimoji="1" lang="en-US" altLang="zh-CN" sz="1400" dirty="0">
+                <a:latin typeface="Microsoft YaHei" charset="0"/>
+                <a:ea typeface="Microsoft YaHei" charset="0"/>
+                <a:cs typeface="Microsoft YaHei" charset="0"/>
+              </a:rPr>
+              <a:t>【 RPC 】</a:t>
             </a:r>
             <a:endParaRPr kumimoji="1" lang="zh-CN" altLang="en-US" sz="1400" dirty="0">
-              <a:latin typeface="Heiti SC Light" charset="-122"/>
-              <a:ea typeface="Heiti SC Light" charset="-122"/>
-              <a:cs typeface="Heiti SC Light" charset="-122"/>
+              <a:latin typeface="Microsoft YaHei" charset="0"/>
+              <a:ea typeface="Microsoft YaHei" charset="0"/>
+              <a:cs typeface="Microsoft YaHei" charset="0"/>
             </a:endParaRPr>
           </a:p>
         </p:txBody>
       </p:sp>
       <p:sp>
         <p:nvSpPr>
-          <p:cNvPr id="83" name="可选流程 82"/>
+          <p:cNvPr id="72" name="可选流程 71"/>
           <p:cNvSpPr/>
           <p:nvPr/>
         </p:nvSpPr>
         <p:spPr>
           <a:xfrm>
-            <a:off x="6743658" y="3308284"/>
+            <a:off x="2365479" y="3678303"/>
             <a:ext cx="1295671" cy="611595"/>
           </a:xfrm>
           <a:prstGeom prst="flowChartAlternateProcess">
@@ -4760,30 +5506,41 @@
           <a:p>
             <a:pPr algn="ctr"/>
             <a:r>
-              <a:rPr kumimoji="1" lang="en-US" altLang="zh-CN" sz="1400" dirty="0" smtClean="0">
-                <a:latin typeface="Heiti SC Light" charset="-122"/>
-                <a:ea typeface="Heiti SC Light" charset="-122"/>
-                <a:cs typeface="Heiti SC Light" charset="-122"/>
-              </a:rPr>
-              <a:t>Tomcat</a:t>
+              <a:rPr kumimoji="1" lang="zh-CN" altLang="en-US" sz="1400" dirty="0" smtClean="0">
+                <a:latin typeface="Microsoft YaHei" charset="0"/>
+                <a:ea typeface="Microsoft YaHei" charset="0"/>
+                <a:cs typeface="Microsoft YaHei" charset="0"/>
+              </a:rPr>
+              <a:t>配置中心</a:t>
+            </a:r>
+          </a:p>
+          <a:p>
+            <a:pPr algn="ctr"/>
+            <a:r>
+              <a:rPr kumimoji="1" lang="en-US" altLang="zh-CN" sz="1400" dirty="0">
+                <a:latin typeface="Microsoft YaHei" charset="0"/>
+                <a:ea typeface="Microsoft YaHei" charset="0"/>
+                <a:cs typeface="Microsoft YaHei" charset="0"/>
+              </a:rPr>
+              <a:t>【 Conf 】</a:t>
             </a:r>
             <a:endParaRPr kumimoji="1" lang="zh-CN" altLang="en-US" sz="1400" dirty="0">
-              <a:latin typeface="Heiti SC Light" charset="-122"/>
-              <a:ea typeface="Heiti SC Light" charset="-122"/>
-              <a:cs typeface="Heiti SC Light" charset="-122"/>
+              <a:latin typeface="Microsoft YaHei" charset="0"/>
+              <a:ea typeface="Microsoft YaHei" charset="0"/>
+              <a:cs typeface="Microsoft YaHei" charset="0"/>
             </a:endParaRPr>
           </a:p>
         </p:txBody>
       </p:sp>
       <p:sp>
         <p:nvSpPr>
-          <p:cNvPr id="84" name="可选流程 83"/>
+          <p:cNvPr id="73" name="可选流程 72"/>
           <p:cNvSpPr/>
           <p:nvPr/>
         </p:nvSpPr>
         <p:spPr>
           <a:xfrm>
-            <a:off x="9181829" y="3308284"/>
+            <a:off x="6805046" y="3678302"/>
             <a:ext cx="1295671" cy="611595"/>
           </a:xfrm>
           <a:prstGeom prst="flowChartAlternateProcess">
@@ -4813,69 +5570,64 @@
           <a:p>
             <a:pPr algn="ctr"/>
             <a:r>
+              <a:rPr kumimoji="1" lang="zh-CN" altLang="en-US" sz="1400" dirty="0" smtClean="0">
+                <a:latin typeface="Microsoft YaHei" charset="0"/>
+                <a:ea typeface="Microsoft YaHei" charset="0"/>
+                <a:cs typeface="Microsoft YaHei" charset="0"/>
+              </a:rPr>
+              <a:t>监控</a:t>
+            </a:r>
+            <a:r>
               <a:rPr kumimoji="1" lang="en-US" altLang="zh-CN" sz="1400" dirty="0" smtClean="0">
-                <a:latin typeface="Heiti SC Light" charset="-122"/>
-                <a:ea typeface="Heiti SC Light" charset="-122"/>
-                <a:cs typeface="Heiti SC Light" charset="-122"/>
-              </a:rPr>
-              <a:t>Mysql</a:t>
+                <a:latin typeface="Microsoft YaHei" charset="0"/>
+                <a:ea typeface="Microsoft YaHei" charset="0"/>
+                <a:cs typeface="Microsoft YaHei" charset="0"/>
+              </a:rPr>
+              <a:t>/</a:t>
             </a:r>
             <a:r>
               <a:rPr kumimoji="1" lang="zh-CN" altLang="en-US" sz="1400" dirty="0" smtClean="0">
-                <a:latin typeface="Heiti SC Light" charset="-122"/>
-                <a:ea typeface="Heiti SC Light" charset="-122"/>
-                <a:cs typeface="Heiti SC Light" charset="-122"/>
-              </a:rPr>
-              <a:t> </a:t>
-            </a:r>
+                <a:latin typeface="Microsoft YaHei" charset="0"/>
+                <a:ea typeface="Microsoft YaHei" charset="0"/>
+                <a:cs typeface="Microsoft YaHei" charset="0"/>
+              </a:rPr>
+              <a:t>告警</a:t>
+            </a:r>
+          </a:p>
+          <a:p>
+            <a:pPr algn="ctr"/>
             <a:r>
               <a:rPr kumimoji="1" lang="en-US" altLang="zh-CN" sz="1400" dirty="0" smtClean="0">
-                <a:latin typeface="Heiti SC Light" charset="-122"/>
-                <a:ea typeface="Heiti SC Light" charset="-122"/>
-                <a:cs typeface="Heiti SC Light" charset="-122"/>
-              </a:rPr>
-              <a:t>+</a:t>
-            </a:r>
-            <a:r>
-              <a:rPr kumimoji="1" lang="zh-CN" altLang="en-US" sz="1400" dirty="0" smtClean="0">
-                <a:latin typeface="Heiti SC Light" charset="-122"/>
-                <a:ea typeface="Heiti SC Light" charset="-122"/>
-                <a:cs typeface="Heiti SC Light" charset="-122"/>
-              </a:rPr>
-              <a:t> </a:t>
-            </a:r>
-            <a:r>
-              <a:rPr kumimoji="1" lang="en-US" altLang="zh-CN" sz="1400" dirty="0" smtClean="0">
-                <a:latin typeface="Heiti SC Light" charset="-122"/>
-                <a:ea typeface="Heiti SC Light" charset="-122"/>
-                <a:cs typeface="Heiti SC Light" charset="-122"/>
-              </a:rPr>
-              <a:t>Navicat</a:t>
+                <a:latin typeface="Microsoft YaHei" charset="0"/>
+                <a:ea typeface="Microsoft YaHei" charset="0"/>
+                <a:cs typeface="Microsoft YaHei" charset="0"/>
+              </a:rPr>
+              <a:t>CAT</a:t>
             </a:r>
             <a:endParaRPr kumimoji="1" lang="zh-CN" altLang="en-US" sz="1400" dirty="0">
-              <a:latin typeface="Heiti SC Light" charset="-122"/>
-              <a:ea typeface="Heiti SC Light" charset="-122"/>
-              <a:cs typeface="Heiti SC Light" charset="-122"/>
+              <a:latin typeface="Microsoft YaHei" charset="0"/>
+              <a:ea typeface="Microsoft YaHei" charset="0"/>
+              <a:cs typeface="Microsoft YaHei" charset="0"/>
             </a:endParaRPr>
           </a:p>
         </p:txBody>
       </p:sp>
       <p:sp>
         <p:nvSpPr>
-          <p:cNvPr id="85" name="圆角矩形 84"/>
+          <p:cNvPr id="77" name="可选流程 76"/>
           <p:cNvSpPr/>
           <p:nvPr/>
         </p:nvSpPr>
         <p:spPr>
           <a:xfrm>
-            <a:off x="1849214" y="1941585"/>
-            <a:ext cx="3733843" cy="567638"/>
+            <a:off x="6405036" y="1485068"/>
+            <a:ext cx="1302116" cy="611595"/>
           </a:xfrm>
-          <a:prstGeom prst="roundRect">
+          <a:prstGeom prst="flowChartAlternateProcess">
             <a:avLst/>
           </a:prstGeom>
           <a:solidFill>
-            <a:srgbClr val="58B8D1"/>
+            <a:srgbClr val="4BACC6"/>
           </a:solidFill>
         </p:spPr>
         <p:style>
@@ -4896,41 +5648,100 @@
           <a:bodyPr anchor="ctr"/>
           <a:lstStyle/>
           <a:p>
-            <a:pPr algn="ctr">
+            <a:pPr algn="ctr"/>
+            <a:r>
+              <a:rPr kumimoji="1" lang="zh-CN" altLang="en-US" sz="1400" dirty="0" smtClean="0">
+                <a:latin typeface="Microsoft YaHei" charset="0"/>
+                <a:ea typeface="Microsoft YaHei" charset="0"/>
+                <a:cs typeface="Microsoft YaHei" charset="0"/>
+              </a:rPr>
+              <a:t>单点登录</a:t>
+            </a:r>
+          </a:p>
+          <a:p>
+            <a:pPr algn="ctr"/>
+            <a:r>
+              <a:rPr kumimoji="1" lang="en-US" altLang="zh-CN" sz="1400" dirty="0">
+                <a:latin typeface="Microsoft YaHei" charset="0"/>
+                <a:ea typeface="Microsoft YaHei" charset="0"/>
+                <a:cs typeface="Microsoft YaHei" charset="0"/>
+              </a:rPr>
+              <a:t>【 SSO 】</a:t>
+            </a:r>
+            <a:endParaRPr kumimoji="1" lang="zh-CN" altLang="en-US" sz="1400" dirty="0">
+              <a:latin typeface="Microsoft YaHei" charset="0"/>
+              <a:ea typeface="Microsoft YaHei" charset="0"/>
+              <a:cs typeface="Microsoft YaHei" charset="0"/>
+            </a:endParaRPr>
+          </a:p>
+        </p:txBody>
+      </p:sp>
+      <p:sp>
+        <p:nvSpPr>
+          <p:cNvPr id="21" name="矩形 20"/>
+          <p:cNvSpPr/>
+          <p:nvPr/>
+        </p:nvSpPr>
+        <p:spPr>
+          <a:xfrm>
+            <a:off x="2200273" y="1359196"/>
+            <a:ext cx="3719669" cy="1078615"/>
+          </a:xfrm>
+          <a:prstGeom prst="rect">
+            <a:avLst/>
+          </a:prstGeom>
+          <a:noFill/>
+          <a:ln w="12700" cap="flat" cmpd="sng" algn="ctr">
+            <a:solidFill>
+              <a:srgbClr val="5B9BD5">
+                <a:shade val="50000"/>
+              </a:srgbClr>
+            </a:solidFill>
+            <a:prstDash val="dash"/>
+            <a:miter lim="800000"/>
+          </a:ln>
+          <a:effectLst/>
+        </p:spPr>
+        <p:txBody>
+          <a:bodyPr anchor="b"/>
+          <a:lstStyle/>
+          <a:p>
+            <a:pPr algn="ctr" defTabSz="1219170" eaLnBrk="0" fontAlgn="base" hangingPunct="0">
+              <a:spcBef>
+                <a:spcPct val="0"/>
+              </a:spcBef>
+              <a:spcAft>
+                <a:spcPct val="0"/>
+              </a:spcAft>
               <a:defRPr/>
             </a:pPr>
             <a:r>
-              <a:rPr kumimoji="1" lang="en-US" altLang="zh-CN" sz="1400" dirty="0" smtClean="0">
-                <a:latin typeface="Heiti SC Light" charset="-122"/>
-                <a:ea typeface="Heiti SC Light" charset="-122"/>
-                <a:cs typeface="Heiti SC Light" charset="-122"/>
-              </a:rPr>
-              <a:t>Idea</a:t>
-            </a:r>
-            <a:endParaRPr kumimoji="1" lang="zh-CN" altLang="en-US" sz="1400" dirty="0">
-              <a:latin typeface="Heiti SC Light" charset="-122"/>
-              <a:ea typeface="Heiti SC Light" charset="-122"/>
-              <a:cs typeface="Heiti SC Light" charset="-122"/>
-            </a:endParaRPr>
-          </a:p>
-        </p:txBody>
-      </p:sp>
-      <p:sp>
-        <p:nvSpPr>
-          <p:cNvPr id="88" name="圆角矩形 87"/>
+              <a:rPr kumimoji="1" lang="zh-CN" altLang="en-US" sz="1400" kern="0" dirty="0">
+                <a:latin typeface="Microsoft YaHei" charset="0"/>
+                <a:ea typeface="Microsoft YaHei" charset="0"/>
+                <a:cs typeface="Microsoft YaHei" charset="0"/>
+              </a:rPr>
+              <a:t>垂直业务领域</a:t>
+            </a:r>
+          </a:p>
+        </p:txBody>
+      </p:sp>
+      <p:sp>
+        <p:nvSpPr>
+          <p:cNvPr id="23" name="可选流程 22"/>
           <p:cNvSpPr/>
           <p:nvPr/>
         </p:nvSpPr>
         <p:spPr>
           <a:xfrm>
-            <a:off x="6743657" y="1941585"/>
-            <a:ext cx="3733843" cy="567638"/>
+            <a:off x="5315665" y="3678302"/>
+            <a:ext cx="1295671" cy="611595"/>
           </a:xfrm>
-          <a:prstGeom prst="roundRect">
+          <a:prstGeom prst="flowChartAlternateProcess">
             <a:avLst/>
           </a:prstGeom>
           <a:solidFill>
-            <a:srgbClr val="58B8D1"/>
+            <a:srgbClr val="4BACC6"/>
           </a:solidFill>
         </p:spPr>
         <p:style>
@@ -4951,58 +5762,269 @@
           <a:bodyPr anchor="ctr"/>
           <a:lstStyle/>
           <a:p>
-            <a:pPr algn="ctr">
+            <a:pPr algn="ctr"/>
+            <a:r>
+              <a:rPr kumimoji="1" lang="zh-CN" altLang="en-US" sz="1400" dirty="0" smtClean="0">
+                <a:latin typeface="Microsoft YaHei" charset="0"/>
+                <a:ea typeface="Microsoft YaHei" charset="0"/>
+                <a:cs typeface="Microsoft YaHei" charset="0"/>
+              </a:rPr>
+              <a:t>数据访问层</a:t>
+            </a:r>
+          </a:p>
+          <a:p>
+            <a:pPr algn="ctr"/>
+            <a:r>
+              <a:rPr kumimoji="1" lang="en-US" altLang="zh-CN" sz="1400" dirty="0">
+                <a:latin typeface="Microsoft YaHei" charset="0"/>
+                <a:ea typeface="Microsoft YaHei" charset="0"/>
+                <a:cs typeface="Microsoft YaHei" charset="0"/>
+              </a:rPr>
+              <a:t>DAL</a:t>
+            </a:r>
+            <a:endParaRPr kumimoji="1" lang="zh-CN" altLang="en-US" sz="1400" dirty="0">
+              <a:latin typeface="Microsoft YaHei" charset="0"/>
+              <a:ea typeface="Microsoft YaHei" charset="0"/>
+              <a:cs typeface="Microsoft YaHei" charset="0"/>
+            </a:endParaRPr>
+          </a:p>
+        </p:txBody>
+      </p:sp>
+      <p:sp>
+        <p:nvSpPr>
+          <p:cNvPr id="25" name="可选流程 24"/>
+          <p:cNvSpPr/>
+          <p:nvPr/>
+        </p:nvSpPr>
+        <p:spPr>
+          <a:xfrm>
+            <a:off x="3826284" y="3678302"/>
+            <a:ext cx="1295671" cy="611595"/>
+          </a:xfrm>
+          <a:prstGeom prst="flowChartAlternateProcess">
+            <a:avLst/>
+          </a:prstGeom>
+          <a:solidFill>
+            <a:srgbClr val="4BACC6"/>
+          </a:solidFill>
+        </p:spPr>
+        <p:style>
+          <a:lnRef idx="0">
+            <a:schemeClr val="accent1"/>
+          </a:lnRef>
+          <a:fillRef idx="3">
+            <a:schemeClr val="accent1"/>
+          </a:fillRef>
+          <a:effectRef idx="3">
+            <a:schemeClr val="accent1"/>
+          </a:effectRef>
+          <a:fontRef idx="minor">
+            <a:schemeClr val="lt1"/>
+          </a:fontRef>
+        </p:style>
+        <p:txBody>
+          <a:bodyPr anchor="ctr"/>
+          <a:lstStyle/>
+          <a:p>
+            <a:pPr algn="ctr"/>
+            <a:r>
+              <a:rPr kumimoji="1" lang="zh-CN" altLang="en-US" sz="1400" dirty="0" smtClean="0">
+                <a:latin typeface="Microsoft YaHei" charset="0"/>
+                <a:ea typeface="Microsoft YaHei" charset="0"/>
+                <a:cs typeface="Microsoft YaHei" charset="0"/>
+              </a:rPr>
+              <a:t>注册中心</a:t>
+            </a:r>
+            <a:endParaRPr kumimoji="1" lang="zh-CN" altLang="en-US" sz="1400" dirty="0">
+              <a:latin typeface="Microsoft YaHei" charset="0"/>
+              <a:ea typeface="Microsoft YaHei" charset="0"/>
+              <a:cs typeface="Microsoft YaHei" charset="0"/>
+            </a:endParaRPr>
+          </a:p>
+          <a:p>
+            <a:pPr algn="ctr"/>
+            <a:r>
+              <a:rPr kumimoji="1" lang="en-US" altLang="zh-CN" sz="1400" dirty="0" smtClean="0">
+                <a:latin typeface="Microsoft YaHei" charset="0"/>
+                <a:ea typeface="Microsoft YaHei" charset="0"/>
+                <a:cs typeface="Microsoft YaHei" charset="0"/>
+              </a:rPr>
+              <a:t>【Registry】</a:t>
+            </a:r>
+            <a:endParaRPr kumimoji="1" lang="zh-CN" altLang="en-US" sz="1400" dirty="0" smtClean="0">
+              <a:latin typeface="Microsoft YaHei" charset="0"/>
+              <a:ea typeface="Microsoft YaHei" charset="0"/>
+              <a:cs typeface="Microsoft YaHei" charset="0"/>
+            </a:endParaRPr>
+          </a:p>
+        </p:txBody>
+      </p:sp>
+      <p:sp>
+        <p:nvSpPr>
+          <p:cNvPr id="27" name="矩形 26"/>
+          <p:cNvSpPr/>
+          <p:nvPr/>
+        </p:nvSpPr>
+        <p:spPr>
+          <a:xfrm>
+            <a:off x="2200273" y="4885818"/>
+            <a:ext cx="7799232" cy="1157795"/>
+          </a:xfrm>
+          <a:prstGeom prst="rect">
+            <a:avLst/>
+          </a:prstGeom>
+          <a:noFill/>
+          <a:ln w="12700" cap="flat" cmpd="sng" algn="ctr">
+            <a:solidFill>
+              <a:srgbClr val="5B9BD5">
+                <a:shade val="50000"/>
+              </a:srgbClr>
+            </a:solidFill>
+            <a:prstDash val="dash"/>
+            <a:miter lim="800000"/>
+          </a:ln>
+          <a:effectLst/>
+        </p:spPr>
+        <p:txBody>
+          <a:bodyPr anchor="b"/>
+          <a:lstStyle/>
+          <a:p>
+            <a:pPr algn="ctr" defTabSz="1219170" eaLnBrk="0" fontAlgn="base" hangingPunct="0">
+              <a:spcBef>
+                <a:spcPct val="0"/>
+              </a:spcBef>
+              <a:spcAft>
+                <a:spcPct val="0"/>
+              </a:spcAft>
               <a:defRPr/>
             </a:pPr>
             <a:r>
-              <a:rPr kumimoji="1" lang="en-US" altLang="zh-CN" sz="1400" dirty="0" smtClean="0">
+              <a:rPr kumimoji="1" lang="zh-CN" altLang="en-US" sz="1400" kern="0" smtClean="0">
+                <a:latin typeface="Microsoft YaHei" charset="0"/>
+                <a:ea typeface="Microsoft YaHei" charset="0"/>
+                <a:cs typeface="Microsoft YaHei" charset="0"/>
+              </a:rPr>
+              <a:t>存储</a:t>
+            </a:r>
+            <a:endParaRPr kumimoji="1" lang="zh-CN" altLang="en-US" sz="1400" kern="0" dirty="0">
+              <a:latin typeface="Microsoft YaHei" charset="0"/>
+              <a:ea typeface="Microsoft YaHei" charset="0"/>
+              <a:cs typeface="Microsoft YaHei" charset="0"/>
+            </a:endParaRPr>
+          </a:p>
+        </p:txBody>
+      </p:sp>
+      <p:sp>
+        <p:nvSpPr>
+          <p:cNvPr id="29" name="矩形 28"/>
+          <p:cNvSpPr/>
+          <p:nvPr/>
+        </p:nvSpPr>
+        <p:spPr>
+          <a:xfrm>
+            <a:off x="6242595" y="1359196"/>
+            <a:ext cx="3756910" cy="1078615"/>
+          </a:xfrm>
+          <a:prstGeom prst="rect">
+            <a:avLst/>
+          </a:prstGeom>
+          <a:noFill/>
+          <a:ln w="12700" cap="flat" cmpd="sng" algn="ctr">
+            <a:solidFill>
+              <a:srgbClr val="5B9BD5">
+                <a:shade val="50000"/>
+              </a:srgbClr>
+            </a:solidFill>
+            <a:prstDash val="dash"/>
+            <a:miter lim="800000"/>
+          </a:ln>
+          <a:effectLst/>
+        </p:spPr>
+        <p:txBody>
+          <a:bodyPr anchor="b"/>
+          <a:lstStyle/>
+          <a:p>
+            <a:pPr algn="ctr" defTabSz="1219170" eaLnBrk="0" fontAlgn="base" hangingPunct="0">
+              <a:spcBef>
+                <a:spcPct val="0"/>
+              </a:spcBef>
+              <a:spcAft>
+                <a:spcPct val="0"/>
+              </a:spcAft>
+              <a:defRPr/>
+            </a:pPr>
+            <a:r>
+              <a:rPr kumimoji="1" lang="zh-CN" altLang="en-US" sz="1400" kern="0" dirty="0" smtClean="0">
+                <a:latin typeface="Microsoft YaHei" charset="0"/>
+                <a:ea typeface="Microsoft YaHei" charset="0"/>
+                <a:cs typeface="Microsoft YaHei" charset="0"/>
+              </a:rPr>
+              <a:t>基础服务</a:t>
+            </a:r>
+            <a:endParaRPr kumimoji="1" lang="zh-CN" altLang="en-US" sz="1400" kern="0" dirty="0">
+              <a:latin typeface="Microsoft YaHei" charset="0"/>
+              <a:ea typeface="Microsoft YaHei" charset="0"/>
+              <a:cs typeface="Microsoft YaHei" charset="0"/>
+            </a:endParaRPr>
+          </a:p>
+        </p:txBody>
+      </p:sp>
+      <p:sp>
+        <p:nvSpPr>
+          <p:cNvPr id="31" name="可选流程 30"/>
+          <p:cNvSpPr/>
+          <p:nvPr/>
+        </p:nvSpPr>
+        <p:spPr>
+          <a:xfrm>
+            <a:off x="2574090" y="1483071"/>
+            <a:ext cx="1272801" cy="611595"/>
+          </a:xfrm>
+          <a:prstGeom prst="flowChartAlternateProcess">
+            <a:avLst/>
+          </a:prstGeom>
+          <a:solidFill>
+            <a:srgbClr val="D8D8D8"/>
+          </a:solidFill>
+          <a:ln>
+            <a:noFill/>
+          </a:ln>
+          <a:effectLst>
+            <a:outerShdw blurRad="57150" dist="19050" dir="5400000" algn="ctr" rotWithShape="0">
+              <a:srgbClr val="000000">
+                <a:alpha val="63000"/>
+              </a:srgbClr>
+            </a:outerShdw>
+          </a:effectLst>
+        </p:spPr>
+        <p:txBody>
+          <a:bodyPr anchor="ctr"/>
+          <a:lstStyle/>
+          <a:p>
+            <a:pPr algn="ctr" defTabSz="1219170" eaLnBrk="0" fontAlgn="base" hangingPunct="0">
+              <a:spcBef>
+                <a:spcPct val="0"/>
+              </a:spcBef>
+              <a:spcAft>
+                <a:spcPct val="0"/>
+              </a:spcAft>
+              <a:defRPr/>
+            </a:pPr>
+            <a:r>
+              <a:rPr kumimoji="1" lang="en-US" altLang="zh-CN" sz="1867" kern="0" dirty="0" smtClean="0">
+                <a:solidFill>
+                  <a:prstClr val="black"/>
+                </a:solidFill>
                 <a:latin typeface="Heiti SC Light" charset="-122"/>
                 <a:ea typeface="Heiti SC Light" charset="-122"/>
                 <a:cs typeface="Heiti SC Light" charset="-122"/>
               </a:rPr>
-              <a:t>Docker</a:t>
-            </a:r>
-            <a:r>
-              <a:rPr kumimoji="1" lang="zh-CN" altLang="en-US" sz="1400" dirty="0" smtClean="0">
-                <a:latin typeface="Heiti SC Light" charset="-122"/>
-                <a:ea typeface="Heiti SC Light" charset="-122"/>
-                <a:cs typeface="Heiti SC Light" charset="-122"/>
-              </a:rPr>
-              <a:t>（</a:t>
-            </a:r>
-            <a:r>
-              <a:rPr kumimoji="1" lang="en-US" altLang="zh-CN" sz="1400" dirty="0" smtClean="0">
-                <a:latin typeface="Heiti SC Light" charset="-122"/>
-                <a:ea typeface="Heiti SC Light" charset="-122"/>
-                <a:cs typeface="Heiti SC Light" charset="-122"/>
-              </a:rPr>
-              <a:t>Redis</a:t>
-            </a:r>
-            <a:r>
-              <a:rPr kumimoji="1" lang="zh-CN" altLang="en-US" sz="1400" dirty="0" smtClean="0">
-                <a:latin typeface="Heiti SC Light" charset="-122"/>
-                <a:ea typeface="Heiti SC Light" charset="-122"/>
-                <a:cs typeface="Heiti SC Light" charset="-122"/>
-              </a:rPr>
-              <a:t>、</a:t>
-            </a:r>
-            <a:r>
-              <a:rPr kumimoji="1" lang="en-US" altLang="zh-CN" sz="1400" dirty="0" smtClean="0">
-                <a:latin typeface="Heiti SC Light" charset="-122"/>
-                <a:ea typeface="Heiti SC Light" charset="-122"/>
-                <a:cs typeface="Heiti SC Light" charset="-122"/>
-              </a:rPr>
-              <a:t>ZK…</a:t>
-            </a:r>
-            <a:r>
-              <a:rPr kumimoji="1" lang="zh-CN" altLang="en-US" sz="1400" dirty="0" smtClean="0">
-                <a:latin typeface="Heiti SC Light" charset="-122"/>
-                <a:ea typeface="Heiti SC Light" charset="-122"/>
-                <a:cs typeface="Heiti SC Light" charset="-122"/>
-              </a:rPr>
-              <a:t>）</a:t>
-            </a:r>
-            <a:endParaRPr kumimoji="1" lang="zh-CN" altLang="en-US" sz="1400" dirty="0">
+              <a:t>……</a:t>
+            </a:r>
+            <a:endParaRPr kumimoji="1" lang="zh-CN" altLang="en-US" sz="1867" kern="0" dirty="0">
+              <a:solidFill>
+                <a:prstClr val="black"/>
+              </a:solidFill>
               <a:latin typeface="Heiti SC Light" charset="-122"/>
               <a:ea typeface="Heiti SC Light" charset="-122"/>
               <a:cs typeface="Heiti SC Light" charset="-122"/>
@@ -5010,10 +6032,716 @@
           </a:p>
         </p:txBody>
       </p:sp>
+      <p:sp>
+        <p:nvSpPr>
+          <p:cNvPr id="32" name="可选流程 31"/>
+          <p:cNvSpPr/>
+          <p:nvPr/>
+        </p:nvSpPr>
+        <p:spPr>
+          <a:xfrm>
+            <a:off x="8116380" y="1485068"/>
+            <a:ext cx="1302116" cy="611595"/>
+          </a:xfrm>
+          <a:prstGeom prst="flowChartAlternateProcess">
+            <a:avLst/>
+          </a:prstGeom>
+          <a:solidFill>
+            <a:srgbClr val="4BACC6"/>
+          </a:solidFill>
+        </p:spPr>
+        <p:style>
+          <a:lnRef idx="0">
+            <a:schemeClr val="accent1"/>
+          </a:lnRef>
+          <a:fillRef idx="3">
+            <a:schemeClr val="accent1"/>
+          </a:fillRef>
+          <a:effectRef idx="3">
+            <a:schemeClr val="accent1"/>
+          </a:effectRef>
+          <a:fontRef idx="minor">
+            <a:schemeClr val="lt1"/>
+          </a:fontRef>
+        </p:style>
+        <p:txBody>
+          <a:bodyPr anchor="ctr"/>
+          <a:lstStyle/>
+          <a:p>
+            <a:pPr algn="ctr"/>
+            <a:r>
+              <a:rPr kumimoji="1" lang="zh-CN" altLang="en-US" sz="1400" dirty="0" smtClean="0">
+                <a:latin typeface="Microsoft YaHei" charset="0"/>
+                <a:ea typeface="Microsoft YaHei" charset="0"/>
+                <a:cs typeface="Microsoft YaHei" charset="0"/>
+              </a:rPr>
+              <a:t>搜索服务</a:t>
+            </a:r>
+          </a:p>
+          <a:p>
+            <a:pPr algn="ctr"/>
+            <a:r>
+              <a:rPr kumimoji="1" lang="en-US" altLang="zh-CN" sz="1400" dirty="0" smtClean="0">
+                <a:latin typeface="Microsoft YaHei" charset="0"/>
+                <a:ea typeface="Microsoft YaHei" charset="0"/>
+                <a:cs typeface="Microsoft YaHei" charset="0"/>
+              </a:rPr>
+              <a:t>【Search】</a:t>
+            </a:r>
+            <a:endParaRPr kumimoji="1" lang="zh-CN" altLang="en-US" sz="1400" dirty="0">
+              <a:latin typeface="Microsoft YaHei" charset="0"/>
+              <a:ea typeface="Microsoft YaHei" charset="0"/>
+              <a:cs typeface="Microsoft YaHei" charset="0"/>
+            </a:endParaRPr>
+          </a:p>
+        </p:txBody>
+      </p:sp>
+      <p:sp>
+        <p:nvSpPr>
+          <p:cNvPr id="33" name="矩形 32"/>
+          <p:cNvSpPr/>
+          <p:nvPr/>
+        </p:nvSpPr>
+        <p:spPr>
+          <a:xfrm>
+            <a:off x="2200274" y="2648345"/>
+            <a:ext cx="6058985" cy="1982771"/>
+          </a:xfrm>
+          <a:prstGeom prst="rect">
+            <a:avLst/>
+          </a:prstGeom>
+          <a:noFill/>
+          <a:ln w="12700" cap="flat" cmpd="sng" algn="ctr">
+            <a:solidFill>
+              <a:srgbClr val="5B9BD5">
+                <a:shade val="50000"/>
+              </a:srgbClr>
+            </a:solidFill>
+            <a:prstDash val="dash"/>
+            <a:miter lim="800000"/>
+          </a:ln>
+          <a:effectLst/>
+        </p:spPr>
+        <p:txBody>
+          <a:bodyPr anchor="b"/>
+          <a:lstStyle/>
+          <a:p>
+            <a:pPr algn="ctr" defTabSz="1219170" eaLnBrk="0" fontAlgn="base" hangingPunct="0">
+              <a:spcBef>
+                <a:spcPct val="0"/>
+              </a:spcBef>
+              <a:spcAft>
+                <a:spcPct val="0"/>
+              </a:spcAft>
+              <a:defRPr/>
+            </a:pPr>
+            <a:r>
+              <a:rPr kumimoji="1" lang="zh-CN" altLang="en-US" sz="1400" kern="0" dirty="0" smtClean="0">
+                <a:latin typeface="Microsoft YaHei" charset="0"/>
+                <a:ea typeface="Microsoft YaHei" charset="0"/>
+                <a:cs typeface="Microsoft YaHei" charset="0"/>
+              </a:rPr>
+              <a:t>中间</a:t>
+            </a:r>
+            <a:r>
+              <a:rPr kumimoji="1" lang="zh-CN" altLang="en-US" sz="1400" kern="0" dirty="0" smtClean="0">
+                <a:latin typeface="Microsoft YaHei" charset="0"/>
+                <a:ea typeface="Microsoft YaHei" charset="0"/>
+                <a:cs typeface="Microsoft YaHei" charset="0"/>
+              </a:rPr>
+              <a:t>件</a:t>
+            </a:r>
+            <a:endParaRPr kumimoji="1" lang="zh-CN" altLang="en-US" sz="1400" kern="0" dirty="0">
+              <a:latin typeface="Microsoft YaHei" charset="0"/>
+              <a:ea typeface="Microsoft YaHei" charset="0"/>
+              <a:cs typeface="Microsoft YaHei" charset="0"/>
+            </a:endParaRPr>
+          </a:p>
+        </p:txBody>
+      </p:sp>
+      <p:sp>
+        <p:nvSpPr>
+          <p:cNvPr id="43" name="可选流程 42"/>
+          <p:cNvSpPr/>
+          <p:nvPr/>
+        </p:nvSpPr>
+        <p:spPr>
+          <a:xfrm>
+            <a:off x="2451207" y="5031480"/>
+            <a:ext cx="1508746" cy="611595"/>
+          </a:xfrm>
+          <a:prstGeom prst="flowChartAlternateProcess">
+            <a:avLst/>
+          </a:prstGeom>
+          <a:solidFill>
+            <a:srgbClr val="D8D8D8"/>
+          </a:solidFill>
+          <a:ln>
+            <a:noFill/>
+          </a:ln>
+          <a:effectLst>
+            <a:outerShdw blurRad="57150" dist="19050" dir="5400000" algn="ctr" rotWithShape="0">
+              <a:srgbClr val="000000">
+                <a:alpha val="63000"/>
+              </a:srgbClr>
+            </a:outerShdw>
+          </a:effectLst>
+        </p:spPr>
+        <p:txBody>
+          <a:bodyPr anchor="ctr"/>
+          <a:lstStyle/>
+          <a:p>
+            <a:pPr lvl="0" algn="ctr"/>
+            <a:r>
+              <a:rPr kumimoji="1" lang="zh-CN" altLang="en-US" sz="1400" dirty="0">
+                <a:latin typeface="Microsoft YaHei" charset="0"/>
+                <a:ea typeface="Microsoft YaHei" charset="0"/>
+                <a:cs typeface="Microsoft YaHei" charset="0"/>
+              </a:rPr>
+              <a:t>数据库</a:t>
+            </a:r>
+          </a:p>
+          <a:p>
+            <a:pPr lvl="0" algn="ctr"/>
+            <a:r>
+              <a:rPr kumimoji="1" lang="en-US" altLang="zh-CN" sz="1400" dirty="0">
+                <a:latin typeface="Microsoft YaHei" charset="0"/>
+                <a:ea typeface="Microsoft YaHei" charset="0"/>
+                <a:cs typeface="Microsoft YaHei" charset="0"/>
+              </a:rPr>
+              <a:t>DB</a:t>
+            </a:r>
+            <a:endParaRPr kumimoji="1" lang="zh-CN" altLang="en-US" sz="1400" dirty="0">
+              <a:latin typeface="Microsoft YaHei" charset="0"/>
+              <a:ea typeface="Microsoft YaHei" charset="0"/>
+              <a:cs typeface="Microsoft YaHei" charset="0"/>
+            </a:endParaRPr>
+          </a:p>
+        </p:txBody>
+      </p:sp>
+      <p:sp>
+        <p:nvSpPr>
+          <p:cNvPr id="39" name="可选流程 38"/>
+          <p:cNvSpPr/>
+          <p:nvPr/>
+        </p:nvSpPr>
+        <p:spPr>
+          <a:xfrm>
+            <a:off x="5315665" y="2831610"/>
+            <a:ext cx="1295671" cy="611595"/>
+          </a:xfrm>
+          <a:prstGeom prst="flowChartAlternateProcess">
+            <a:avLst/>
+          </a:prstGeom>
+          <a:solidFill>
+            <a:srgbClr val="4BACC6"/>
+          </a:solidFill>
+        </p:spPr>
+        <p:style>
+          <a:lnRef idx="0">
+            <a:schemeClr val="accent1"/>
+          </a:lnRef>
+          <a:fillRef idx="3">
+            <a:schemeClr val="accent1"/>
+          </a:fillRef>
+          <a:effectRef idx="3">
+            <a:schemeClr val="accent1"/>
+          </a:effectRef>
+          <a:fontRef idx="minor">
+            <a:schemeClr val="lt1"/>
+          </a:fontRef>
+        </p:style>
+        <p:txBody>
+          <a:bodyPr anchor="ctr"/>
+          <a:lstStyle/>
+          <a:p>
+            <a:pPr algn="ctr"/>
+            <a:r>
+              <a:rPr kumimoji="1" lang="zh-CN" altLang="en-US" sz="1400" dirty="0">
+                <a:latin typeface="Microsoft YaHei" charset="0"/>
+                <a:ea typeface="Microsoft YaHei" charset="0"/>
+                <a:cs typeface="Microsoft YaHei" charset="0"/>
+              </a:rPr>
+              <a:t>消息队列</a:t>
+            </a:r>
+          </a:p>
+          <a:p>
+            <a:pPr algn="ctr"/>
+            <a:r>
+              <a:rPr kumimoji="1" lang="en-US" altLang="zh-CN" sz="1400" dirty="0">
+                <a:latin typeface="Microsoft YaHei" charset="0"/>
+                <a:ea typeface="Microsoft YaHei" charset="0"/>
+                <a:cs typeface="Microsoft YaHei" charset="0"/>
+              </a:rPr>
+              <a:t>【 MQ 】</a:t>
+            </a:r>
+          </a:p>
+        </p:txBody>
+      </p:sp>
+      <p:sp>
+        <p:nvSpPr>
+          <p:cNvPr id="42" name="可选流程 41"/>
+          <p:cNvSpPr/>
+          <p:nvPr/>
+        </p:nvSpPr>
+        <p:spPr>
+          <a:xfrm>
+            <a:off x="6805046" y="2831609"/>
+            <a:ext cx="1295671" cy="611595"/>
+          </a:xfrm>
+          <a:prstGeom prst="flowChartAlternateProcess">
+            <a:avLst/>
+          </a:prstGeom>
+          <a:solidFill>
+            <a:srgbClr val="4BACC6"/>
+          </a:solidFill>
+        </p:spPr>
+        <p:style>
+          <a:lnRef idx="0">
+            <a:schemeClr val="accent1"/>
+          </a:lnRef>
+          <a:fillRef idx="3">
+            <a:schemeClr val="accent1"/>
+          </a:fillRef>
+          <a:effectRef idx="3">
+            <a:schemeClr val="accent1"/>
+          </a:effectRef>
+          <a:fontRef idx="minor">
+            <a:schemeClr val="lt1"/>
+          </a:fontRef>
+        </p:style>
+        <p:txBody>
+          <a:bodyPr anchor="ctr"/>
+          <a:lstStyle/>
+          <a:p>
+            <a:pPr algn="ctr"/>
+            <a:r>
+              <a:rPr kumimoji="1" lang="zh-CN" altLang="en-US" sz="1400" dirty="0">
+                <a:latin typeface="Microsoft YaHei" charset="0"/>
+                <a:ea typeface="Microsoft YaHei" charset="0"/>
+                <a:cs typeface="Microsoft YaHei" charset="0"/>
+              </a:rPr>
+              <a:t>任务调度</a:t>
+            </a:r>
+          </a:p>
+          <a:p>
+            <a:pPr algn="ctr"/>
+            <a:r>
+              <a:rPr kumimoji="1" lang="en-US" altLang="zh-CN" sz="1400" dirty="0">
+                <a:latin typeface="Microsoft YaHei" charset="0"/>
+                <a:ea typeface="Microsoft YaHei" charset="0"/>
+                <a:cs typeface="Microsoft YaHei" charset="0"/>
+              </a:rPr>
+              <a:t>【 Job 】</a:t>
+            </a:r>
+          </a:p>
+        </p:txBody>
+      </p:sp>
+      <p:sp>
+        <p:nvSpPr>
+          <p:cNvPr id="30" name="矩形 29"/>
+          <p:cNvSpPr/>
+          <p:nvPr/>
+        </p:nvSpPr>
+        <p:spPr>
+          <a:xfrm>
+            <a:off x="8394983" y="2648344"/>
+            <a:ext cx="1604522" cy="1982771"/>
+          </a:xfrm>
+          <a:prstGeom prst="rect">
+            <a:avLst/>
+          </a:prstGeom>
+          <a:noFill/>
+          <a:ln w="12700" cap="flat" cmpd="sng" algn="ctr">
+            <a:solidFill>
+              <a:srgbClr val="5B9BD5">
+                <a:shade val="50000"/>
+              </a:srgbClr>
+            </a:solidFill>
+            <a:prstDash val="dash"/>
+            <a:miter lim="800000"/>
+          </a:ln>
+          <a:effectLst/>
+        </p:spPr>
+        <p:txBody>
+          <a:bodyPr anchor="b"/>
+          <a:lstStyle/>
+          <a:p>
+            <a:pPr algn="ctr" defTabSz="1219170" eaLnBrk="0" fontAlgn="base" hangingPunct="0">
+              <a:spcBef>
+                <a:spcPct val="0"/>
+              </a:spcBef>
+              <a:spcAft>
+                <a:spcPct val="0"/>
+              </a:spcAft>
+              <a:defRPr/>
+            </a:pPr>
+            <a:r>
+              <a:rPr kumimoji="1" lang="en-US" altLang="zh-CN" sz="1400" kern="0" dirty="0" smtClean="0">
+                <a:latin typeface="Microsoft YaHei" charset="0"/>
+                <a:ea typeface="Microsoft YaHei" charset="0"/>
+                <a:cs typeface="Microsoft YaHei" charset="0"/>
+              </a:rPr>
+              <a:t>CI/CD</a:t>
+            </a:r>
+            <a:endParaRPr kumimoji="1" lang="zh-CN" altLang="en-US" sz="1400" kern="0" dirty="0">
+              <a:latin typeface="Microsoft YaHei" charset="0"/>
+              <a:ea typeface="Microsoft YaHei" charset="0"/>
+              <a:cs typeface="Microsoft YaHei" charset="0"/>
+            </a:endParaRPr>
+          </a:p>
+        </p:txBody>
+      </p:sp>
+      <p:sp>
+        <p:nvSpPr>
+          <p:cNvPr id="35" name="可选流程 34"/>
+          <p:cNvSpPr/>
+          <p:nvPr/>
+        </p:nvSpPr>
+        <p:spPr>
+          <a:xfrm>
+            <a:off x="8561526" y="2831608"/>
+            <a:ext cx="1295671" cy="611595"/>
+          </a:xfrm>
+          <a:prstGeom prst="flowChartAlternateProcess">
+            <a:avLst/>
+          </a:prstGeom>
+          <a:solidFill>
+            <a:srgbClr val="4BACC6"/>
+          </a:solidFill>
+        </p:spPr>
+        <p:style>
+          <a:lnRef idx="0">
+            <a:schemeClr val="accent1"/>
+          </a:lnRef>
+          <a:fillRef idx="3">
+            <a:schemeClr val="accent1"/>
+          </a:fillRef>
+          <a:effectRef idx="3">
+            <a:schemeClr val="accent1"/>
+          </a:effectRef>
+          <a:fontRef idx="minor">
+            <a:schemeClr val="lt1"/>
+          </a:fontRef>
+        </p:style>
+        <p:txBody>
+          <a:bodyPr anchor="ctr"/>
+          <a:lstStyle/>
+          <a:p>
+            <a:pPr algn="ctr"/>
+            <a:r>
+              <a:rPr kumimoji="1" lang="zh-CN" altLang="en-US" sz="1400" dirty="0" smtClean="0">
+                <a:latin typeface="Microsoft YaHei" charset="0"/>
+                <a:ea typeface="Microsoft YaHei" charset="0"/>
+                <a:cs typeface="Microsoft YaHei" charset="0"/>
+              </a:rPr>
+              <a:t>构建</a:t>
+            </a:r>
+          </a:p>
+          <a:p>
+            <a:pPr algn="ctr"/>
+            <a:r>
+              <a:rPr kumimoji="1" lang="en-US" altLang="zh-CN" sz="1400" dirty="0" smtClean="0">
+                <a:latin typeface="Microsoft YaHei" charset="0"/>
+                <a:ea typeface="Microsoft YaHei" charset="0"/>
+                <a:cs typeface="Microsoft YaHei" charset="0"/>
+              </a:rPr>
+              <a:t>Jenkins</a:t>
+            </a:r>
+            <a:endParaRPr kumimoji="1" lang="zh-CN" altLang="en-US" sz="1400" dirty="0" smtClean="0">
+              <a:latin typeface="Microsoft YaHei" charset="0"/>
+              <a:ea typeface="Microsoft YaHei" charset="0"/>
+              <a:cs typeface="Microsoft YaHei" charset="0"/>
+            </a:endParaRPr>
+          </a:p>
+        </p:txBody>
+      </p:sp>
+      <p:sp>
+        <p:nvSpPr>
+          <p:cNvPr id="36" name="可选流程 35"/>
+          <p:cNvSpPr/>
+          <p:nvPr/>
+        </p:nvSpPr>
+        <p:spPr>
+          <a:xfrm>
+            <a:off x="8561525" y="3688725"/>
+            <a:ext cx="1295671" cy="611595"/>
+          </a:xfrm>
+          <a:prstGeom prst="flowChartAlternateProcess">
+            <a:avLst/>
+          </a:prstGeom>
+          <a:solidFill>
+            <a:srgbClr val="4BACC6"/>
+          </a:solidFill>
+        </p:spPr>
+        <p:style>
+          <a:lnRef idx="0">
+            <a:schemeClr val="accent1"/>
+          </a:lnRef>
+          <a:fillRef idx="3">
+            <a:schemeClr val="accent1"/>
+          </a:fillRef>
+          <a:effectRef idx="3">
+            <a:schemeClr val="accent1"/>
+          </a:effectRef>
+          <a:fontRef idx="minor">
+            <a:schemeClr val="lt1"/>
+          </a:fontRef>
+        </p:style>
+        <p:txBody>
+          <a:bodyPr anchor="ctr"/>
+          <a:lstStyle/>
+          <a:p>
+            <a:pPr algn="ctr"/>
+            <a:r>
+              <a:rPr kumimoji="1" lang="zh-CN" altLang="en-US" sz="1400" dirty="0" smtClean="0">
+                <a:latin typeface="Microsoft YaHei" charset="0"/>
+                <a:ea typeface="Microsoft YaHei" charset="0"/>
+                <a:cs typeface="Microsoft YaHei" charset="0"/>
+              </a:rPr>
+              <a:t>发布</a:t>
+            </a:r>
+          </a:p>
+          <a:p>
+            <a:pPr algn="ctr"/>
+            <a:r>
+              <a:rPr kumimoji="1" lang="en-US" altLang="zh-CN" sz="1400" dirty="0" smtClean="0">
+                <a:latin typeface="Microsoft YaHei" charset="0"/>
+                <a:ea typeface="Microsoft YaHei" charset="0"/>
+                <a:cs typeface="Microsoft YaHei" charset="0"/>
+              </a:rPr>
+              <a:t>Docker</a:t>
+            </a:r>
+            <a:endParaRPr kumimoji="1" lang="zh-CN" altLang="en-US" sz="1400" dirty="0" smtClean="0">
+              <a:latin typeface="Microsoft YaHei" charset="0"/>
+              <a:ea typeface="Microsoft YaHei" charset="0"/>
+              <a:cs typeface="Microsoft YaHei" charset="0"/>
+            </a:endParaRPr>
+          </a:p>
+        </p:txBody>
+      </p:sp>
+      <p:sp>
+        <p:nvSpPr>
+          <p:cNvPr id="47" name="可选流程 46"/>
+          <p:cNvSpPr/>
+          <p:nvPr/>
+        </p:nvSpPr>
+        <p:spPr>
+          <a:xfrm>
+            <a:off x="4318953" y="5030992"/>
+            <a:ext cx="1508746" cy="611595"/>
+          </a:xfrm>
+          <a:prstGeom prst="flowChartAlternateProcess">
+            <a:avLst/>
+          </a:prstGeom>
+          <a:solidFill>
+            <a:srgbClr val="D8D8D8"/>
+          </a:solidFill>
+          <a:ln>
+            <a:noFill/>
+          </a:ln>
+          <a:effectLst>
+            <a:outerShdw blurRad="57150" dist="19050" dir="5400000" algn="ctr" rotWithShape="0">
+              <a:srgbClr val="000000">
+                <a:alpha val="63000"/>
+              </a:srgbClr>
+            </a:outerShdw>
+          </a:effectLst>
+        </p:spPr>
+        <p:txBody>
+          <a:bodyPr anchor="ctr"/>
+          <a:lstStyle/>
+          <a:p>
+            <a:pPr lvl="0" algn="ctr"/>
+            <a:r>
+              <a:rPr kumimoji="1" lang="en-US" altLang="zh-CN" sz="1400" dirty="0">
+                <a:latin typeface="Microsoft YaHei" charset="0"/>
+                <a:ea typeface="Microsoft YaHei" charset="0"/>
+                <a:cs typeface="Microsoft YaHei" charset="0"/>
+              </a:rPr>
+              <a:t>……</a:t>
+            </a:r>
+            <a:endParaRPr kumimoji="1" lang="zh-CN" altLang="en-US" sz="1400" dirty="0">
+              <a:latin typeface="Microsoft YaHei" charset="0"/>
+              <a:ea typeface="Microsoft YaHei" charset="0"/>
+              <a:cs typeface="Microsoft YaHei" charset="0"/>
+            </a:endParaRPr>
+          </a:p>
+        </p:txBody>
+      </p:sp>
+      <p:sp>
+        <p:nvSpPr>
+          <p:cNvPr id="48" name="可选流程 47"/>
+          <p:cNvSpPr/>
+          <p:nvPr/>
+        </p:nvSpPr>
+        <p:spPr>
+          <a:xfrm>
+            <a:off x="6185617" y="5031480"/>
+            <a:ext cx="1508746" cy="611595"/>
+          </a:xfrm>
+          <a:prstGeom prst="flowChartAlternateProcess">
+            <a:avLst/>
+          </a:prstGeom>
+          <a:solidFill>
+            <a:srgbClr val="D8D8D8"/>
+          </a:solidFill>
+          <a:ln>
+            <a:noFill/>
+          </a:ln>
+          <a:effectLst>
+            <a:outerShdw blurRad="57150" dist="19050" dir="5400000" algn="ctr" rotWithShape="0">
+              <a:srgbClr val="000000">
+                <a:alpha val="63000"/>
+              </a:srgbClr>
+            </a:outerShdw>
+          </a:effectLst>
+        </p:spPr>
+        <p:txBody>
+          <a:bodyPr anchor="ctr"/>
+          <a:lstStyle/>
+          <a:p>
+            <a:pPr algn="ctr"/>
+            <a:r>
+              <a:rPr kumimoji="1" lang="zh-CN" altLang="en-US" sz="1400" dirty="0">
+                <a:latin typeface="Microsoft YaHei" charset="0"/>
+                <a:ea typeface="Microsoft YaHei" charset="0"/>
+                <a:cs typeface="Microsoft YaHei" charset="0"/>
+              </a:rPr>
+              <a:t>文件系统</a:t>
+            </a:r>
+            <a:r>
+              <a:rPr kumimoji="1" lang="en-US" altLang="zh-CN" sz="1400" dirty="0">
+                <a:latin typeface="Microsoft YaHei" charset="0"/>
+                <a:ea typeface="Microsoft YaHei" charset="0"/>
+                <a:cs typeface="Microsoft YaHei" charset="0"/>
+              </a:rPr>
+              <a:t>/CDN</a:t>
+            </a:r>
+            <a:endParaRPr kumimoji="1" lang="zh-CN" altLang="en-US" sz="1400" dirty="0">
+              <a:latin typeface="Microsoft YaHei" charset="0"/>
+              <a:ea typeface="Microsoft YaHei" charset="0"/>
+              <a:cs typeface="Microsoft YaHei" charset="0"/>
+            </a:endParaRPr>
+          </a:p>
+        </p:txBody>
+      </p:sp>
+      <p:sp>
+        <p:nvSpPr>
+          <p:cNvPr id="49" name="可选流程 48"/>
+          <p:cNvSpPr/>
+          <p:nvPr/>
+        </p:nvSpPr>
+        <p:spPr>
+          <a:xfrm>
+            <a:off x="8064000" y="5030991"/>
+            <a:ext cx="1508746" cy="611595"/>
+          </a:xfrm>
+          <a:prstGeom prst="flowChartAlternateProcess">
+            <a:avLst/>
+          </a:prstGeom>
+          <a:solidFill>
+            <a:srgbClr val="D8D8D8"/>
+          </a:solidFill>
+          <a:ln>
+            <a:noFill/>
+          </a:ln>
+          <a:effectLst>
+            <a:outerShdw blurRad="57150" dist="19050" dir="5400000" algn="ctr" rotWithShape="0">
+              <a:srgbClr val="000000">
+                <a:alpha val="63000"/>
+              </a:srgbClr>
+            </a:outerShdw>
+          </a:effectLst>
+        </p:spPr>
+        <p:txBody>
+          <a:bodyPr anchor="ctr"/>
+          <a:lstStyle/>
+          <a:p>
+            <a:pPr lvl="0" algn="ctr"/>
+            <a:r>
+              <a:rPr kumimoji="1" lang="en-US" altLang="zh-CN" sz="1400" dirty="0" smtClean="0">
+                <a:latin typeface="Microsoft YaHei" charset="0"/>
+                <a:ea typeface="Microsoft YaHei" charset="0"/>
+                <a:cs typeface="Microsoft YaHei" charset="0"/>
+              </a:rPr>
+              <a:t>……</a:t>
+            </a:r>
+            <a:endParaRPr kumimoji="1" lang="zh-CN" altLang="en-US" sz="1400" dirty="0">
+              <a:latin typeface="Microsoft YaHei" charset="0"/>
+              <a:ea typeface="Microsoft YaHei" charset="0"/>
+              <a:cs typeface="Microsoft YaHei" charset="0"/>
+            </a:endParaRPr>
+          </a:p>
+        </p:txBody>
+      </p:sp>
+      <p:sp>
+        <p:nvSpPr>
+          <p:cNvPr id="50" name="可选流程 49"/>
+          <p:cNvSpPr/>
+          <p:nvPr/>
+        </p:nvSpPr>
+        <p:spPr>
+          <a:xfrm>
+            <a:off x="4194550" y="1483070"/>
+            <a:ext cx="1272801" cy="611595"/>
+          </a:xfrm>
+          <a:prstGeom prst="flowChartAlternateProcess">
+            <a:avLst/>
+          </a:prstGeom>
+          <a:solidFill>
+            <a:srgbClr val="D8D8D8"/>
+          </a:solidFill>
+          <a:ln>
+            <a:noFill/>
+          </a:ln>
+          <a:effectLst>
+            <a:outerShdw blurRad="57150" dist="19050" dir="5400000" algn="ctr" rotWithShape="0">
+              <a:srgbClr val="000000">
+                <a:alpha val="63000"/>
+              </a:srgbClr>
+            </a:outerShdw>
+          </a:effectLst>
+        </p:spPr>
+        <p:txBody>
+          <a:bodyPr anchor="ctr"/>
+          <a:lstStyle/>
+          <a:p>
+            <a:pPr algn="ctr" defTabSz="1219170" eaLnBrk="0" fontAlgn="base" hangingPunct="0">
+              <a:spcBef>
+                <a:spcPct val="0"/>
+              </a:spcBef>
+              <a:spcAft>
+                <a:spcPct val="0"/>
+              </a:spcAft>
+              <a:defRPr/>
+            </a:pPr>
+            <a:r>
+              <a:rPr kumimoji="1" lang="en-US" altLang="zh-CN" sz="1867" kern="0" dirty="0" smtClean="0">
+                <a:solidFill>
+                  <a:prstClr val="black"/>
+                </a:solidFill>
+                <a:latin typeface="Heiti SC Light" charset="-122"/>
+                <a:ea typeface="Heiti SC Light" charset="-122"/>
+                <a:cs typeface="Heiti SC Light" charset="-122"/>
+              </a:rPr>
+              <a:t>……</a:t>
+            </a:r>
+            <a:endParaRPr kumimoji="1" lang="zh-CN" altLang="en-US" sz="1867" kern="0" dirty="0">
+              <a:solidFill>
+                <a:prstClr val="black"/>
+              </a:solidFill>
+              <a:latin typeface="Heiti SC Light" charset="-122"/>
+              <a:ea typeface="Heiti SC Light" charset="-122"/>
+              <a:cs typeface="Heiti SC Light" charset="-122"/>
+            </a:endParaRPr>
+          </a:p>
+        </p:txBody>
+      </p:sp>
     </p:spTree>
     <p:extLst>
       <p:ext uri="{BB962C8B-B14F-4D97-AF65-F5344CB8AC3E}">
-        <p14:creationId xmlns:p14="http://schemas.microsoft.com/office/powerpoint/2010/main" val="421730548"/>
+        <p14:creationId xmlns:p14="http://schemas.microsoft.com/office/powerpoint/2010/main" val="2114692193"/>
       </p:ext>
     </p:extLst>
   </p:cSld>
@@ -5273,7 +7001,7 @@
                 <a:ea typeface="Heiti SC Light" charset="-122"/>
                 <a:cs typeface="Heiti SC Light" charset="-122"/>
               </a:rPr>
-              <a:t>部署环境（</a:t>
+              <a:t>开发环境（</a:t>
             </a:r>
             <a:r>
               <a:rPr lang="en-US" altLang="zh-CN" sz="2800" b="1" dirty="0" smtClean="0">
@@ -5281,7 +7009,7 @@
                 <a:ea typeface="Heiti SC Light" charset="-122"/>
                 <a:cs typeface="Heiti SC Light" charset="-122"/>
               </a:rPr>
-              <a:t>CentOS</a:t>
+              <a:t>Mac</a:t>
             </a:r>
             <a:r>
               <a:rPr lang="zh-CN" altLang="en-US" sz="2800" b="1" dirty="0" smtClean="0">
@@ -5308,7 +7036,7 @@
         <p:spPr>
           <a:xfrm>
             <a:off x="1849215" y="4506462"/>
-            <a:ext cx="5656485" cy="567638"/>
+            <a:ext cx="8628285" cy="567638"/>
           </a:xfrm>
           <a:prstGeom prst="roundRect">
             <a:avLst/>
@@ -5344,7 +7072,7 @@
                 <a:ea typeface="Heiti SC Light" charset="-122"/>
                 <a:cs typeface="Heiti SC Light" charset="-122"/>
               </a:rPr>
-              <a:t>Jdk</a:t>
+              <a:t>ENV</a:t>
             </a:r>
             <a:endParaRPr kumimoji="1" lang="zh-CN" altLang="en-US" sz="1400" dirty="0">
               <a:latin typeface="Heiti SC Light" charset="-122"/>
@@ -5356,13 +7084,13 @@
       </p:sp>
       <p:sp>
         <p:nvSpPr>
-          <p:cNvPr id="83" name="可选流程 82"/>
+          <p:cNvPr id="64" name="可选流程 63"/>
           <p:cNvSpPr/>
           <p:nvPr/>
         </p:nvSpPr>
         <p:spPr>
           <a:xfrm>
-            <a:off x="1849214" y="3224929"/>
+            <a:off x="1849215" y="3277992"/>
             <a:ext cx="1295671" cy="611595"/>
           </a:xfrm>
           <a:prstGeom prst="flowChartAlternateProcess">
@@ -5392,20 +7120,12 @@
           <a:p>
             <a:pPr algn="ctr"/>
             <a:r>
-              <a:rPr kumimoji="1" lang="zh-CN" altLang="en-US" sz="1400" dirty="0" smtClean="0">
-                <a:latin typeface="Heiti SC Light" charset="-122"/>
-                <a:ea typeface="Heiti SC Light" charset="-122"/>
-                <a:cs typeface="Heiti SC Light" charset="-122"/>
-              </a:rPr>
-              <a:t>应用</a:t>
-            </a:r>
-            <a:r>
               <a:rPr kumimoji="1" lang="en-US" altLang="zh-CN" sz="1400" dirty="0" smtClean="0">
                 <a:latin typeface="Heiti SC Light" charset="-122"/>
                 <a:ea typeface="Heiti SC Light" charset="-122"/>
                 <a:cs typeface="Heiti SC Light" charset="-122"/>
               </a:rPr>
-              <a:t>/War</a:t>
+              <a:t>Maven</a:t>
             </a:r>
             <a:endParaRPr kumimoji="1" lang="zh-CN" altLang="en-US" sz="1400" dirty="0">
               <a:latin typeface="Heiti SC Light" charset="-122"/>
@@ -5417,13 +7137,13 @@
       </p:sp>
       <p:sp>
         <p:nvSpPr>
-          <p:cNvPr id="84" name="可选流程 83"/>
+          <p:cNvPr id="80" name="可选流程 79"/>
           <p:cNvSpPr/>
           <p:nvPr/>
         </p:nvSpPr>
         <p:spPr>
           <a:xfrm>
-            <a:off x="4635418" y="3224927"/>
+            <a:off x="3566234" y="3277991"/>
             <a:ext cx="1295671" cy="611595"/>
           </a:xfrm>
           <a:prstGeom prst="flowChartAlternateProcess">
@@ -5453,12 +7173,12 @@
           <a:p>
             <a:pPr algn="ctr"/>
             <a:r>
-              <a:rPr kumimoji="1" lang="en-US" altLang="zh-CN" sz="1400" dirty="0">
+              <a:rPr kumimoji="1" lang="en-US" altLang="zh-CN" sz="1400" dirty="0" smtClean="0">
                 <a:latin typeface="Heiti SC Light" charset="-122"/>
                 <a:ea typeface="Heiti SC Light" charset="-122"/>
                 <a:cs typeface="Heiti SC Light" charset="-122"/>
               </a:rPr>
-              <a:t>Tomcat</a:t>
+              <a:t>Git</a:t>
             </a:r>
             <a:endParaRPr kumimoji="1" lang="zh-CN" altLang="en-US" sz="1400" dirty="0">
               <a:latin typeface="Heiti SC Light" charset="-122"/>
@@ -5470,68 +7190,13 @@
       </p:sp>
       <p:sp>
         <p:nvSpPr>
-          <p:cNvPr id="85" name="圆角矩形 84"/>
+          <p:cNvPr id="83" name="可选流程 82"/>
           <p:cNvSpPr/>
           <p:nvPr/>
         </p:nvSpPr>
         <p:spPr>
           <a:xfrm>
-            <a:off x="1849214" y="1941585"/>
-            <a:ext cx="5656486" cy="567638"/>
-          </a:xfrm>
-          <a:prstGeom prst="roundRect">
-            <a:avLst/>
-          </a:prstGeom>
-          <a:solidFill>
-            <a:srgbClr val="58B8D1"/>
-          </a:solidFill>
-        </p:spPr>
-        <p:style>
-          <a:lnRef idx="0">
-            <a:schemeClr val="accent1"/>
-          </a:lnRef>
-          <a:fillRef idx="3">
-            <a:schemeClr val="accent1"/>
-          </a:fillRef>
-          <a:effectRef idx="3">
-            <a:schemeClr val="accent1"/>
-          </a:effectRef>
-          <a:fontRef idx="minor">
-            <a:schemeClr val="lt1"/>
-          </a:fontRef>
-        </p:style>
-        <p:txBody>
-          <a:bodyPr anchor="ctr"/>
-          <a:lstStyle/>
-          <a:p>
-            <a:pPr algn="ctr">
-              <a:defRPr/>
-            </a:pPr>
-            <a:r>
-              <a:rPr kumimoji="1" lang="en-US" altLang="zh-CN" sz="1400" dirty="0" smtClean="0">
-                <a:latin typeface="Heiti SC Light" charset="-122"/>
-                <a:ea typeface="Heiti SC Light" charset="-122"/>
-                <a:cs typeface="Heiti SC Light" charset="-122"/>
-              </a:rPr>
-              <a:t>Nginx</a:t>
-            </a:r>
-            <a:endParaRPr kumimoji="1" lang="zh-CN" altLang="en-US" sz="1400" dirty="0">
-              <a:latin typeface="Heiti SC Light" charset="-122"/>
-              <a:ea typeface="Heiti SC Light" charset="-122"/>
-              <a:cs typeface="Heiti SC Light" charset="-122"/>
-            </a:endParaRPr>
-          </a:p>
-        </p:txBody>
-      </p:sp>
-      <p:sp>
-        <p:nvSpPr>
-          <p:cNvPr id="17" name="可选流程 16"/>
-          <p:cNvSpPr/>
-          <p:nvPr/>
-        </p:nvSpPr>
-        <p:spPr>
-          <a:xfrm>
-            <a:off x="8660996" y="4160212"/>
+            <a:off x="5283253" y="3277991"/>
             <a:ext cx="1295671" cy="611595"/>
           </a:xfrm>
           <a:prstGeom prst="flowChartAlternateProcess">
@@ -5566,7 +7231,7 @@
                 <a:ea typeface="Heiti SC Light" charset="-122"/>
                 <a:cs typeface="Heiti SC Light" charset="-122"/>
               </a:rPr>
-              <a:t>……</a:t>
+              <a:t>JDK</a:t>
             </a:r>
             <a:endParaRPr kumimoji="1" lang="zh-CN" altLang="en-US" sz="1400" dirty="0">
               <a:latin typeface="Heiti SC Light" charset="-122"/>
@@ -5578,14 +7243,14 @@
       </p:sp>
       <p:sp>
         <p:nvSpPr>
-          <p:cNvPr id="18" name="可选流程 17"/>
+          <p:cNvPr id="84" name="可选流程 83"/>
           <p:cNvSpPr/>
           <p:nvPr/>
         </p:nvSpPr>
         <p:spPr>
           <a:xfrm>
-            <a:off x="8660996" y="2399427"/>
-            <a:ext cx="1295671" cy="611595"/>
+            <a:off x="7670441" y="1892876"/>
+            <a:ext cx="2807060" cy="611595"/>
           </a:xfrm>
           <a:prstGeom prst="flowChartAlternateProcess">
             <a:avLst/>
@@ -5619,7 +7284,7 @@
                 <a:ea typeface="Heiti SC Light" charset="-122"/>
                 <a:cs typeface="Heiti SC Light" charset="-122"/>
               </a:rPr>
-              <a:t>Mysql</a:t>
+              <a:t>Navicat</a:t>
             </a:r>
             <a:endParaRPr kumimoji="1" lang="zh-CN" altLang="en-US" sz="1400" dirty="0">
               <a:latin typeface="Heiti SC Light" charset="-122"/>
@@ -5631,20 +7296,20 @@
       </p:sp>
       <p:sp>
         <p:nvSpPr>
-          <p:cNvPr id="19" name="可选流程 18"/>
+          <p:cNvPr id="85" name="圆角矩形 84"/>
           <p:cNvSpPr/>
           <p:nvPr/>
         </p:nvSpPr>
         <p:spPr>
           <a:xfrm>
-            <a:off x="8660996" y="3245771"/>
-            <a:ext cx="1295671" cy="611595"/>
+            <a:off x="1849214" y="1941585"/>
+            <a:ext cx="5137374" cy="567638"/>
           </a:xfrm>
-          <a:prstGeom prst="flowChartAlternateProcess">
+          <a:prstGeom prst="roundRect">
             <a:avLst/>
           </a:prstGeom>
           <a:solidFill>
-            <a:srgbClr val="4BACC6"/>
+            <a:srgbClr val="58B8D1"/>
           </a:solidFill>
         </p:spPr>
         <p:style>
@@ -5665,14 +7330,16 @@
           <a:bodyPr anchor="ctr"/>
           <a:lstStyle/>
           <a:p>
-            <a:pPr algn="ctr"/>
+            <a:pPr algn="ctr">
+              <a:defRPr/>
+            </a:pPr>
             <a:r>
               <a:rPr kumimoji="1" lang="en-US" altLang="zh-CN" sz="1400" dirty="0" smtClean="0">
                 <a:latin typeface="Heiti SC Light" charset="-122"/>
                 <a:ea typeface="Heiti SC Light" charset="-122"/>
                 <a:cs typeface="Heiti SC Light" charset="-122"/>
               </a:rPr>
-              <a:t>Cache</a:t>
+              <a:t>Idea</a:t>
             </a:r>
             <a:endParaRPr kumimoji="1" lang="zh-CN" altLang="en-US" sz="1400" dirty="0">
               <a:latin typeface="Heiti SC Light" charset="-122"/>
@@ -5684,55 +7351,103 @@
       </p:sp>
       <p:sp>
         <p:nvSpPr>
-          <p:cNvPr id="20" name="矩形 19"/>
+          <p:cNvPr id="88" name="圆角矩形 87"/>
           <p:cNvSpPr/>
           <p:nvPr/>
         </p:nvSpPr>
         <p:spPr>
           <a:xfrm>
-            <a:off x="1714668" y="1781268"/>
-            <a:ext cx="5943432" cy="3794032"/>
+            <a:off x="7315200" y="3277991"/>
+            <a:ext cx="3162300" cy="611595"/>
           </a:xfrm>
-          <a:prstGeom prst="rect">
+          <a:prstGeom prst="roundRect">
             <a:avLst/>
           </a:prstGeom>
-          <a:noFill/>
-          <a:ln w="12700" cap="flat" cmpd="sng" algn="ctr">
-            <a:solidFill>
-              <a:srgbClr val="5B9BD5">
-                <a:shade val="50000"/>
-              </a:srgbClr>
-            </a:solidFill>
-            <a:prstDash val="dash"/>
-            <a:miter lim="800000"/>
-          </a:ln>
-          <a:effectLst/>
-        </p:spPr>
-        <p:txBody>
-          <a:bodyPr anchor="b"/>
-          <a:lstStyle/>
-          <a:p>
-            <a:pPr algn="ctr" defTabSz="1219170" eaLnBrk="0" fontAlgn="base" hangingPunct="0">
-              <a:spcBef>
-                <a:spcPct val="0"/>
-              </a:spcBef>
-              <a:spcAft>
-                <a:spcPct val="0"/>
-              </a:spcAft>
+          <a:solidFill>
+            <a:srgbClr val="58B8D1"/>
+          </a:solidFill>
+        </p:spPr>
+        <p:style>
+          <a:lnRef idx="0">
+            <a:schemeClr val="accent1"/>
+          </a:lnRef>
+          <a:fillRef idx="3">
+            <a:schemeClr val="accent1"/>
+          </a:fillRef>
+          <a:effectRef idx="3">
+            <a:schemeClr val="accent1"/>
+          </a:effectRef>
+          <a:fontRef idx="minor">
+            <a:schemeClr val="lt1"/>
+          </a:fontRef>
+        </p:style>
+        <p:txBody>
+          <a:bodyPr anchor="ctr"/>
+          <a:lstStyle/>
+          <a:p>
+            <a:pPr algn="ctr">
               <a:defRPr/>
             </a:pPr>
             <a:r>
-              <a:rPr kumimoji="1" lang="en-US" altLang="zh-CN" sz="1867" kern="0" dirty="0" smtClean="0">
-                <a:latin typeface="Microsoft YaHei" charset="0"/>
-                <a:ea typeface="Microsoft YaHei" charset="0"/>
-                <a:cs typeface="Microsoft YaHei" charset="0"/>
-              </a:rPr>
-              <a:t>Web</a:t>
-            </a:r>
-            <a:endParaRPr kumimoji="1" lang="zh-CN" altLang="en-US" sz="1867" kern="0" dirty="0">
-              <a:latin typeface="Microsoft YaHei" charset="0"/>
-              <a:ea typeface="Microsoft YaHei" charset="0"/>
-              <a:cs typeface="Microsoft YaHei" charset="0"/>
+              <a:rPr kumimoji="1" lang="en-US" altLang="zh-CN" sz="1400" dirty="0" smtClean="0">
+                <a:latin typeface="Heiti SC Light" charset="-122"/>
+                <a:ea typeface="Heiti SC Light" charset="-122"/>
+                <a:cs typeface="Heiti SC Light" charset="-122"/>
+              </a:rPr>
+              <a:t>Docker</a:t>
+            </a:r>
+            <a:r>
+              <a:rPr kumimoji="1" lang="zh-CN" altLang="en-US" sz="1400" dirty="0" smtClean="0">
+                <a:latin typeface="Heiti SC Light" charset="-122"/>
+                <a:ea typeface="Heiti SC Light" charset="-122"/>
+                <a:cs typeface="Heiti SC Light" charset="-122"/>
+              </a:rPr>
+              <a:t>（</a:t>
+            </a:r>
+            <a:r>
+              <a:rPr kumimoji="1" lang="en-US" altLang="zh-CN" sz="1400" dirty="0" smtClean="0">
+                <a:latin typeface="Heiti SC Light" charset="-122"/>
+                <a:ea typeface="Heiti SC Light" charset="-122"/>
+                <a:cs typeface="Heiti SC Light" charset="-122"/>
+              </a:rPr>
+              <a:t>Redis</a:t>
+            </a:r>
+            <a:r>
+              <a:rPr kumimoji="1" lang="zh-CN" altLang="en-US" sz="1400" dirty="0" smtClean="0">
+                <a:latin typeface="Heiti SC Light" charset="-122"/>
+                <a:ea typeface="Heiti SC Light" charset="-122"/>
+                <a:cs typeface="Heiti SC Light" charset="-122"/>
+              </a:rPr>
+              <a:t>、</a:t>
+            </a:r>
+            <a:r>
+              <a:rPr kumimoji="1" lang="en-US" altLang="zh-CN" sz="1400" dirty="0" smtClean="0">
+                <a:latin typeface="Heiti SC Light" charset="-122"/>
+                <a:ea typeface="Heiti SC Light" charset="-122"/>
+                <a:cs typeface="Heiti SC Light" charset="-122"/>
+              </a:rPr>
+              <a:t>Mysql</a:t>
+            </a:r>
+            <a:r>
+              <a:rPr kumimoji="1" lang="en-US" altLang="zh-CN" sz="1400" dirty="0" smtClean="0">
+                <a:latin typeface="Heiti SC Light" charset="-122"/>
+                <a:ea typeface="Heiti SC Light" charset="-122"/>
+                <a:cs typeface="Heiti SC Light" charset="-122"/>
+              </a:rPr>
+              <a:t>…</a:t>
+            </a:r>
+            <a:r>
+              <a:rPr kumimoji="1" lang="zh-CN" altLang="en-US" sz="1400" dirty="0" smtClean="0">
+                <a:latin typeface="Heiti SC Light" charset="-122"/>
+                <a:ea typeface="Heiti SC Light" charset="-122"/>
+                <a:cs typeface="Heiti SC Light" charset="-122"/>
+              </a:rPr>
+              <a:t>）</a:t>
+            </a:r>
+            <a:endParaRPr kumimoji="1" lang="zh-CN" altLang="en-US" sz="1400" dirty="0">
+              <a:latin typeface="Heiti SC Light" charset="-122"/>
+              <a:ea typeface="Heiti SC Light" charset="-122"/>
+              <a:cs typeface="Heiti SC Light" charset="-122"/>
             </a:endParaRPr>
           </a:p>
         </p:txBody>
@@ -5740,7 +7455,7 @@
     </p:spTree>
     <p:extLst>
       <p:ext uri="{BB962C8B-B14F-4D97-AF65-F5344CB8AC3E}">
-        <p14:creationId xmlns:p14="http://schemas.microsoft.com/office/powerpoint/2010/main" val="2020986159"/>
+        <p14:creationId xmlns:p14="http://schemas.microsoft.com/office/powerpoint/2010/main" val="421730548"/>
       </p:ext>
     </p:extLst>
   </p:cSld>
@@ -6000,7 +7715,23 @@
                 <a:ea typeface="Heiti SC Light" charset="-122"/>
                 <a:cs typeface="Heiti SC Light" charset="-122"/>
               </a:rPr>
-              <a:t>发布环境</a:t>
+              <a:t>部署环境（</a:t>
+            </a:r>
+            <a:r>
+              <a:rPr lang="en-US" altLang="zh-CN" sz="2800" b="1" dirty="0" smtClean="0">
+                <a:latin typeface="Heiti SC Light" charset="-122"/>
+                <a:ea typeface="Heiti SC Light" charset="-122"/>
+                <a:cs typeface="Heiti SC Light" charset="-122"/>
+              </a:rPr>
+              <a:t>CentOS</a:t>
+            </a:r>
+            <a:r>
+              <a:rPr lang="zh-CN" altLang="en-US" sz="2800" b="1" dirty="0" smtClean="0">
+                <a:latin typeface="Heiti SC Light" charset="-122"/>
+                <a:ea typeface="Heiti SC Light" charset="-122"/>
+                <a:cs typeface="Heiti SC Light" charset="-122"/>
+              </a:rPr>
+              <a:t>）</a:t>
             </a:r>
             <a:endParaRPr lang="en-US" altLang="zh-CN" sz="2800" b="1" dirty="0">
               <a:latin typeface="Heiti SC Light" charset="-122"/>
@@ -6018,8 +7749,8 @@
         </p:nvSpPr>
         <p:spPr>
           <a:xfrm>
-            <a:off x="1836515" y="3442091"/>
-            <a:ext cx="8628285" cy="567638"/>
+            <a:off x="1849215" y="4506462"/>
+            <a:ext cx="5656485" cy="567638"/>
           </a:xfrm>
           <a:prstGeom prst="roundRect">
             <a:avLst/>
@@ -6055,7 +7786,7 @@
                 <a:ea typeface="Heiti SC Light" charset="-122"/>
                 <a:cs typeface="Heiti SC Light" charset="-122"/>
               </a:rPr>
-              <a:t>ENV</a:t>
+              <a:t>Jdk</a:t>
             </a:r>
             <a:endParaRPr kumimoji="1" lang="zh-CN" altLang="en-US" sz="1400" dirty="0">
               <a:latin typeface="Heiti SC Light" charset="-122"/>
@@ -6067,13 +7798,13 @@
       </p:sp>
       <p:sp>
         <p:nvSpPr>
-          <p:cNvPr id="64" name="可选流程 63"/>
+          <p:cNvPr id="83" name="可选流程 82"/>
           <p:cNvSpPr/>
           <p:nvPr/>
         </p:nvSpPr>
         <p:spPr>
           <a:xfrm>
-            <a:off x="1840940" y="2264161"/>
+            <a:off x="2203289" y="3245771"/>
             <a:ext cx="1295671" cy="611595"/>
           </a:xfrm>
           <a:prstGeom prst="flowChartAlternateProcess">
@@ -6108,18 +7839,15 @@
                 <a:ea typeface="Heiti SC Light" charset="-122"/>
                 <a:cs typeface="Heiti SC Light" charset="-122"/>
               </a:rPr>
-              <a:t>本机</a:t>
-            </a:r>
-          </a:p>
-          <a:p>
-            <a:pPr algn="ctr"/>
+              <a:t>应用</a:t>
+            </a:r>
             <a:r>
               <a:rPr kumimoji="1" lang="en-US" altLang="zh-CN" sz="1400" dirty="0" smtClean="0">
                 <a:latin typeface="Heiti SC Light" charset="-122"/>
                 <a:ea typeface="Heiti SC Light" charset="-122"/>
                 <a:cs typeface="Heiti SC Light" charset="-122"/>
               </a:rPr>
-              <a:t>local</a:t>
+              <a:t>/JAR</a:t>
             </a:r>
             <a:endParaRPr kumimoji="1" lang="zh-CN" altLang="en-US" sz="1400" dirty="0">
               <a:latin typeface="Heiti SC Light" charset="-122"/>
@@ -6131,13 +7859,200 @@
       </p:sp>
       <p:sp>
         <p:nvSpPr>
-          <p:cNvPr id="10" name="可选流程 9"/>
+          <p:cNvPr id="85" name="圆角矩形 84"/>
           <p:cNvSpPr/>
           <p:nvPr/>
         </p:nvSpPr>
         <p:spPr>
           <a:xfrm>
-            <a:off x="3689223" y="2264161"/>
+            <a:off x="1849214" y="1941585"/>
+            <a:ext cx="5656486" cy="567638"/>
+          </a:xfrm>
+          <a:prstGeom prst="roundRect">
+            <a:avLst/>
+          </a:prstGeom>
+          <a:solidFill>
+            <a:srgbClr val="58B8D1"/>
+          </a:solidFill>
+        </p:spPr>
+        <p:style>
+          <a:lnRef idx="0">
+            <a:schemeClr val="accent1"/>
+          </a:lnRef>
+          <a:fillRef idx="3">
+            <a:schemeClr val="accent1"/>
+          </a:fillRef>
+          <a:effectRef idx="3">
+            <a:schemeClr val="accent1"/>
+          </a:effectRef>
+          <a:fontRef idx="minor">
+            <a:schemeClr val="lt1"/>
+          </a:fontRef>
+        </p:style>
+        <p:txBody>
+          <a:bodyPr anchor="ctr"/>
+          <a:lstStyle/>
+          <a:p>
+            <a:pPr algn="ctr">
+              <a:defRPr/>
+            </a:pPr>
+            <a:r>
+              <a:rPr kumimoji="1" lang="en-US" altLang="zh-CN" sz="1400" dirty="0" smtClean="0">
+                <a:latin typeface="Heiti SC Light" charset="-122"/>
+                <a:ea typeface="Heiti SC Light" charset="-122"/>
+                <a:cs typeface="Heiti SC Light" charset="-122"/>
+              </a:rPr>
+              <a:t>Nginx</a:t>
+            </a:r>
+            <a:endParaRPr kumimoji="1" lang="zh-CN" altLang="en-US" sz="1400" dirty="0">
+              <a:latin typeface="Heiti SC Light" charset="-122"/>
+              <a:ea typeface="Heiti SC Light" charset="-122"/>
+              <a:cs typeface="Heiti SC Light" charset="-122"/>
+            </a:endParaRPr>
+          </a:p>
+        </p:txBody>
+      </p:sp>
+      <p:sp>
+        <p:nvSpPr>
+          <p:cNvPr id="18" name="可选流程 17"/>
+          <p:cNvSpPr/>
+          <p:nvPr/>
+        </p:nvSpPr>
+        <p:spPr>
+          <a:xfrm>
+            <a:off x="5289501" y="3245769"/>
+            <a:ext cx="1784292" cy="611595"/>
+          </a:xfrm>
+          <a:prstGeom prst="flowChartAlternateProcess">
+            <a:avLst/>
+          </a:prstGeom>
+          <a:solidFill>
+            <a:srgbClr val="4BACC6"/>
+          </a:solidFill>
+        </p:spPr>
+        <p:style>
+          <a:lnRef idx="0">
+            <a:schemeClr val="accent1"/>
+          </a:lnRef>
+          <a:fillRef idx="3">
+            <a:schemeClr val="accent1"/>
+          </a:fillRef>
+          <a:effectRef idx="3">
+            <a:schemeClr val="accent1"/>
+          </a:effectRef>
+          <a:fontRef idx="minor">
+            <a:schemeClr val="lt1"/>
+          </a:fontRef>
+        </p:style>
+        <p:txBody>
+          <a:bodyPr anchor="ctr"/>
+          <a:lstStyle/>
+          <a:p>
+            <a:pPr algn="ctr"/>
+            <a:r>
+              <a:rPr kumimoji="1" lang="en-US" altLang="zh-CN" sz="1400" dirty="0" err="1" smtClean="0">
+                <a:latin typeface="Heiti SC Light" charset="-122"/>
+                <a:ea typeface="Heiti SC Light" charset="-122"/>
+                <a:cs typeface="Heiti SC Light" charset="-122"/>
+              </a:rPr>
+              <a:t>Mysql</a:t>
+            </a:r>
+            <a:r>
+              <a:rPr kumimoji="1" lang="en-US" altLang="zh-CN" sz="1400" dirty="0" smtClean="0">
+                <a:latin typeface="Heiti SC Light" charset="-122"/>
+                <a:ea typeface="Heiti SC Light" charset="-122"/>
+                <a:cs typeface="Heiti SC Light" charset="-122"/>
+              </a:rPr>
+              <a:t>/</a:t>
+            </a:r>
+            <a:r>
+              <a:rPr kumimoji="1" lang="en-US" altLang="zh-CN" sz="1400" dirty="0" err="1" smtClean="0">
+                <a:latin typeface="Heiti SC Light" charset="-122"/>
+                <a:ea typeface="Heiti SC Light" charset="-122"/>
+                <a:cs typeface="Heiti SC Light" charset="-122"/>
+              </a:rPr>
+              <a:t>Redis</a:t>
+            </a:r>
+            <a:r>
+              <a:rPr kumimoji="1" lang="en-US" altLang="zh-CN" sz="1400" dirty="0" smtClean="0">
+                <a:latin typeface="Heiti SC Light" charset="-122"/>
+                <a:ea typeface="Heiti SC Light" charset="-122"/>
+                <a:cs typeface="Heiti SC Light" charset="-122"/>
+              </a:rPr>
+              <a:t>/……</a:t>
+            </a:r>
+            <a:endParaRPr kumimoji="1" lang="zh-CN" altLang="en-US" sz="1400" dirty="0">
+              <a:latin typeface="Heiti SC Light" charset="-122"/>
+              <a:ea typeface="Heiti SC Light" charset="-122"/>
+              <a:cs typeface="Heiti SC Light" charset="-122"/>
+            </a:endParaRPr>
+          </a:p>
+        </p:txBody>
+      </p:sp>
+      <p:sp>
+        <p:nvSpPr>
+          <p:cNvPr id="20" name="矩形 19"/>
+          <p:cNvSpPr/>
+          <p:nvPr/>
+        </p:nvSpPr>
+        <p:spPr>
+          <a:xfrm>
+            <a:off x="1714668" y="1781268"/>
+            <a:ext cx="5943432" cy="3794032"/>
+          </a:xfrm>
+          <a:prstGeom prst="rect">
+            <a:avLst/>
+          </a:prstGeom>
+          <a:noFill/>
+          <a:ln w="12700" cap="flat" cmpd="sng" algn="ctr">
+            <a:solidFill>
+              <a:srgbClr val="5B9BD5">
+                <a:shade val="50000"/>
+              </a:srgbClr>
+            </a:solidFill>
+            <a:prstDash val="dash"/>
+            <a:miter lim="800000"/>
+          </a:ln>
+          <a:effectLst/>
+        </p:spPr>
+        <p:txBody>
+          <a:bodyPr anchor="b"/>
+          <a:lstStyle/>
+          <a:p>
+            <a:pPr algn="ctr" defTabSz="1219170" eaLnBrk="0" fontAlgn="base" hangingPunct="0">
+              <a:spcBef>
+                <a:spcPct val="0"/>
+              </a:spcBef>
+              <a:spcAft>
+                <a:spcPct val="0"/>
+              </a:spcAft>
+              <a:defRPr/>
+            </a:pPr>
+            <a:r>
+              <a:rPr kumimoji="1" lang="en-US" altLang="zh-CN" sz="1867" kern="0" dirty="0" smtClean="0">
+                <a:latin typeface="Microsoft YaHei" charset="0"/>
+                <a:ea typeface="Microsoft YaHei" charset="0"/>
+                <a:cs typeface="Microsoft YaHei" charset="0"/>
+              </a:rPr>
+              <a:t>Web</a:t>
+            </a:r>
+            <a:endParaRPr kumimoji="1" lang="zh-CN" altLang="en-US" sz="1867" kern="0" dirty="0">
+              <a:latin typeface="Microsoft YaHei" charset="0"/>
+              <a:ea typeface="Microsoft YaHei" charset="0"/>
+              <a:cs typeface="Microsoft YaHei" charset="0"/>
+            </a:endParaRPr>
+          </a:p>
+        </p:txBody>
+      </p:sp>
+      <p:sp>
+        <p:nvSpPr>
+          <p:cNvPr id="16" name="可选流程 15"/>
+          <p:cNvSpPr/>
+          <p:nvPr/>
+        </p:nvSpPr>
+        <p:spPr>
+          <a:xfrm>
+            <a:off x="3746395" y="3245770"/>
             <a:ext cx="1295671" cy="611595"/>
           </a:xfrm>
           <a:prstGeom prst="flowChartAlternateProcess">
@@ -6167,23 +8082,12 @@
           <a:p>
             <a:pPr algn="ctr"/>
             <a:r>
-              <a:rPr kumimoji="1" lang="zh-CN" altLang="en-US" sz="1400" dirty="0" smtClean="0">
-                <a:latin typeface="Heiti SC Light" charset="-122"/>
-                <a:ea typeface="Heiti SC Light" charset="-122"/>
-                <a:cs typeface="Heiti SC Light" charset="-122"/>
-              </a:rPr>
-              <a:t>测试</a:t>
-            </a:r>
-          </a:p>
-          <a:p>
-            <a:pPr algn="ctr"/>
-            <a:r>
               <a:rPr kumimoji="1" lang="en-US" altLang="zh-CN" sz="1400" dirty="0" smtClean="0">
                 <a:latin typeface="Heiti SC Light" charset="-122"/>
                 <a:ea typeface="Heiti SC Light" charset="-122"/>
                 <a:cs typeface="Heiti SC Light" charset="-122"/>
               </a:rPr>
-              <a:t>test</a:t>
+              <a:t>……</a:t>
             </a:r>
             <a:endParaRPr kumimoji="1" lang="zh-CN" altLang="en-US" sz="1400" dirty="0">
               <a:latin typeface="Heiti SC Light" charset="-122"/>
@@ -6193,202 +8097,10 @@
           </a:p>
         </p:txBody>
       </p:sp>
-      <p:sp>
-        <p:nvSpPr>
-          <p:cNvPr id="11" name="可选流程 10"/>
-          <p:cNvSpPr/>
-          <p:nvPr/>
-        </p:nvSpPr>
-        <p:spPr>
-          <a:xfrm>
-            <a:off x="5537506" y="2264161"/>
-            <a:ext cx="1295671" cy="611595"/>
-          </a:xfrm>
-          <a:prstGeom prst="flowChartAlternateProcess">
-            <a:avLst/>
-          </a:prstGeom>
-          <a:solidFill>
-            <a:srgbClr val="4BACC6"/>
-          </a:solidFill>
-        </p:spPr>
-        <p:style>
-          <a:lnRef idx="0">
-            <a:schemeClr val="accent1"/>
-          </a:lnRef>
-          <a:fillRef idx="3">
-            <a:schemeClr val="accent1"/>
-          </a:fillRef>
-          <a:effectRef idx="3">
-            <a:schemeClr val="accent1"/>
-          </a:effectRef>
-          <a:fontRef idx="minor">
-            <a:schemeClr val="lt1"/>
-          </a:fontRef>
-        </p:style>
-        <p:txBody>
-          <a:bodyPr anchor="ctr"/>
-          <a:lstStyle/>
-          <a:p>
-            <a:pPr algn="ctr"/>
-            <a:r>
-              <a:rPr kumimoji="1" lang="zh-CN" altLang="en-US" sz="1400" dirty="0" smtClean="0">
-                <a:latin typeface="Heiti SC Light" charset="-122"/>
-                <a:ea typeface="Heiti SC Light" charset="-122"/>
-                <a:cs typeface="Heiti SC Light" charset="-122"/>
-              </a:rPr>
-              <a:t>预发</a:t>
-            </a:r>
-          </a:p>
-          <a:p>
-            <a:pPr algn="ctr"/>
-            <a:r>
-              <a:rPr kumimoji="1" lang="en-US" altLang="zh-CN" sz="1400" dirty="0" smtClean="0">
-                <a:latin typeface="Heiti SC Light" charset="-122"/>
-                <a:ea typeface="Heiti SC Light" charset="-122"/>
-                <a:cs typeface="Heiti SC Light" charset="-122"/>
-              </a:rPr>
-              <a:t>ppe</a:t>
-            </a:r>
-            <a:endParaRPr kumimoji="1" lang="zh-CN" altLang="en-US" sz="1400" dirty="0">
-              <a:latin typeface="Heiti SC Light" charset="-122"/>
-              <a:ea typeface="Heiti SC Light" charset="-122"/>
-              <a:cs typeface="Heiti SC Light" charset="-122"/>
-            </a:endParaRPr>
-          </a:p>
-        </p:txBody>
-      </p:sp>
-      <p:sp>
-        <p:nvSpPr>
-          <p:cNvPr id="12" name="可选流程 11"/>
-          <p:cNvSpPr/>
-          <p:nvPr/>
-        </p:nvSpPr>
-        <p:spPr>
-          <a:xfrm>
-            <a:off x="9169129" y="2267078"/>
-            <a:ext cx="1295671" cy="611595"/>
-          </a:xfrm>
-          <a:prstGeom prst="flowChartAlternateProcess">
-            <a:avLst/>
-          </a:prstGeom>
-          <a:solidFill>
-            <a:srgbClr val="4BACC6"/>
-          </a:solidFill>
-        </p:spPr>
-        <p:style>
-          <a:lnRef idx="0">
-            <a:schemeClr val="accent1"/>
-          </a:lnRef>
-          <a:fillRef idx="3">
-            <a:schemeClr val="accent1"/>
-          </a:fillRef>
-          <a:effectRef idx="3">
-            <a:schemeClr val="accent1"/>
-          </a:effectRef>
-          <a:fontRef idx="minor">
-            <a:schemeClr val="lt1"/>
-          </a:fontRef>
-        </p:style>
-        <p:txBody>
-          <a:bodyPr anchor="ctr"/>
-          <a:lstStyle/>
-          <a:p>
-            <a:pPr algn="ctr"/>
-            <a:r>
-              <a:rPr kumimoji="1" lang="zh-CN" altLang="en-US" sz="1400" dirty="0" smtClean="0">
-                <a:latin typeface="Heiti SC Light" charset="-122"/>
-                <a:ea typeface="Heiti SC Light" charset="-122"/>
-                <a:cs typeface="Heiti SC Light" charset="-122"/>
-              </a:rPr>
-              <a:t>生产</a:t>
-            </a:r>
-          </a:p>
-          <a:p>
-            <a:pPr algn="ctr"/>
-            <a:r>
-              <a:rPr kumimoji="1" lang="en-US" altLang="zh-CN" sz="1400" dirty="0" smtClean="0">
-                <a:latin typeface="Heiti SC Light" charset="-122"/>
-                <a:ea typeface="Heiti SC Light" charset="-122"/>
-                <a:cs typeface="Heiti SC Light" charset="-122"/>
-              </a:rPr>
-              <a:t>product</a:t>
-            </a:r>
-            <a:endParaRPr kumimoji="1" lang="zh-CN" altLang="en-US" sz="1400" dirty="0">
-              <a:latin typeface="Heiti SC Light" charset="-122"/>
-              <a:ea typeface="Heiti SC Light" charset="-122"/>
-              <a:cs typeface="Heiti SC Light" charset="-122"/>
-            </a:endParaRPr>
-          </a:p>
-        </p:txBody>
-      </p:sp>
-      <p:sp>
-        <p:nvSpPr>
-          <p:cNvPr id="13" name="可选流程 12"/>
-          <p:cNvSpPr/>
-          <p:nvPr/>
-        </p:nvSpPr>
-        <p:spPr>
-          <a:xfrm>
-            <a:off x="7385789" y="2264161"/>
-            <a:ext cx="1295671" cy="611595"/>
-          </a:xfrm>
-          <a:prstGeom prst="flowChartAlternateProcess">
-            <a:avLst/>
-          </a:prstGeom>
-          <a:solidFill>
-            <a:srgbClr val="4BACC6"/>
-          </a:solidFill>
-        </p:spPr>
-        <p:style>
-          <a:lnRef idx="0">
-            <a:schemeClr val="accent1"/>
-          </a:lnRef>
-          <a:fillRef idx="3">
-            <a:schemeClr val="accent1"/>
-          </a:fillRef>
-          <a:effectRef idx="3">
-            <a:schemeClr val="accent1"/>
-          </a:effectRef>
-          <a:fontRef idx="minor">
-            <a:schemeClr val="lt1"/>
-          </a:fontRef>
-        </p:style>
-        <p:txBody>
-          <a:bodyPr anchor="ctr"/>
-          <a:lstStyle/>
-          <a:p>
-            <a:pPr algn="ctr"/>
-            <a:r>
-              <a:rPr kumimoji="1" lang="zh-CN" altLang="en-US" sz="1400" dirty="0" smtClean="0">
-                <a:latin typeface="Heiti SC Light" charset="-122"/>
-                <a:ea typeface="Heiti SC Light" charset="-122"/>
-                <a:cs typeface="Heiti SC Light" charset="-122"/>
-              </a:rPr>
-              <a:t>生产（灰度）</a:t>
-            </a:r>
-          </a:p>
-          <a:p>
-            <a:pPr algn="ctr"/>
-            <a:r>
-              <a:rPr kumimoji="1" lang="en-US" altLang="zh-CN" sz="1400" dirty="0" smtClean="0">
-                <a:latin typeface="Heiti SC Light" charset="-122"/>
-                <a:ea typeface="Heiti SC Light" charset="-122"/>
-                <a:cs typeface="Heiti SC Light" charset="-122"/>
-              </a:rPr>
-              <a:t>product</a:t>
-            </a:r>
-            <a:endParaRPr kumimoji="1" lang="zh-CN" altLang="en-US" sz="1400" dirty="0">
-              <a:latin typeface="Heiti SC Light" charset="-122"/>
-              <a:ea typeface="Heiti SC Light" charset="-122"/>
-              <a:cs typeface="Heiti SC Light" charset="-122"/>
-            </a:endParaRPr>
-          </a:p>
-        </p:txBody>
-      </p:sp>
     </p:spTree>
     <p:extLst>
       <p:ext uri="{BB962C8B-B14F-4D97-AF65-F5344CB8AC3E}">
-        <p14:creationId xmlns:p14="http://schemas.microsoft.com/office/powerpoint/2010/main" val="113463035"/>
+        <p14:creationId xmlns:p14="http://schemas.microsoft.com/office/powerpoint/2010/main" val="2020986159"/>
       </p:ext>
     </p:extLst>
   </p:cSld>
@@ -6424,13 +8136,211 @@
       </p:grpSpPr>
       <p:sp>
         <p:nvSpPr>
+          <p:cNvPr id="9" name="矩形 8"/>
+          <p:cNvSpPr/>
+          <p:nvPr/>
+        </p:nvSpPr>
+        <p:spPr>
+          <a:xfrm>
+            <a:off x="5931089" y="7076091"/>
+            <a:ext cx="2920811" cy="841124"/>
+          </a:xfrm>
+          <a:prstGeom prst="rect">
+            <a:avLst/>
+          </a:prstGeom>
+          <a:solidFill>
+            <a:srgbClr val="E8DDF4"/>
+          </a:solidFill>
+          <a:ln>
+            <a:noFill/>
+          </a:ln>
+        </p:spPr>
+        <p:style>
+          <a:lnRef idx="1">
+            <a:schemeClr val="accent1"/>
+          </a:lnRef>
+          <a:fillRef idx="2">
+            <a:schemeClr val="accent1"/>
+          </a:fillRef>
+          <a:effectRef idx="1">
+            <a:schemeClr val="accent1"/>
+          </a:effectRef>
+          <a:fontRef idx="minor">
+            <a:schemeClr val="dk1"/>
+          </a:fontRef>
+        </p:style>
+        <p:txBody>
+          <a:bodyPr anchor="b"/>
+          <a:lstStyle/>
+          <a:p>
+            <a:pPr algn="ctr">
+              <a:defRPr/>
+            </a:pPr>
+            <a:r>
+              <a:rPr kumimoji="1" lang="zh-CN" altLang="en-US" sz="1600" b="1" dirty="0" smtClean="0">
+                <a:latin typeface="Heiti SC Light" charset="-122"/>
+                <a:ea typeface="Heiti SC Light" charset="-122"/>
+                <a:cs typeface="Heiti SC Light" charset="-122"/>
+              </a:rPr>
+              <a:t>注册中心</a:t>
+            </a:r>
+            <a:endParaRPr kumimoji="1" lang="zh-CN" altLang="en-US" sz="1600" b="1" dirty="0">
+              <a:latin typeface="Heiti SC Light" charset="-122"/>
+              <a:ea typeface="Heiti SC Light" charset="-122"/>
+              <a:cs typeface="Heiti SC Light" charset="-122"/>
+            </a:endParaRPr>
+          </a:p>
+        </p:txBody>
+      </p:sp>
+      <p:cxnSp>
+        <p:nvCxnSpPr>
+          <p:cNvPr id="86" name="直线箭头连接符 85"/>
+          <p:cNvCxnSpPr/>
+          <p:nvPr/>
+        </p:nvCxnSpPr>
+        <p:spPr>
+          <a:xfrm>
+            <a:off x="11955553" y="7258143"/>
+            <a:ext cx="9228" cy="410923"/>
+          </a:xfrm>
+          <a:prstGeom prst="straightConnector1">
+            <a:avLst/>
+          </a:prstGeom>
+          <a:ln w="28575">
+            <a:prstDash val="dash"/>
+            <a:headEnd type="none" w="med" len="med"/>
+            <a:tailEnd type="arrow" w="med" len="med"/>
+          </a:ln>
+        </p:spPr>
+        <p:style>
+          <a:lnRef idx="1">
+            <a:schemeClr val="accent1"/>
+          </a:lnRef>
+          <a:fillRef idx="0">
+            <a:schemeClr val="accent1"/>
+          </a:fillRef>
+          <a:effectRef idx="0">
+            <a:schemeClr val="accent1"/>
+          </a:effectRef>
+          <a:fontRef idx="minor">
+            <a:schemeClr val="tx1"/>
+          </a:fontRef>
+        </p:style>
+      </p:cxnSp>
+      <p:cxnSp>
+        <p:nvCxnSpPr>
+          <p:cNvPr id="87" name="直线箭头连接符 86"/>
+          <p:cNvCxnSpPr/>
+          <p:nvPr/>
+        </p:nvCxnSpPr>
+        <p:spPr>
+          <a:xfrm flipV="1">
+            <a:off x="12192000" y="7245443"/>
+            <a:ext cx="0" cy="417180"/>
+          </a:xfrm>
+          <a:prstGeom prst="straightConnector1">
+            <a:avLst/>
+          </a:prstGeom>
+          <a:ln w="28575">
+            <a:prstDash val="dash"/>
+            <a:headEnd type="none" w="med" len="med"/>
+            <a:tailEnd type="arrow" w="med" len="med"/>
+          </a:ln>
+        </p:spPr>
+        <p:style>
+          <a:lnRef idx="1">
+            <a:schemeClr val="accent1"/>
+          </a:lnRef>
+          <a:fillRef idx="0">
+            <a:schemeClr val="accent1"/>
+          </a:fillRef>
+          <a:effectRef idx="0">
+            <a:schemeClr val="accent1"/>
+          </a:effectRef>
+          <a:fontRef idx="minor">
+            <a:schemeClr val="tx1"/>
+          </a:fontRef>
+        </p:style>
+      </p:cxnSp>
+      <p:cxnSp>
+        <p:nvCxnSpPr>
+          <p:cNvPr id="133" name="直线箭头连接符 132"/>
+          <p:cNvCxnSpPr/>
+          <p:nvPr/>
+        </p:nvCxnSpPr>
+        <p:spPr>
+          <a:xfrm>
+            <a:off x="12476487" y="7419060"/>
+            <a:ext cx="413345" cy="1"/>
+          </a:xfrm>
+          <a:prstGeom prst="straightConnector1">
+            <a:avLst/>
+          </a:prstGeom>
+          <a:ln w="28575">
+            <a:prstDash val="dash"/>
+            <a:headEnd type="none" w="med" len="med"/>
+            <a:tailEnd type="arrow" w="med" len="med"/>
+          </a:ln>
+        </p:spPr>
+        <p:style>
+          <a:lnRef idx="1">
+            <a:schemeClr val="accent1"/>
+          </a:lnRef>
+          <a:fillRef idx="0">
+            <a:schemeClr val="accent1"/>
+          </a:fillRef>
+          <a:effectRef idx="0">
+            <a:schemeClr val="accent1"/>
+          </a:effectRef>
+          <a:fontRef idx="minor">
+            <a:schemeClr val="tx1"/>
+          </a:fontRef>
+        </p:style>
+      </p:cxnSp>
+      <p:cxnSp>
+        <p:nvCxnSpPr>
+          <p:cNvPr id="134" name="直线箭头连接符 133"/>
+          <p:cNvCxnSpPr/>
+          <p:nvPr/>
+        </p:nvCxnSpPr>
+        <p:spPr>
+          <a:xfrm flipH="1">
+            <a:off x="12434527" y="7662622"/>
+            <a:ext cx="429217" cy="1"/>
+          </a:xfrm>
+          <a:prstGeom prst="straightConnector1">
+            <a:avLst/>
+          </a:prstGeom>
+          <a:ln w="28575">
+            <a:prstDash val="dash"/>
+            <a:headEnd type="none" w="med" len="med"/>
+            <a:tailEnd type="arrow" w="med" len="med"/>
+          </a:ln>
+        </p:spPr>
+        <p:style>
+          <a:lnRef idx="1">
+            <a:schemeClr val="accent1"/>
+          </a:lnRef>
+          <a:fillRef idx="0">
+            <a:schemeClr val="accent1"/>
+          </a:fillRef>
+          <a:effectRef idx="0">
+            <a:schemeClr val="accent1"/>
+          </a:effectRef>
+          <a:fontRef idx="minor">
+            <a:schemeClr val="tx1"/>
+          </a:fontRef>
+        </p:style>
+      </p:cxnSp>
+      <p:sp>
+        <p:nvSpPr>
           <p:cNvPr id="2" name="矩形 1"/>
           <p:cNvSpPr/>
           <p:nvPr/>
         </p:nvSpPr>
         <p:spPr>
           <a:xfrm>
-            <a:off x="3827554" y="6231075"/>
+            <a:off x="4088541" y="6156980"/>
             <a:ext cx="4572456" cy="523220"/>
           </a:xfrm>
           <a:prstGeom prst="rect">
@@ -6450,15 +8360,7 @@
                 <a:ea typeface="Heiti SC Light" charset="-122"/>
                 <a:cs typeface="Heiti SC Light" charset="-122"/>
               </a:rPr>
-              <a:t>分布式基础架构图谱 </a:t>
-            </a:r>
-            <a:r>
-              <a:rPr lang="en-US" altLang="zh-CN" sz="2800" b="1" dirty="0" smtClean="0">
-                <a:latin typeface="Heiti SC Light" charset="-122"/>
-                <a:ea typeface="Heiti SC Light" charset="-122"/>
-                <a:cs typeface="Heiti SC Light" charset="-122"/>
-              </a:rPr>
-              <a:t>v1.0</a:t>
+              <a:t>发布环境</a:t>
             </a:r>
             <a:endParaRPr lang="en-US" altLang="zh-CN" sz="2800" b="1" dirty="0">
               <a:latin typeface="Heiti SC Light" charset="-122"/>
@@ -6476,8 +8378,8 @@
         </p:nvSpPr>
         <p:spPr>
           <a:xfrm>
-            <a:off x="731000" y="452435"/>
-            <a:ext cx="7468306" cy="567638"/>
+            <a:off x="1836515" y="3442091"/>
+            <a:ext cx="8628285" cy="567638"/>
           </a:xfrm>
           <a:prstGeom prst="roundRect">
             <a:avLst/>
@@ -6508,54 +8410,17 @@
               <a:defRPr/>
             </a:pPr>
             <a:r>
-              <a:rPr kumimoji="1" lang="zh-CN" altLang="en-US" sz="1400" dirty="0">
-                <a:latin typeface="Microsoft YaHei" charset="0"/>
-                <a:ea typeface="Microsoft YaHei" charset="0"/>
-                <a:cs typeface="Microsoft YaHei" charset="0"/>
-              </a:rPr>
-              <a:t>负载</a:t>
-            </a:r>
-            <a:r>
-              <a:rPr kumimoji="1" lang="zh-CN" altLang="en-US" sz="1400" dirty="0" smtClean="0">
-                <a:latin typeface="Microsoft YaHei" charset="0"/>
-                <a:ea typeface="Microsoft YaHei" charset="0"/>
-                <a:cs typeface="Microsoft YaHei" charset="0"/>
-              </a:rPr>
-              <a:t>均衡</a:t>
-            </a:r>
-          </a:p>
-          <a:p>
-            <a:pPr algn="ctr">
-              <a:defRPr/>
-            </a:pPr>
-            <a:r>
               <a:rPr kumimoji="1" lang="en-US" altLang="zh-CN" sz="1400" dirty="0" smtClean="0">
-                <a:latin typeface="Microsoft YaHei" charset="0"/>
-                <a:ea typeface="Microsoft YaHei" charset="0"/>
-                <a:cs typeface="Microsoft YaHei" charset="0"/>
-              </a:rPr>
-              <a:t>Api</a:t>
-            </a:r>
-            <a:r>
-              <a:rPr kumimoji="1" lang="zh-CN" altLang="en-US" sz="1400" dirty="0" smtClean="0">
-                <a:latin typeface="Microsoft YaHei" charset="0"/>
-                <a:ea typeface="Microsoft YaHei" charset="0"/>
-                <a:cs typeface="Microsoft YaHei" charset="0"/>
-              </a:rPr>
-              <a:t> </a:t>
-            </a:r>
-            <a:r>
-              <a:rPr kumimoji="1" lang="en-US" altLang="zh-CN" sz="1400" dirty="0" smtClean="0">
-                <a:latin typeface="Microsoft YaHei" charset="0"/>
-                <a:ea typeface="Microsoft YaHei" charset="0"/>
-                <a:cs typeface="Microsoft YaHei" charset="0"/>
-              </a:rPr>
-              <a:t>gateway</a:t>
+                <a:latin typeface="Heiti SC Light" charset="-122"/>
+                <a:ea typeface="Heiti SC Light" charset="-122"/>
+                <a:cs typeface="Heiti SC Light" charset="-122"/>
+              </a:rPr>
+              <a:t>ENV</a:t>
             </a:r>
             <a:endParaRPr kumimoji="1" lang="zh-CN" altLang="en-US" sz="1400" dirty="0">
-              <a:latin typeface="Microsoft YaHei" charset="0"/>
-              <a:ea typeface="Microsoft YaHei" charset="0"/>
-              <a:cs typeface="Microsoft YaHei" charset="0"/>
+              <a:latin typeface="Heiti SC Light" charset="-122"/>
+              <a:ea typeface="Heiti SC Light" charset="-122"/>
+              <a:cs typeface="Heiti SC Light" charset="-122"/>
             </a:endParaRPr>
           </a:p>
         </p:txBody>
@@ -6568,7 +8433,7 @@
         </p:nvSpPr>
         <p:spPr>
           <a:xfrm>
-            <a:off x="2276380" y="2869529"/>
+            <a:off x="1840940" y="2264161"/>
             <a:ext cx="1295671" cy="611595"/>
           </a:xfrm>
           <a:prstGeom prst="flowChartAlternateProcess">
@@ -6599,40 +8464,40 @@
             <a:pPr algn="ctr"/>
             <a:r>
               <a:rPr kumimoji="1" lang="zh-CN" altLang="en-US" sz="1400" dirty="0" smtClean="0">
-                <a:latin typeface="Microsoft YaHei" charset="0"/>
-                <a:ea typeface="Microsoft YaHei" charset="0"/>
-                <a:cs typeface="Microsoft YaHei" charset="0"/>
-              </a:rPr>
-              <a:t>缓存</a:t>
+                <a:latin typeface="Heiti SC Light" charset="-122"/>
+                <a:ea typeface="Heiti SC Light" charset="-122"/>
+                <a:cs typeface="Heiti SC Light" charset="-122"/>
+              </a:rPr>
+              <a:t>本机</a:t>
             </a:r>
           </a:p>
           <a:p>
             <a:pPr algn="ctr"/>
             <a:r>
-              <a:rPr kumimoji="1" lang="en-US" altLang="zh-CN" sz="1400" dirty="0">
-                <a:latin typeface="Microsoft YaHei" charset="0"/>
-                <a:ea typeface="Microsoft YaHei" charset="0"/>
-                <a:cs typeface="Microsoft YaHei" charset="0"/>
-              </a:rPr>
-              <a:t>【 Cache 】</a:t>
+              <a:rPr kumimoji="1" lang="en-US" altLang="zh-CN" sz="1400" dirty="0" smtClean="0">
+                <a:latin typeface="Heiti SC Light" charset="-122"/>
+                <a:ea typeface="Heiti SC Light" charset="-122"/>
+                <a:cs typeface="Heiti SC Light" charset="-122"/>
+              </a:rPr>
+              <a:t>local</a:t>
             </a:r>
             <a:endParaRPr kumimoji="1" lang="zh-CN" altLang="en-US" sz="1400" dirty="0">
-              <a:latin typeface="Microsoft YaHei" charset="0"/>
-              <a:ea typeface="Microsoft YaHei" charset="0"/>
-              <a:cs typeface="Microsoft YaHei" charset="0"/>
+              <a:latin typeface="Heiti SC Light" charset="-122"/>
+              <a:ea typeface="Heiti SC Light" charset="-122"/>
+              <a:cs typeface="Heiti SC Light" charset="-122"/>
             </a:endParaRPr>
           </a:p>
         </p:txBody>
       </p:sp>
       <p:sp>
         <p:nvSpPr>
-          <p:cNvPr id="69" name="可选流程 68"/>
+          <p:cNvPr id="10" name="可选流程 9"/>
           <p:cNvSpPr/>
           <p:nvPr/>
         </p:nvSpPr>
         <p:spPr>
           <a:xfrm>
-            <a:off x="867184" y="2869530"/>
+            <a:off x="3689223" y="2264161"/>
             <a:ext cx="1295671" cy="611595"/>
           </a:xfrm>
           <a:prstGeom prst="flowChartAlternateProcess">
@@ -6663,104 +8528,40 @@
             <a:pPr algn="ctr"/>
             <a:r>
               <a:rPr kumimoji="1" lang="zh-CN" altLang="en-US" sz="1400" dirty="0" smtClean="0">
-                <a:latin typeface="Microsoft YaHei" charset="0"/>
-                <a:ea typeface="Microsoft YaHei" charset="0"/>
-                <a:cs typeface="Microsoft YaHei" charset="0"/>
-              </a:rPr>
-              <a:t>服务通讯</a:t>
+                <a:latin typeface="Heiti SC Light" charset="-122"/>
+                <a:ea typeface="Heiti SC Light" charset="-122"/>
+                <a:cs typeface="Heiti SC Light" charset="-122"/>
+              </a:rPr>
+              <a:t>测试</a:t>
             </a:r>
           </a:p>
           <a:p>
             <a:pPr algn="ctr"/>
             <a:r>
-              <a:rPr kumimoji="1" lang="en-US" altLang="zh-CN" sz="1400" dirty="0">
-                <a:latin typeface="Microsoft YaHei" charset="0"/>
-                <a:ea typeface="Microsoft YaHei" charset="0"/>
-                <a:cs typeface="Microsoft YaHei" charset="0"/>
-              </a:rPr>
-              <a:t>【 RPC 】</a:t>
+              <a:rPr kumimoji="1" lang="en-US" altLang="zh-CN" sz="1400" dirty="0" smtClean="0">
+                <a:latin typeface="Heiti SC Light" charset="-122"/>
+                <a:ea typeface="Heiti SC Light" charset="-122"/>
+                <a:cs typeface="Heiti SC Light" charset="-122"/>
+              </a:rPr>
+              <a:t>test</a:t>
             </a:r>
             <a:endParaRPr kumimoji="1" lang="zh-CN" altLang="en-US" sz="1400" dirty="0">
-              <a:latin typeface="Microsoft YaHei" charset="0"/>
-              <a:ea typeface="Microsoft YaHei" charset="0"/>
-              <a:cs typeface="Microsoft YaHei" charset="0"/>
+              <a:latin typeface="Heiti SC Light" charset="-122"/>
+              <a:ea typeface="Heiti SC Light" charset="-122"/>
+              <a:cs typeface="Heiti SC Light" charset="-122"/>
             </a:endParaRPr>
           </a:p>
         </p:txBody>
       </p:sp>
       <p:sp>
         <p:nvSpPr>
-          <p:cNvPr id="72" name="可选流程 71"/>
+          <p:cNvPr id="11" name="可选流程 10"/>
           <p:cNvSpPr/>
           <p:nvPr/>
         </p:nvSpPr>
         <p:spPr>
           <a:xfrm>
-            <a:off x="3711356" y="3690124"/>
-            <a:ext cx="2707986" cy="611595"/>
-          </a:xfrm>
-          <a:prstGeom prst="flowChartAlternateProcess">
-            <a:avLst/>
-          </a:prstGeom>
-          <a:solidFill>
-            <a:srgbClr val="4BACC6"/>
-          </a:solidFill>
-        </p:spPr>
-        <p:style>
-          <a:lnRef idx="0">
-            <a:schemeClr val="accent1"/>
-          </a:lnRef>
-          <a:fillRef idx="3">
-            <a:schemeClr val="accent1"/>
-          </a:fillRef>
-          <a:effectRef idx="3">
-            <a:schemeClr val="accent1"/>
-          </a:effectRef>
-          <a:fontRef idx="minor">
-            <a:schemeClr val="lt1"/>
-          </a:fontRef>
-        </p:style>
-        <p:txBody>
-          <a:bodyPr anchor="ctr"/>
-          <a:lstStyle/>
-          <a:p>
-            <a:pPr algn="ctr"/>
-            <a:r>
-              <a:rPr kumimoji="1" lang="zh-CN" altLang="en-US" sz="1400" dirty="0" smtClean="0">
-                <a:latin typeface="Microsoft YaHei" charset="0"/>
-                <a:ea typeface="Microsoft YaHei" charset="0"/>
-                <a:cs typeface="Microsoft YaHei" charset="0"/>
-              </a:rPr>
-              <a:t>配置中心</a:t>
-            </a:r>
-          </a:p>
-          <a:p>
-            <a:pPr algn="ctr"/>
-            <a:r>
-              <a:rPr kumimoji="1" lang="en-US" altLang="zh-CN" sz="1400" dirty="0">
-                <a:latin typeface="Microsoft YaHei" charset="0"/>
-                <a:ea typeface="Microsoft YaHei" charset="0"/>
-                <a:cs typeface="Microsoft YaHei" charset="0"/>
-              </a:rPr>
-              <a:t>【 Conf 】</a:t>
-            </a:r>
-            <a:endParaRPr kumimoji="1" lang="zh-CN" altLang="en-US" sz="1400" dirty="0">
-              <a:latin typeface="Microsoft YaHei" charset="0"/>
-              <a:ea typeface="Microsoft YaHei" charset="0"/>
-              <a:cs typeface="Microsoft YaHei" charset="0"/>
-            </a:endParaRPr>
-          </a:p>
-        </p:txBody>
-      </p:sp>
-      <p:sp>
-        <p:nvSpPr>
-          <p:cNvPr id="73" name="可选流程 72"/>
-          <p:cNvSpPr/>
-          <p:nvPr/>
-        </p:nvSpPr>
-        <p:spPr>
-          <a:xfrm>
-            <a:off x="6781256" y="2863584"/>
+            <a:off x="5537506" y="2264161"/>
             <a:ext cx="1295671" cy="611595"/>
           </a:xfrm>
           <a:prstGeom prst="flowChartAlternateProcess">
@@ -6791,508 +8592,24 @@
             <a:pPr algn="ctr"/>
             <a:r>
               <a:rPr kumimoji="1" lang="zh-CN" altLang="en-US" sz="1400" dirty="0" smtClean="0">
-                <a:latin typeface="Microsoft YaHei" charset="0"/>
-                <a:ea typeface="Microsoft YaHei" charset="0"/>
-                <a:cs typeface="Microsoft YaHei" charset="0"/>
-              </a:rPr>
-              <a:t>监控</a:t>
-            </a:r>
-            <a:r>
-              <a:rPr kumimoji="1" lang="en-US" altLang="zh-CN" sz="1400" dirty="0" smtClean="0">
-                <a:latin typeface="Microsoft YaHei" charset="0"/>
-                <a:ea typeface="Microsoft YaHei" charset="0"/>
-                <a:cs typeface="Microsoft YaHei" charset="0"/>
-              </a:rPr>
-              <a:t>/</a:t>
-            </a:r>
-            <a:r>
-              <a:rPr kumimoji="1" lang="zh-CN" altLang="en-US" sz="1400" dirty="0" smtClean="0">
-                <a:latin typeface="Microsoft YaHei" charset="0"/>
-                <a:ea typeface="Microsoft YaHei" charset="0"/>
-                <a:cs typeface="Microsoft YaHei" charset="0"/>
-              </a:rPr>
-              <a:t>告警</a:t>
-            </a:r>
-          </a:p>
-          <a:p>
-            <a:pPr algn="ctr"/>
-            <a:r>
-              <a:rPr kumimoji="1" lang="en-US" altLang="zh-CN" sz="1400" dirty="0" smtClean="0">
-                <a:latin typeface="Microsoft YaHei" charset="0"/>
-                <a:ea typeface="Microsoft YaHei" charset="0"/>
-                <a:cs typeface="Microsoft YaHei" charset="0"/>
-              </a:rPr>
-              <a:t>CAT</a:t>
-            </a:r>
-            <a:endParaRPr kumimoji="1" lang="zh-CN" altLang="en-US" sz="1400" dirty="0">
-              <a:latin typeface="Microsoft YaHei" charset="0"/>
-              <a:ea typeface="Microsoft YaHei" charset="0"/>
-              <a:cs typeface="Microsoft YaHei" charset="0"/>
-            </a:endParaRPr>
-          </a:p>
-        </p:txBody>
-      </p:sp>
-      <p:sp>
-        <p:nvSpPr>
-          <p:cNvPr id="77" name="可选流程 76"/>
-          <p:cNvSpPr/>
-          <p:nvPr/>
-        </p:nvSpPr>
-        <p:spPr>
-          <a:xfrm>
-            <a:off x="4747686" y="1427918"/>
-            <a:ext cx="1302116" cy="611595"/>
-          </a:xfrm>
-          <a:prstGeom prst="flowChartAlternateProcess">
-            <a:avLst/>
-          </a:prstGeom>
-          <a:solidFill>
-            <a:srgbClr val="4BACC6"/>
-          </a:solidFill>
-        </p:spPr>
-        <p:style>
-          <a:lnRef idx="0">
-            <a:schemeClr val="accent1"/>
-          </a:lnRef>
-          <a:fillRef idx="3">
-            <a:schemeClr val="accent1"/>
-          </a:fillRef>
-          <a:effectRef idx="3">
-            <a:schemeClr val="accent1"/>
-          </a:effectRef>
-          <a:fontRef idx="minor">
-            <a:schemeClr val="lt1"/>
-          </a:fontRef>
-        </p:style>
-        <p:txBody>
-          <a:bodyPr anchor="ctr"/>
-          <a:lstStyle/>
-          <a:p>
-            <a:pPr algn="ctr"/>
-            <a:r>
-              <a:rPr kumimoji="1" lang="zh-CN" altLang="en-US" sz="1400" dirty="0" smtClean="0">
-                <a:latin typeface="Microsoft YaHei" charset="0"/>
-                <a:ea typeface="Microsoft YaHei" charset="0"/>
-                <a:cs typeface="Microsoft YaHei" charset="0"/>
-              </a:rPr>
-              <a:t>单点登录</a:t>
-            </a:r>
-          </a:p>
-          <a:p>
-            <a:pPr algn="ctr"/>
-            <a:r>
-              <a:rPr kumimoji="1" lang="en-US" altLang="zh-CN" sz="1400" dirty="0">
-                <a:latin typeface="Microsoft YaHei" charset="0"/>
-                <a:ea typeface="Microsoft YaHei" charset="0"/>
-                <a:cs typeface="Microsoft YaHei" charset="0"/>
-              </a:rPr>
-              <a:t>【 SSO 】</a:t>
-            </a:r>
-            <a:endParaRPr kumimoji="1" lang="zh-CN" altLang="en-US" sz="1400" dirty="0">
-              <a:latin typeface="Microsoft YaHei" charset="0"/>
-              <a:ea typeface="Microsoft YaHei" charset="0"/>
-              <a:cs typeface="Microsoft YaHei" charset="0"/>
-            </a:endParaRPr>
-          </a:p>
-        </p:txBody>
-      </p:sp>
-      <p:sp>
-        <p:nvSpPr>
-          <p:cNvPr id="78" name="可选流程 77"/>
-          <p:cNvSpPr/>
-          <p:nvPr/>
-        </p:nvSpPr>
-        <p:spPr>
-          <a:xfrm>
-            <a:off x="4259145" y="5075293"/>
-            <a:ext cx="1612407" cy="611595"/>
-          </a:xfrm>
-          <a:prstGeom prst="flowChartAlternateProcess">
-            <a:avLst/>
-          </a:prstGeom>
-          <a:solidFill>
-            <a:srgbClr val="4BACC6"/>
-          </a:solidFill>
-        </p:spPr>
-        <p:style>
-          <a:lnRef idx="0">
-            <a:schemeClr val="accent1"/>
-          </a:lnRef>
-          <a:fillRef idx="3">
-            <a:schemeClr val="accent1"/>
-          </a:fillRef>
-          <a:effectRef idx="3">
-            <a:schemeClr val="accent1"/>
-          </a:effectRef>
-          <a:fontRef idx="minor">
-            <a:schemeClr val="lt1"/>
-          </a:fontRef>
-        </p:style>
-        <p:txBody>
-          <a:bodyPr anchor="ctr"/>
-          <a:lstStyle/>
-          <a:p>
-            <a:pPr algn="ctr"/>
-            <a:r>
-              <a:rPr kumimoji="1" lang="zh-CN" altLang="en-US" sz="1400" dirty="0" smtClean="0">
-                <a:latin typeface="Microsoft YaHei" charset="0"/>
-                <a:ea typeface="Microsoft YaHei" charset="0"/>
-                <a:cs typeface="Microsoft YaHei" charset="0"/>
-              </a:rPr>
-              <a:t>文件系统</a:t>
-            </a:r>
-            <a:r>
-              <a:rPr kumimoji="1" lang="en-US" altLang="zh-CN" sz="1400" dirty="0" smtClean="0">
-                <a:latin typeface="Microsoft YaHei" charset="0"/>
-                <a:ea typeface="Microsoft YaHei" charset="0"/>
-                <a:cs typeface="Microsoft YaHei" charset="0"/>
-              </a:rPr>
-              <a:t>/CDN</a:t>
-            </a:r>
-            <a:endParaRPr kumimoji="1" lang="zh-CN" altLang="en-US" sz="1400" dirty="0">
-              <a:latin typeface="Microsoft YaHei" charset="0"/>
-              <a:ea typeface="Microsoft YaHei" charset="0"/>
-              <a:cs typeface="Microsoft YaHei" charset="0"/>
-            </a:endParaRPr>
-          </a:p>
-        </p:txBody>
-      </p:sp>
-      <p:sp>
-        <p:nvSpPr>
-          <p:cNvPr id="21" name="矩形 20"/>
-          <p:cNvSpPr/>
-          <p:nvPr/>
-        </p:nvSpPr>
-        <p:spPr>
-          <a:xfrm>
-            <a:off x="730998" y="1302046"/>
-            <a:ext cx="3583828" cy="1078615"/>
-          </a:xfrm>
-          <a:prstGeom prst="rect">
-            <a:avLst/>
-          </a:prstGeom>
-          <a:noFill/>
-          <a:ln w="12700" cap="flat" cmpd="sng" algn="ctr">
-            <a:solidFill>
-              <a:srgbClr val="5B9BD5">
-                <a:shade val="50000"/>
-              </a:srgbClr>
-            </a:solidFill>
-            <a:prstDash val="dash"/>
-            <a:miter lim="800000"/>
-          </a:ln>
-          <a:effectLst/>
-        </p:spPr>
-        <p:txBody>
-          <a:bodyPr anchor="b"/>
-          <a:lstStyle/>
-          <a:p>
-            <a:pPr algn="ctr" defTabSz="1219170" eaLnBrk="0" fontAlgn="base" hangingPunct="0">
-              <a:spcBef>
-                <a:spcPct val="0"/>
-              </a:spcBef>
-              <a:spcAft>
-                <a:spcPct val="0"/>
-              </a:spcAft>
-              <a:defRPr/>
-            </a:pPr>
-            <a:r>
-              <a:rPr kumimoji="1" lang="zh-CN" altLang="en-US" sz="1400" kern="0" dirty="0">
-                <a:latin typeface="Microsoft YaHei" charset="0"/>
-                <a:ea typeface="Microsoft YaHei" charset="0"/>
-                <a:cs typeface="Microsoft YaHei" charset="0"/>
-              </a:rPr>
-              <a:t>垂直业务领域</a:t>
-            </a:r>
-          </a:p>
-        </p:txBody>
-      </p:sp>
-      <p:sp>
-        <p:nvSpPr>
-          <p:cNvPr id="23" name="可选流程 22"/>
-          <p:cNvSpPr/>
-          <p:nvPr/>
-        </p:nvSpPr>
-        <p:spPr>
-          <a:xfrm>
-            <a:off x="867184" y="3692547"/>
-            <a:ext cx="2707987" cy="611595"/>
-          </a:xfrm>
-          <a:prstGeom prst="flowChartAlternateProcess">
-            <a:avLst/>
-          </a:prstGeom>
-          <a:solidFill>
-            <a:srgbClr val="4BACC6"/>
-          </a:solidFill>
-        </p:spPr>
-        <p:style>
-          <a:lnRef idx="0">
-            <a:schemeClr val="accent1"/>
-          </a:lnRef>
-          <a:fillRef idx="3">
-            <a:schemeClr val="accent1"/>
-          </a:fillRef>
-          <a:effectRef idx="3">
-            <a:schemeClr val="accent1"/>
-          </a:effectRef>
-          <a:fontRef idx="minor">
-            <a:schemeClr val="lt1"/>
-          </a:fontRef>
-        </p:style>
-        <p:txBody>
-          <a:bodyPr anchor="ctr"/>
-          <a:lstStyle/>
-          <a:p>
-            <a:pPr algn="ctr"/>
-            <a:r>
-              <a:rPr kumimoji="1" lang="zh-CN" altLang="en-US" sz="1400" dirty="0" smtClean="0">
-                <a:latin typeface="Microsoft YaHei" charset="0"/>
-                <a:ea typeface="Microsoft YaHei" charset="0"/>
-                <a:cs typeface="Microsoft YaHei" charset="0"/>
-              </a:rPr>
-              <a:t>数据访问层</a:t>
-            </a:r>
-          </a:p>
-          <a:p>
-            <a:pPr algn="ctr"/>
-            <a:r>
-              <a:rPr kumimoji="1" lang="en-US" altLang="zh-CN" sz="1400" dirty="0">
-                <a:latin typeface="Microsoft YaHei" charset="0"/>
-                <a:ea typeface="Microsoft YaHei" charset="0"/>
-                <a:cs typeface="Microsoft YaHei" charset="0"/>
-              </a:rPr>
-              <a:t>DAL</a:t>
-            </a:r>
-            <a:endParaRPr kumimoji="1" lang="zh-CN" altLang="en-US" sz="1400" dirty="0">
-              <a:latin typeface="Microsoft YaHei" charset="0"/>
-              <a:ea typeface="Microsoft YaHei" charset="0"/>
-              <a:cs typeface="Microsoft YaHei" charset="0"/>
-            </a:endParaRPr>
-          </a:p>
-        </p:txBody>
-      </p:sp>
-      <p:sp>
-        <p:nvSpPr>
-          <p:cNvPr id="25" name="可选流程 24"/>
-          <p:cNvSpPr/>
-          <p:nvPr/>
-        </p:nvSpPr>
-        <p:spPr>
-          <a:xfrm>
-            <a:off x="6413104" y="5075293"/>
-            <a:ext cx="1663821" cy="611595"/>
-          </a:xfrm>
-          <a:prstGeom prst="flowChartAlternateProcess">
-            <a:avLst/>
-          </a:prstGeom>
-          <a:solidFill>
-            <a:srgbClr val="4BACC6"/>
-          </a:solidFill>
-        </p:spPr>
-        <p:style>
-          <a:lnRef idx="0">
-            <a:schemeClr val="accent1"/>
-          </a:lnRef>
-          <a:fillRef idx="3">
-            <a:schemeClr val="accent1"/>
-          </a:fillRef>
-          <a:effectRef idx="3">
-            <a:schemeClr val="accent1"/>
-          </a:effectRef>
-          <a:fontRef idx="minor">
-            <a:schemeClr val="lt1"/>
-          </a:fontRef>
-        </p:style>
-        <p:txBody>
-          <a:bodyPr anchor="ctr"/>
-          <a:lstStyle/>
-          <a:p>
-            <a:pPr algn="ctr"/>
-            <a:r>
-              <a:rPr kumimoji="1" lang="zh-CN" altLang="en-US" sz="1400" dirty="0" smtClean="0">
-                <a:latin typeface="Microsoft YaHei" charset="0"/>
-                <a:ea typeface="Microsoft YaHei" charset="0"/>
-                <a:cs typeface="Microsoft YaHei" charset="0"/>
-              </a:rPr>
-              <a:t>命名服务</a:t>
-            </a:r>
-          </a:p>
-          <a:p>
-            <a:pPr algn="ctr"/>
-            <a:r>
-              <a:rPr kumimoji="1" lang="en-US" altLang="zh-CN" sz="1400" dirty="0" smtClean="0">
-                <a:latin typeface="Microsoft YaHei" charset="0"/>
-                <a:ea typeface="Microsoft YaHei" charset="0"/>
-                <a:cs typeface="Microsoft YaHei" charset="0"/>
-              </a:rPr>
-              <a:t>ZK</a:t>
-            </a:r>
-            <a:endParaRPr kumimoji="1" lang="zh-CN" altLang="en-US" sz="1400" dirty="0" smtClean="0">
-              <a:latin typeface="Microsoft YaHei" charset="0"/>
-              <a:ea typeface="Microsoft YaHei" charset="0"/>
-              <a:cs typeface="Microsoft YaHei" charset="0"/>
-            </a:endParaRPr>
-          </a:p>
-        </p:txBody>
-      </p:sp>
-      <p:sp>
-        <p:nvSpPr>
-          <p:cNvPr id="27" name="矩形 26"/>
-          <p:cNvSpPr/>
-          <p:nvPr/>
-        </p:nvSpPr>
-        <p:spPr>
-          <a:xfrm>
-            <a:off x="730999" y="4913314"/>
-            <a:ext cx="3046543" cy="935563"/>
-          </a:xfrm>
-          <a:prstGeom prst="rect">
-            <a:avLst/>
-          </a:prstGeom>
-          <a:noFill/>
-          <a:ln w="12700" cap="flat" cmpd="sng" algn="ctr">
-            <a:solidFill>
-              <a:srgbClr val="5B9BD5">
-                <a:shade val="50000"/>
-              </a:srgbClr>
-            </a:solidFill>
-            <a:prstDash val="dash"/>
-            <a:miter lim="800000"/>
-          </a:ln>
-          <a:effectLst/>
-        </p:spPr>
-        <p:txBody>
-          <a:bodyPr anchor="b"/>
-          <a:lstStyle/>
-          <a:p>
-            <a:pPr algn="ctr" defTabSz="1219170" eaLnBrk="0" fontAlgn="base" hangingPunct="0">
-              <a:spcBef>
-                <a:spcPct val="0"/>
-              </a:spcBef>
-              <a:spcAft>
-                <a:spcPct val="0"/>
-              </a:spcAft>
-              <a:defRPr/>
-            </a:pPr>
-            <a:endParaRPr kumimoji="1" lang="zh-CN" altLang="en-US" sz="1400" kern="0" dirty="0">
-              <a:latin typeface="Microsoft YaHei" charset="0"/>
-              <a:ea typeface="Microsoft YaHei" charset="0"/>
-              <a:cs typeface="Microsoft YaHei" charset="0"/>
-            </a:endParaRPr>
-          </a:p>
-        </p:txBody>
-      </p:sp>
-      <p:sp>
-        <p:nvSpPr>
-          <p:cNvPr id="29" name="矩形 28"/>
-          <p:cNvSpPr/>
-          <p:nvPr/>
-        </p:nvSpPr>
-        <p:spPr>
-          <a:xfrm>
-            <a:off x="4465152" y="1302046"/>
-            <a:ext cx="3734154" cy="1078615"/>
-          </a:xfrm>
-          <a:prstGeom prst="rect">
-            <a:avLst/>
-          </a:prstGeom>
-          <a:noFill/>
-          <a:ln w="12700" cap="flat" cmpd="sng" algn="ctr">
-            <a:solidFill>
-              <a:srgbClr val="5B9BD5">
-                <a:shade val="50000"/>
-              </a:srgbClr>
-            </a:solidFill>
-            <a:prstDash val="dash"/>
-            <a:miter lim="800000"/>
-          </a:ln>
-          <a:effectLst/>
-        </p:spPr>
-        <p:txBody>
-          <a:bodyPr anchor="b"/>
-          <a:lstStyle/>
-          <a:p>
-            <a:pPr algn="ctr" defTabSz="1219170" eaLnBrk="0" fontAlgn="base" hangingPunct="0">
-              <a:spcBef>
-                <a:spcPct val="0"/>
-              </a:spcBef>
-              <a:spcAft>
-                <a:spcPct val="0"/>
-              </a:spcAft>
-              <a:defRPr/>
-            </a:pPr>
-            <a:r>
-              <a:rPr kumimoji="1" lang="zh-CN" altLang="en-US" sz="1400" kern="0" dirty="0" smtClean="0">
-                <a:latin typeface="Microsoft YaHei" charset="0"/>
-                <a:ea typeface="Microsoft YaHei" charset="0"/>
-                <a:cs typeface="Microsoft YaHei" charset="0"/>
-              </a:rPr>
-              <a:t>基础服务</a:t>
-            </a:r>
-            <a:endParaRPr kumimoji="1" lang="zh-CN" altLang="en-US" sz="1400" kern="0" dirty="0">
-              <a:latin typeface="Microsoft YaHei" charset="0"/>
-              <a:ea typeface="Microsoft YaHei" charset="0"/>
-              <a:cs typeface="Microsoft YaHei" charset="0"/>
-            </a:endParaRPr>
-          </a:p>
-        </p:txBody>
-      </p:sp>
-      <p:sp>
-        <p:nvSpPr>
-          <p:cNvPr id="31" name="可选流程 30"/>
-          <p:cNvSpPr/>
-          <p:nvPr/>
-        </p:nvSpPr>
-        <p:spPr>
-          <a:xfrm>
-            <a:off x="992837" y="1504086"/>
-            <a:ext cx="1338342" cy="429247"/>
-          </a:xfrm>
-          <a:prstGeom prst="flowChartAlternateProcess">
-            <a:avLst/>
-          </a:prstGeom>
-          <a:solidFill>
-            <a:srgbClr val="D8D8D8"/>
-          </a:solidFill>
-          <a:ln>
-            <a:noFill/>
-          </a:ln>
-          <a:effectLst>
-            <a:outerShdw blurRad="57150" dist="19050" dir="5400000" algn="ctr" rotWithShape="0">
-              <a:srgbClr val="000000">
-                <a:alpha val="63000"/>
-              </a:srgbClr>
-            </a:outerShdw>
-          </a:effectLst>
-        </p:spPr>
-        <p:txBody>
-          <a:bodyPr anchor="ctr"/>
-          <a:lstStyle/>
-          <a:p>
-            <a:pPr algn="ctr" defTabSz="1219170" eaLnBrk="0" fontAlgn="base" hangingPunct="0">
-              <a:spcBef>
-                <a:spcPct val="0"/>
-              </a:spcBef>
-              <a:spcAft>
-                <a:spcPct val="0"/>
-              </a:spcAft>
-              <a:defRPr/>
-            </a:pPr>
-            <a:r>
-              <a:rPr kumimoji="1" lang="en-US" altLang="zh-CN" sz="1867" kern="0" dirty="0" smtClean="0">
-                <a:solidFill>
-                  <a:prstClr val="black"/>
-                </a:solidFill>
                 <a:latin typeface="Heiti SC Light" charset="-122"/>
                 <a:ea typeface="Heiti SC Light" charset="-122"/>
                 <a:cs typeface="Heiti SC Light" charset="-122"/>
               </a:rPr>
-              <a:t>……</a:t>
-            </a:r>
-            <a:endParaRPr kumimoji="1" lang="zh-CN" altLang="en-US" sz="1867" kern="0" dirty="0">
-              <a:solidFill>
-                <a:prstClr val="black"/>
-              </a:solidFill>
+              <a:t>预发</a:t>
+            </a:r>
+          </a:p>
+          <a:p>
+            <a:pPr algn="ctr"/>
+            <a:r>
+              <a:rPr kumimoji="1" lang="en-US" altLang="zh-CN" sz="1400" dirty="0" smtClean="0">
+                <a:latin typeface="Heiti SC Light" charset="-122"/>
+                <a:ea typeface="Heiti SC Light" charset="-122"/>
+                <a:cs typeface="Heiti SC Light" charset="-122"/>
+              </a:rPr>
+              <a:t>ppe</a:t>
+            </a:r>
+            <a:endParaRPr kumimoji="1" lang="zh-CN" altLang="en-US" sz="1400" dirty="0">
               <a:latin typeface="Heiti SC Light" charset="-122"/>
               <a:ea typeface="Heiti SC Light" charset="-122"/>
               <a:cs typeface="Heiti SC Light" charset="-122"/>
@@ -7302,184 +8619,13 @@
       </p:sp>
       <p:sp>
         <p:nvSpPr>
-          <p:cNvPr id="32" name="可选流程 31"/>
+          <p:cNvPr id="12" name="可选流程 11"/>
           <p:cNvSpPr/>
           <p:nvPr/>
         </p:nvSpPr>
         <p:spPr>
           <a:xfrm>
-            <a:off x="6601910" y="1427918"/>
-            <a:ext cx="1302116" cy="611595"/>
-          </a:xfrm>
-          <a:prstGeom prst="flowChartAlternateProcess">
-            <a:avLst/>
-          </a:prstGeom>
-          <a:solidFill>
-            <a:srgbClr val="4BACC6"/>
-          </a:solidFill>
-        </p:spPr>
-        <p:style>
-          <a:lnRef idx="0">
-            <a:schemeClr val="accent1"/>
-          </a:lnRef>
-          <a:fillRef idx="3">
-            <a:schemeClr val="accent1"/>
-          </a:fillRef>
-          <a:effectRef idx="3">
-            <a:schemeClr val="accent1"/>
-          </a:effectRef>
-          <a:fontRef idx="minor">
-            <a:schemeClr val="lt1"/>
-          </a:fontRef>
-        </p:style>
-        <p:txBody>
-          <a:bodyPr anchor="ctr"/>
-          <a:lstStyle/>
-          <a:p>
-            <a:pPr algn="ctr"/>
-            <a:r>
-              <a:rPr kumimoji="1" lang="en-US" altLang="zh-CN" sz="1400" dirty="0">
-                <a:latin typeface="Microsoft YaHei" charset="0"/>
-                <a:ea typeface="Microsoft YaHei" charset="0"/>
-                <a:cs typeface="Microsoft YaHei" charset="0"/>
-              </a:rPr>
-              <a:t>……</a:t>
-            </a:r>
-            <a:endParaRPr kumimoji="1" lang="zh-CN" altLang="en-US" sz="1400" dirty="0">
-              <a:latin typeface="Microsoft YaHei" charset="0"/>
-              <a:ea typeface="Microsoft YaHei" charset="0"/>
-              <a:cs typeface="Microsoft YaHei" charset="0"/>
-            </a:endParaRPr>
-          </a:p>
-        </p:txBody>
-      </p:sp>
-      <p:sp>
-        <p:nvSpPr>
-          <p:cNvPr id="33" name="矩形 32"/>
-          <p:cNvSpPr/>
-          <p:nvPr/>
-        </p:nvSpPr>
-        <p:spPr>
-          <a:xfrm>
-            <a:off x="730998" y="2662635"/>
-            <a:ext cx="5826965" cy="1982771"/>
-          </a:xfrm>
-          <a:prstGeom prst="rect">
-            <a:avLst/>
-          </a:prstGeom>
-          <a:noFill/>
-          <a:ln w="12700" cap="flat" cmpd="sng" algn="ctr">
-            <a:solidFill>
-              <a:srgbClr val="5B9BD5">
-                <a:shade val="50000"/>
-              </a:srgbClr>
-            </a:solidFill>
-            <a:prstDash val="dash"/>
-            <a:miter lim="800000"/>
-          </a:ln>
-          <a:effectLst/>
-        </p:spPr>
-        <p:txBody>
-          <a:bodyPr anchor="b"/>
-          <a:lstStyle/>
-          <a:p>
-            <a:pPr algn="ctr" defTabSz="1219170" eaLnBrk="0" fontAlgn="base" hangingPunct="0">
-              <a:spcBef>
-                <a:spcPct val="0"/>
-              </a:spcBef>
-              <a:spcAft>
-                <a:spcPct val="0"/>
-              </a:spcAft>
-              <a:defRPr/>
-            </a:pPr>
-            <a:r>
-              <a:rPr kumimoji="1" lang="zh-CN" altLang="en-US" sz="1400" kern="0" dirty="0" smtClean="0">
-                <a:latin typeface="Microsoft YaHei" charset="0"/>
-                <a:ea typeface="Microsoft YaHei" charset="0"/>
-                <a:cs typeface="Microsoft YaHei" charset="0"/>
-              </a:rPr>
-              <a:t>核心中间件</a:t>
-            </a:r>
-            <a:endParaRPr kumimoji="1" lang="zh-CN" altLang="en-US" sz="1400" kern="0" dirty="0">
-              <a:latin typeface="Microsoft YaHei" charset="0"/>
-              <a:ea typeface="Microsoft YaHei" charset="0"/>
-              <a:cs typeface="Microsoft YaHei" charset="0"/>
-            </a:endParaRPr>
-          </a:p>
-        </p:txBody>
-      </p:sp>
-      <p:sp>
-        <p:nvSpPr>
-          <p:cNvPr id="34" name="可选流程 33"/>
-          <p:cNvSpPr/>
-          <p:nvPr/>
-        </p:nvSpPr>
-        <p:spPr>
-          <a:xfrm>
-            <a:off x="2653831" y="1519091"/>
-            <a:ext cx="1338342" cy="429247"/>
-          </a:xfrm>
-          <a:prstGeom prst="flowChartAlternateProcess">
-            <a:avLst/>
-          </a:prstGeom>
-          <a:solidFill>
-            <a:srgbClr val="D8D8D8"/>
-          </a:solidFill>
-          <a:ln>
-            <a:noFill/>
-          </a:ln>
-          <a:effectLst>
-            <a:outerShdw blurRad="57150" dist="19050" dir="5400000" algn="ctr" rotWithShape="0">
-              <a:srgbClr val="000000">
-                <a:alpha val="63000"/>
-              </a:srgbClr>
-            </a:outerShdw>
-          </a:effectLst>
-        </p:spPr>
-        <p:txBody>
-          <a:bodyPr anchor="ctr"/>
-          <a:lstStyle/>
-          <a:p>
-            <a:pPr algn="ctr" defTabSz="1219170" eaLnBrk="0" fontAlgn="base" hangingPunct="0">
-              <a:spcBef>
-                <a:spcPct val="0"/>
-              </a:spcBef>
-              <a:spcAft>
-                <a:spcPct val="0"/>
-              </a:spcAft>
-              <a:defRPr/>
-            </a:pPr>
-            <a:r>
-              <a:rPr kumimoji="1" lang="en-US" altLang="zh-CN" sz="1867" kern="0" dirty="0" smtClean="0">
-                <a:solidFill>
-                  <a:prstClr val="black"/>
-                </a:solidFill>
-                <a:latin typeface="Heiti SC Light" charset="-122"/>
-                <a:ea typeface="Heiti SC Light" charset="-122"/>
-                <a:cs typeface="Heiti SC Light" charset="-122"/>
-              </a:rPr>
-              <a:t>……</a:t>
-            </a:r>
-            <a:endParaRPr kumimoji="1" lang="zh-CN" altLang="en-US" sz="1867" kern="0" dirty="0">
-              <a:solidFill>
-                <a:prstClr val="black"/>
-              </a:solidFill>
-              <a:latin typeface="Heiti SC Light" charset="-122"/>
-              <a:ea typeface="Heiti SC Light" charset="-122"/>
-              <a:cs typeface="Heiti SC Light" charset="-122"/>
-            </a:endParaRPr>
-          </a:p>
-        </p:txBody>
-      </p:sp>
-      <p:sp>
-        <p:nvSpPr>
-          <p:cNvPr id="35" name="可选流程 34"/>
-          <p:cNvSpPr/>
-          <p:nvPr/>
-        </p:nvSpPr>
-        <p:spPr>
-          <a:xfrm>
-            <a:off x="6781255" y="3690123"/>
+            <a:off x="9169129" y="2267078"/>
             <a:ext cx="1295671" cy="611595"/>
           </a:xfrm>
           <a:prstGeom prst="flowChartAlternateProcess">
@@ -7510,906 +8656,40 @@
             <a:pPr algn="ctr"/>
             <a:r>
               <a:rPr kumimoji="1" lang="zh-CN" altLang="en-US" sz="1400" dirty="0" smtClean="0">
-                <a:latin typeface="Microsoft YaHei" charset="0"/>
-                <a:ea typeface="Microsoft YaHei" charset="0"/>
-                <a:cs typeface="Microsoft YaHei" charset="0"/>
-              </a:rPr>
-              <a:t>日志分析</a:t>
+                <a:latin typeface="Heiti SC Light" charset="-122"/>
+                <a:ea typeface="Heiti SC Light" charset="-122"/>
+                <a:cs typeface="Heiti SC Light" charset="-122"/>
+              </a:rPr>
+              <a:t>生产</a:t>
             </a:r>
           </a:p>
           <a:p>
             <a:pPr algn="ctr"/>
             <a:r>
               <a:rPr kumimoji="1" lang="en-US" altLang="zh-CN" sz="1400" dirty="0" smtClean="0">
-                <a:latin typeface="Microsoft YaHei" charset="0"/>
-                <a:ea typeface="Microsoft YaHei" charset="0"/>
-                <a:cs typeface="Microsoft YaHei" charset="0"/>
-              </a:rPr>
-              <a:t>ELK</a:t>
+                <a:latin typeface="Heiti SC Light" charset="-122"/>
+                <a:ea typeface="Heiti SC Light" charset="-122"/>
+                <a:cs typeface="Heiti SC Light" charset="-122"/>
+              </a:rPr>
+              <a:t>product</a:t>
             </a:r>
             <a:endParaRPr kumimoji="1" lang="zh-CN" altLang="en-US" sz="1400" dirty="0">
-              <a:latin typeface="Microsoft YaHei" charset="0"/>
-              <a:ea typeface="Microsoft YaHei" charset="0"/>
-              <a:cs typeface="Microsoft YaHei" charset="0"/>
+              <a:latin typeface="Heiti SC Light" charset="-122"/>
+              <a:ea typeface="Heiti SC Light" charset="-122"/>
+              <a:cs typeface="Heiti SC Light" charset="-122"/>
             </a:endParaRPr>
           </a:p>
         </p:txBody>
       </p:sp>
       <p:sp>
         <p:nvSpPr>
-          <p:cNvPr id="3" name="矩形 2"/>
+          <p:cNvPr id="13" name="可选流程 12"/>
           <p:cNvSpPr/>
           <p:nvPr/>
         </p:nvSpPr>
         <p:spPr>
           <a:xfrm>
-            <a:off x="8622826" y="1302046"/>
-            <a:ext cx="6096000" cy="3108543"/>
-          </a:xfrm>
-          <a:prstGeom prst="rect">
-            <a:avLst/>
-          </a:prstGeom>
-        </p:spPr>
-        <p:txBody>
-          <a:bodyPr>
-            <a:spAutoFit/>
-          </a:bodyPr>
-          <a:lstStyle/>
-          <a:p>
-            <a:r>
-              <a:rPr lang="en-US" altLang="zh-CN" sz="1400" dirty="0">
-                <a:latin typeface="Microsoft YaHei" charset="0"/>
-                <a:ea typeface="Microsoft YaHei" charset="0"/>
-                <a:cs typeface="Microsoft YaHei" charset="0"/>
-              </a:rPr>
-              <a:t>1</a:t>
-            </a:r>
-            <a:r>
-              <a:rPr lang="zh-CN" altLang="en-US" sz="1400" dirty="0">
-                <a:latin typeface="Microsoft YaHei" charset="0"/>
-                <a:ea typeface="Microsoft YaHei" charset="0"/>
-                <a:cs typeface="Microsoft YaHei" charset="0"/>
-              </a:rPr>
-              <a:t>、负载</a:t>
-            </a:r>
-            <a:r>
-              <a:rPr lang="zh-CN" altLang="en-US" sz="1400" dirty="0" smtClean="0">
-                <a:latin typeface="Microsoft YaHei" charset="0"/>
-                <a:ea typeface="Microsoft YaHei" charset="0"/>
-                <a:cs typeface="Microsoft YaHei" charset="0"/>
-              </a:rPr>
-              <a:t>（网关</a:t>
-            </a:r>
-            <a:r>
-              <a:rPr lang="zh-CN" altLang="en-US" sz="1400" dirty="0">
-                <a:latin typeface="Microsoft YaHei" charset="0"/>
-                <a:ea typeface="Microsoft YaHei" charset="0"/>
-                <a:cs typeface="Microsoft YaHei" charset="0"/>
-              </a:rPr>
-              <a:t>）：</a:t>
-            </a:r>
-            <a:r>
-              <a:rPr lang="en-US" altLang="zh-CN" sz="1400" dirty="0">
-                <a:latin typeface="Microsoft YaHei" charset="0"/>
-                <a:ea typeface="Microsoft YaHei" charset="0"/>
-                <a:cs typeface="Microsoft YaHei" charset="0"/>
-              </a:rPr>
-              <a:t>nginx</a:t>
-            </a:r>
-            <a:r>
-              <a:rPr lang="zh-CN" altLang="en-US" sz="1400" dirty="0">
-                <a:latin typeface="Microsoft YaHei" charset="0"/>
-                <a:ea typeface="Microsoft YaHei" charset="0"/>
-                <a:cs typeface="Microsoft YaHei" charset="0"/>
-              </a:rPr>
-              <a:t> </a:t>
-            </a:r>
-            <a:endParaRPr lang="zh-CN" altLang="en-US" sz="1400" dirty="0" smtClean="0">
-              <a:latin typeface="Microsoft YaHei" charset="0"/>
-              <a:ea typeface="Microsoft YaHei" charset="0"/>
-              <a:cs typeface="Microsoft YaHei" charset="0"/>
-            </a:endParaRPr>
-          </a:p>
-          <a:p>
-            <a:r>
-              <a:rPr lang="en-US" altLang="zh-CN" sz="1400" dirty="0" smtClean="0">
-                <a:latin typeface="Microsoft YaHei" charset="0"/>
-                <a:ea typeface="Microsoft YaHei" charset="0"/>
-                <a:cs typeface="Microsoft YaHei" charset="0"/>
-              </a:rPr>
-              <a:t>2</a:t>
-            </a:r>
-            <a:r>
-              <a:rPr lang="zh-CN" altLang="en-US" sz="1400" dirty="0">
-                <a:latin typeface="Microsoft YaHei" charset="0"/>
-                <a:ea typeface="Microsoft YaHei" charset="0"/>
-                <a:cs typeface="Microsoft YaHei" charset="0"/>
-              </a:rPr>
-              <a:t>、缓存：</a:t>
-            </a:r>
-            <a:r>
-              <a:rPr lang="en-US" altLang="zh-CN" sz="1400" dirty="0">
-                <a:latin typeface="Microsoft YaHei" charset="0"/>
-                <a:ea typeface="Microsoft YaHei" charset="0"/>
-                <a:cs typeface="Microsoft YaHei" charset="0"/>
-              </a:rPr>
-              <a:t>redis</a:t>
-            </a:r>
-            <a:r>
-              <a:rPr lang="zh-CN" altLang="en-US" sz="1400" dirty="0">
-                <a:latin typeface="Microsoft YaHei" charset="0"/>
-                <a:ea typeface="Microsoft YaHei" charset="0"/>
-                <a:cs typeface="Microsoft YaHei" charset="0"/>
-              </a:rPr>
-              <a:t> </a:t>
-            </a:r>
-            <a:r>
-              <a:rPr lang="en-US" altLang="zh-CN" sz="1400" dirty="0">
-                <a:latin typeface="Microsoft YaHei" charset="0"/>
-                <a:ea typeface="Microsoft YaHei" charset="0"/>
-                <a:cs typeface="Microsoft YaHei" charset="0"/>
-              </a:rPr>
-              <a:t>cluster</a:t>
-            </a:r>
-            <a:r>
-              <a:rPr lang="zh-CN" altLang="en-US" sz="1400" dirty="0">
-                <a:latin typeface="Microsoft YaHei" charset="0"/>
-                <a:ea typeface="Microsoft YaHei" charset="0"/>
-                <a:cs typeface="Microsoft YaHei" charset="0"/>
-              </a:rPr>
-              <a:t>（</a:t>
-            </a:r>
-            <a:r>
-              <a:rPr lang="en-US" altLang="zh-CN" sz="1400" dirty="0">
-                <a:latin typeface="Microsoft YaHei" charset="0"/>
-                <a:ea typeface="Microsoft YaHei" charset="0"/>
-                <a:cs typeface="Microsoft YaHei" charset="0"/>
-              </a:rPr>
-              <a:t>XXL-CACHE</a:t>
-            </a:r>
-            <a:r>
-              <a:rPr lang="zh-CN" altLang="en-US" sz="1400" dirty="0">
-                <a:latin typeface="Microsoft YaHei" charset="0"/>
-                <a:ea typeface="Microsoft YaHei" charset="0"/>
-                <a:cs typeface="Microsoft YaHei" charset="0"/>
-              </a:rPr>
-              <a:t>）</a:t>
-            </a:r>
-          </a:p>
-          <a:p>
-            <a:r>
-              <a:rPr lang="en-US" altLang="zh-CN" sz="1400" dirty="0">
-                <a:latin typeface="Microsoft YaHei" charset="0"/>
-                <a:ea typeface="Microsoft YaHei" charset="0"/>
-                <a:cs typeface="Microsoft YaHei" charset="0"/>
-              </a:rPr>
-              <a:t>3</a:t>
-            </a:r>
-            <a:r>
-              <a:rPr lang="zh-CN" altLang="en-US" sz="1400" dirty="0">
-                <a:latin typeface="Microsoft YaHei" charset="0"/>
-                <a:ea typeface="Microsoft YaHei" charset="0"/>
-                <a:cs typeface="Microsoft YaHei" charset="0"/>
-              </a:rPr>
-              <a:t>、通讯（治理）：</a:t>
-            </a:r>
-            <a:r>
-              <a:rPr lang="en-US" altLang="zh-CN" sz="1400" dirty="0" smtClean="0">
-                <a:latin typeface="Microsoft YaHei" charset="0"/>
-                <a:ea typeface="Microsoft YaHei" charset="0"/>
-                <a:cs typeface="Microsoft YaHei" charset="0"/>
-              </a:rPr>
-              <a:t>dubbo</a:t>
-            </a:r>
-            <a:r>
-              <a:rPr lang="zh-CN" altLang="en-US" sz="1400" dirty="0" smtClean="0">
-                <a:latin typeface="Microsoft YaHei" charset="0"/>
-                <a:ea typeface="Microsoft YaHei" charset="0"/>
-                <a:cs typeface="Microsoft YaHei" charset="0"/>
-              </a:rPr>
-              <a:t>（</a:t>
-            </a:r>
-            <a:r>
-              <a:rPr lang="en-US" altLang="zh-CN" sz="1400" dirty="0">
-                <a:latin typeface="Microsoft YaHei" charset="0"/>
-                <a:ea typeface="Microsoft YaHei" charset="0"/>
-                <a:cs typeface="Microsoft YaHei" charset="0"/>
-              </a:rPr>
-              <a:t>XXL-RPC</a:t>
-            </a:r>
-            <a:r>
-              <a:rPr lang="zh-CN" altLang="en-US" sz="1400" dirty="0">
-                <a:latin typeface="Microsoft YaHei" charset="0"/>
-                <a:ea typeface="Microsoft YaHei" charset="0"/>
-                <a:cs typeface="Microsoft YaHei" charset="0"/>
-              </a:rPr>
-              <a:t>）</a:t>
-            </a:r>
-          </a:p>
-          <a:p>
-            <a:r>
-              <a:rPr lang="en-US" altLang="zh-CN" sz="1400" dirty="0">
-                <a:latin typeface="Microsoft YaHei" charset="0"/>
-                <a:ea typeface="Microsoft YaHei" charset="0"/>
-                <a:cs typeface="Microsoft YaHei" charset="0"/>
-              </a:rPr>
-              <a:t>4</a:t>
-            </a:r>
-            <a:r>
-              <a:rPr lang="zh-CN" altLang="en-US" sz="1400" dirty="0">
-                <a:latin typeface="Microsoft YaHei" charset="0"/>
-                <a:ea typeface="Microsoft YaHei" charset="0"/>
-                <a:cs typeface="Microsoft YaHei" charset="0"/>
-              </a:rPr>
-              <a:t>、队列</a:t>
-            </a:r>
-            <a:r>
-              <a:rPr lang="zh-CN" altLang="en-US" sz="1400" dirty="0" smtClean="0">
-                <a:latin typeface="Microsoft YaHei" charset="0"/>
-                <a:ea typeface="Microsoft YaHei" charset="0"/>
-                <a:cs typeface="Microsoft YaHei" charset="0"/>
-              </a:rPr>
-              <a:t>：</a:t>
-            </a:r>
-            <a:r>
-              <a:rPr lang="en-US" altLang="zh-CN" sz="1400" dirty="0">
-                <a:latin typeface="Microsoft YaHei" charset="0"/>
-                <a:ea typeface="Microsoft YaHei" charset="0"/>
-                <a:cs typeface="Microsoft YaHei" charset="0"/>
-              </a:rPr>
-              <a:t> rocketmq </a:t>
-            </a:r>
-            <a:r>
-              <a:rPr lang="zh-CN" altLang="en-US" sz="1400" dirty="0" smtClean="0">
-                <a:latin typeface="Microsoft YaHei" charset="0"/>
-                <a:ea typeface="Microsoft YaHei" charset="0"/>
-                <a:cs typeface="Microsoft YaHei" charset="0"/>
-              </a:rPr>
-              <a:t>、</a:t>
-            </a:r>
-            <a:r>
-              <a:rPr lang="en-US" altLang="zh-CN" sz="1400" dirty="0" smtClean="0">
-                <a:latin typeface="Microsoft YaHei" charset="0"/>
-                <a:ea typeface="Microsoft YaHei" charset="0"/>
-                <a:cs typeface="Microsoft YaHei" charset="0"/>
-              </a:rPr>
-              <a:t>kafka</a:t>
-            </a:r>
-            <a:r>
-              <a:rPr lang="zh-CN" altLang="en-US" sz="1400" dirty="0" smtClean="0">
-                <a:latin typeface="Microsoft YaHei" charset="0"/>
-                <a:ea typeface="Microsoft YaHei" charset="0"/>
-                <a:cs typeface="Microsoft YaHei" charset="0"/>
-              </a:rPr>
-              <a:t>（</a:t>
-            </a:r>
-            <a:r>
-              <a:rPr lang="en-US" altLang="zh-CN" sz="1400" dirty="0">
-                <a:latin typeface="Microsoft YaHei" charset="0"/>
-                <a:ea typeface="Microsoft YaHei" charset="0"/>
-                <a:cs typeface="Microsoft YaHei" charset="0"/>
-              </a:rPr>
-              <a:t>XXL-MQ</a:t>
-            </a:r>
-            <a:r>
-              <a:rPr lang="zh-CN" altLang="en-US" sz="1400" dirty="0">
-                <a:latin typeface="Microsoft YaHei" charset="0"/>
-                <a:ea typeface="Microsoft YaHei" charset="0"/>
-                <a:cs typeface="Microsoft YaHei" charset="0"/>
-              </a:rPr>
-              <a:t>）</a:t>
-            </a:r>
-          </a:p>
-          <a:p>
-            <a:r>
-              <a:rPr lang="en-US" altLang="zh-CN" sz="1400" dirty="0">
-                <a:latin typeface="Microsoft YaHei" charset="0"/>
-                <a:ea typeface="Microsoft YaHei" charset="0"/>
-                <a:cs typeface="Microsoft YaHei" charset="0"/>
-              </a:rPr>
-              <a:t>5</a:t>
-            </a:r>
-            <a:r>
-              <a:rPr lang="zh-CN" altLang="en-US" sz="1400" dirty="0">
-                <a:latin typeface="Microsoft YaHei" charset="0"/>
-                <a:ea typeface="Microsoft YaHei" charset="0"/>
-                <a:cs typeface="Microsoft YaHei" charset="0"/>
-              </a:rPr>
-              <a:t>、调度：</a:t>
-            </a:r>
-            <a:r>
-              <a:rPr lang="en-US" altLang="zh-CN" sz="1400" dirty="0">
-                <a:latin typeface="Microsoft YaHei" charset="0"/>
-                <a:ea typeface="Microsoft YaHei" charset="0"/>
-                <a:cs typeface="Microsoft YaHei" charset="0"/>
-              </a:rPr>
-              <a:t>XXL-JOB</a:t>
-            </a:r>
-            <a:endParaRPr lang="zh-CN" altLang="en-US" sz="1400" dirty="0">
-              <a:latin typeface="Microsoft YaHei" charset="0"/>
-              <a:ea typeface="Microsoft YaHei" charset="0"/>
-              <a:cs typeface="Microsoft YaHei" charset="0"/>
-            </a:endParaRPr>
-          </a:p>
-          <a:p>
-            <a:r>
-              <a:rPr lang="en-US" altLang="zh-CN" sz="1400" dirty="0">
-                <a:latin typeface="Microsoft YaHei" charset="0"/>
-                <a:ea typeface="Microsoft YaHei" charset="0"/>
-                <a:cs typeface="Microsoft YaHei" charset="0"/>
-              </a:rPr>
-              <a:t>6</a:t>
-            </a:r>
-            <a:r>
-              <a:rPr lang="zh-CN" altLang="en-US" sz="1400" dirty="0">
-                <a:latin typeface="Microsoft YaHei" charset="0"/>
-                <a:ea typeface="Microsoft YaHei" charset="0"/>
-                <a:cs typeface="Microsoft YaHei" charset="0"/>
-              </a:rPr>
-              <a:t>、配置：</a:t>
-            </a:r>
-            <a:r>
-              <a:rPr lang="en-US" altLang="zh-CN" sz="1400" dirty="0" smtClean="0">
-                <a:latin typeface="Microsoft YaHei" charset="0"/>
-                <a:ea typeface="Microsoft YaHei" charset="0"/>
-                <a:cs typeface="Microsoft YaHei" charset="0"/>
-              </a:rPr>
-              <a:t>XXL-CONF</a:t>
-            </a:r>
-            <a:endParaRPr lang="zh-CN" altLang="en-US" sz="1400" dirty="0" smtClean="0">
-              <a:latin typeface="Microsoft YaHei" charset="0"/>
-              <a:ea typeface="Microsoft YaHei" charset="0"/>
-              <a:cs typeface="Microsoft YaHei" charset="0"/>
-            </a:endParaRPr>
-          </a:p>
-          <a:p>
-            <a:r>
-              <a:rPr lang="en-US" altLang="zh-CN" sz="1400" dirty="0" smtClean="0">
-                <a:latin typeface="Microsoft YaHei" charset="0"/>
-                <a:ea typeface="Microsoft YaHei" charset="0"/>
-                <a:cs typeface="Microsoft YaHei" charset="0"/>
-              </a:rPr>
-              <a:t>7</a:t>
-            </a:r>
-            <a:r>
-              <a:rPr lang="zh-CN" altLang="en-US" sz="1400" dirty="0" smtClean="0">
-                <a:latin typeface="Microsoft YaHei" charset="0"/>
-                <a:ea typeface="Microsoft YaHei" charset="0"/>
-                <a:cs typeface="Microsoft YaHei" charset="0"/>
-              </a:rPr>
-              <a:t>、</a:t>
-            </a:r>
-            <a:r>
-              <a:rPr lang="zh-CN" altLang="en-US" sz="1400" dirty="0">
-                <a:latin typeface="Microsoft YaHei" charset="0"/>
-                <a:ea typeface="Microsoft YaHei" charset="0"/>
-                <a:cs typeface="Microsoft YaHei" charset="0"/>
-              </a:rPr>
-              <a:t>数据库访问层（读写分离、分库分表）</a:t>
-            </a:r>
-          </a:p>
-          <a:p>
-            <a:r>
-              <a:rPr lang="zh-CN" altLang="en-US" sz="1400" dirty="0">
-                <a:latin typeface="Microsoft YaHei" charset="0"/>
-                <a:ea typeface="Microsoft YaHei" charset="0"/>
-                <a:cs typeface="Microsoft YaHei" charset="0"/>
-              </a:rPr>
-              <a:t>：</a:t>
-            </a:r>
-            <a:r>
-              <a:rPr lang="en-US" altLang="zh-CN" sz="1400" dirty="0">
-                <a:latin typeface="Microsoft YaHei" charset="0"/>
-                <a:ea typeface="Microsoft YaHei" charset="0"/>
-                <a:cs typeface="Microsoft YaHei" charset="0"/>
-              </a:rPr>
-              <a:t>Zebra</a:t>
-            </a:r>
-            <a:r>
-              <a:rPr lang="zh-CN" altLang="en-US" sz="1400" dirty="0">
-                <a:latin typeface="Microsoft YaHei" charset="0"/>
-                <a:ea typeface="Microsoft YaHei" charset="0"/>
-                <a:cs typeface="Microsoft YaHei" charset="0"/>
-              </a:rPr>
-              <a:t>、</a:t>
-            </a:r>
-            <a:r>
-              <a:rPr lang="en-US" altLang="zh-CN" sz="1400" dirty="0" smtClean="0">
-                <a:latin typeface="Microsoft YaHei" charset="0"/>
-                <a:ea typeface="Microsoft YaHei" charset="0"/>
-                <a:cs typeface="Microsoft YaHei" charset="0"/>
-              </a:rPr>
-              <a:t>Sharding-jdbc</a:t>
-            </a:r>
-            <a:endParaRPr lang="zh-CN" altLang="en-US" sz="1400" dirty="0" smtClean="0">
-              <a:latin typeface="Microsoft YaHei" charset="0"/>
-              <a:ea typeface="Microsoft YaHei" charset="0"/>
-              <a:cs typeface="Microsoft YaHei" charset="0"/>
-            </a:endParaRPr>
-          </a:p>
-          <a:p>
-            <a:r>
-              <a:rPr lang="en-US" altLang="zh-CN" sz="1400" dirty="0" smtClean="0">
-                <a:latin typeface="Microsoft YaHei" charset="0"/>
-                <a:ea typeface="Microsoft YaHei" charset="0"/>
-                <a:cs typeface="Microsoft YaHei" charset="0"/>
-              </a:rPr>
-              <a:t>8</a:t>
-            </a:r>
-            <a:r>
-              <a:rPr lang="zh-CN" altLang="en-US" sz="1400" dirty="0" smtClean="0">
-                <a:latin typeface="Microsoft YaHei" charset="0"/>
-                <a:ea typeface="Microsoft YaHei" charset="0"/>
-                <a:cs typeface="Microsoft YaHei" charset="0"/>
-              </a:rPr>
-              <a:t>、</a:t>
-            </a:r>
-            <a:r>
-              <a:rPr lang="zh-CN" altLang="en-US" sz="1400" dirty="0">
-                <a:latin typeface="Microsoft YaHei" charset="0"/>
-                <a:ea typeface="Microsoft YaHei" charset="0"/>
-                <a:cs typeface="Microsoft YaHei" charset="0"/>
-              </a:rPr>
-              <a:t>监控、报警：</a:t>
-            </a:r>
-            <a:r>
-              <a:rPr lang="en-US" altLang="zh-CN" sz="1400" dirty="0" smtClean="0">
-                <a:latin typeface="Microsoft YaHei" charset="0"/>
-                <a:ea typeface="Microsoft YaHei" charset="0"/>
-                <a:cs typeface="Microsoft YaHei" charset="0"/>
-              </a:rPr>
-              <a:t>Cat</a:t>
-            </a:r>
-            <a:endParaRPr lang="zh-CN" altLang="en-US" sz="1400" dirty="0">
-              <a:latin typeface="Microsoft YaHei" charset="0"/>
-              <a:ea typeface="Microsoft YaHei" charset="0"/>
-              <a:cs typeface="Microsoft YaHei" charset="0"/>
-            </a:endParaRPr>
-          </a:p>
-          <a:p>
-            <a:r>
-              <a:rPr lang="en-US" altLang="zh-CN" sz="1400" dirty="0">
-                <a:latin typeface="Microsoft YaHei" charset="0"/>
-                <a:ea typeface="Microsoft YaHei" charset="0"/>
-                <a:cs typeface="Microsoft YaHei" charset="0"/>
-              </a:rPr>
-              <a:t>---</a:t>
-            </a:r>
-            <a:r>
-              <a:rPr lang="zh-CN" altLang="en-US" sz="1400" dirty="0">
-                <a:latin typeface="Microsoft YaHei" charset="0"/>
-                <a:ea typeface="Microsoft YaHei" charset="0"/>
-                <a:cs typeface="Microsoft YaHei" charset="0"/>
-              </a:rPr>
-              <a:t> </a:t>
-            </a:r>
-            <a:r>
-              <a:rPr lang="en-US" altLang="zh-CN" sz="1400" dirty="0">
-                <a:latin typeface="Microsoft YaHei" charset="0"/>
-                <a:ea typeface="Microsoft YaHei" charset="0"/>
-                <a:cs typeface="Microsoft YaHei" charset="0"/>
-              </a:rPr>
-              <a:t>---</a:t>
-            </a:r>
-            <a:r>
-              <a:rPr lang="zh-CN" altLang="en-US" sz="1400" dirty="0">
-                <a:latin typeface="Microsoft YaHei" charset="0"/>
-                <a:ea typeface="Microsoft YaHei" charset="0"/>
-                <a:cs typeface="Microsoft YaHei" charset="0"/>
-              </a:rPr>
-              <a:t> </a:t>
-            </a:r>
-          </a:p>
-          <a:p>
-            <a:r>
-              <a:rPr lang="en-US" altLang="zh-CN" sz="1400" dirty="0" smtClean="0">
-                <a:latin typeface="Microsoft YaHei" charset="0"/>
-                <a:ea typeface="Microsoft YaHei" charset="0"/>
-                <a:cs typeface="Microsoft YaHei" charset="0"/>
-              </a:rPr>
-              <a:t>9</a:t>
-            </a:r>
-            <a:r>
-              <a:rPr lang="zh-CN" altLang="en-US" sz="1400" dirty="0" smtClean="0">
-                <a:latin typeface="Microsoft YaHei" charset="0"/>
-                <a:ea typeface="Microsoft YaHei" charset="0"/>
-                <a:cs typeface="Microsoft YaHei" charset="0"/>
-              </a:rPr>
-              <a:t>、</a:t>
-            </a:r>
-            <a:r>
-              <a:rPr lang="zh-CN" altLang="en-US" sz="1400" dirty="0">
-                <a:latin typeface="Microsoft YaHei" charset="0"/>
-                <a:ea typeface="Microsoft YaHei" charset="0"/>
-                <a:cs typeface="Microsoft YaHei" charset="0"/>
-              </a:rPr>
-              <a:t>搜索：</a:t>
-            </a:r>
-            <a:r>
-              <a:rPr lang="en-US" altLang="zh-CN" sz="1400" dirty="0" smtClean="0">
-                <a:latin typeface="Microsoft YaHei" charset="0"/>
-                <a:ea typeface="Microsoft YaHei" charset="0"/>
-                <a:cs typeface="Microsoft YaHei" charset="0"/>
-              </a:rPr>
-              <a:t>ElasticSearch</a:t>
-            </a:r>
-            <a:endParaRPr lang="zh-CN" altLang="en-US" sz="1400" dirty="0">
-              <a:latin typeface="Microsoft YaHei" charset="0"/>
-              <a:ea typeface="Microsoft YaHei" charset="0"/>
-              <a:cs typeface="Microsoft YaHei" charset="0"/>
-            </a:endParaRPr>
-          </a:p>
-          <a:p>
-            <a:r>
-              <a:rPr lang="en-US" altLang="zh-CN" sz="1400" dirty="0" smtClean="0">
-                <a:latin typeface="Microsoft YaHei" charset="0"/>
-                <a:ea typeface="Microsoft YaHei" charset="0"/>
-                <a:cs typeface="Microsoft YaHei" charset="0"/>
-              </a:rPr>
-              <a:t>10</a:t>
-            </a:r>
-            <a:r>
-              <a:rPr lang="zh-CN" altLang="en-US" sz="1400" dirty="0" smtClean="0">
-                <a:latin typeface="Microsoft YaHei" charset="0"/>
-                <a:ea typeface="Microsoft YaHei" charset="0"/>
-                <a:cs typeface="Microsoft YaHei" charset="0"/>
-              </a:rPr>
-              <a:t>、</a:t>
-            </a:r>
-            <a:r>
-              <a:rPr lang="zh-CN" altLang="en-US" sz="1400" dirty="0">
-                <a:latin typeface="Microsoft YaHei" charset="0"/>
-                <a:ea typeface="Microsoft YaHei" charset="0"/>
-                <a:cs typeface="Microsoft YaHei" charset="0"/>
-              </a:rPr>
-              <a:t>单点登录：</a:t>
-            </a:r>
-            <a:r>
-              <a:rPr lang="en-US" altLang="zh-CN" sz="1400" dirty="0">
-                <a:latin typeface="Microsoft YaHei" charset="0"/>
-                <a:ea typeface="Microsoft YaHei" charset="0"/>
-                <a:cs typeface="Microsoft YaHei" charset="0"/>
-              </a:rPr>
-              <a:t>XXL-SSO</a:t>
-            </a:r>
-            <a:endParaRPr lang="zh-CN" altLang="en-US" sz="1400" dirty="0">
-              <a:latin typeface="Microsoft YaHei" charset="0"/>
-              <a:ea typeface="Microsoft YaHei" charset="0"/>
-              <a:cs typeface="Microsoft YaHei" charset="0"/>
-            </a:endParaRPr>
-          </a:p>
-          <a:p>
-            <a:r>
-              <a:rPr lang="en-US" altLang="zh-CN" sz="1400" dirty="0" smtClean="0">
-                <a:latin typeface="Microsoft YaHei" charset="0"/>
-                <a:ea typeface="Microsoft YaHei" charset="0"/>
-                <a:cs typeface="Microsoft YaHei" charset="0"/>
-              </a:rPr>
-              <a:t>11</a:t>
-            </a:r>
-            <a:r>
-              <a:rPr lang="zh-CN" altLang="en-US" sz="1400" dirty="0" smtClean="0">
-                <a:latin typeface="Microsoft YaHei" charset="0"/>
-                <a:ea typeface="Microsoft YaHei" charset="0"/>
-                <a:cs typeface="Microsoft YaHei" charset="0"/>
-              </a:rPr>
-              <a:t>、日志分析：</a:t>
-            </a:r>
-            <a:r>
-              <a:rPr lang="en-US" altLang="zh-CN" sz="1400" dirty="0" smtClean="0">
-                <a:latin typeface="Microsoft YaHei" charset="0"/>
-                <a:ea typeface="Microsoft YaHei" charset="0"/>
-                <a:cs typeface="Microsoft YaHei" charset="0"/>
-              </a:rPr>
-              <a:t>ELK</a:t>
-            </a:r>
-            <a:endParaRPr lang="zh-CN" altLang="en-US" sz="1400" dirty="0">
-              <a:latin typeface="Microsoft YaHei" charset="0"/>
-              <a:ea typeface="Microsoft YaHei" charset="0"/>
-              <a:cs typeface="Microsoft YaHei" charset="0"/>
-            </a:endParaRPr>
-          </a:p>
-          <a:p>
-            <a:r>
-              <a:rPr lang="en-US" altLang="zh-CN" sz="1400" dirty="0" smtClean="0">
-                <a:latin typeface="Microsoft YaHei" charset="0"/>
-                <a:ea typeface="Microsoft YaHei" charset="0"/>
-                <a:cs typeface="Microsoft YaHei" charset="0"/>
-              </a:rPr>
-              <a:t>12</a:t>
-            </a:r>
-            <a:r>
-              <a:rPr lang="zh-CN" altLang="en-US" sz="1400" dirty="0" smtClean="0">
-                <a:latin typeface="Microsoft YaHei" charset="0"/>
-                <a:ea typeface="Microsoft YaHei" charset="0"/>
-                <a:cs typeface="Microsoft YaHei" charset="0"/>
-              </a:rPr>
-              <a:t>、</a:t>
-            </a:r>
-            <a:r>
-              <a:rPr lang="zh-CN" altLang="en-US" sz="1400" dirty="0">
-                <a:latin typeface="Microsoft YaHei" charset="0"/>
-                <a:ea typeface="Microsoft YaHei" charset="0"/>
-                <a:cs typeface="Microsoft YaHei" charset="0"/>
-              </a:rPr>
-              <a:t>持续集成、发布：</a:t>
-            </a:r>
-            <a:r>
-              <a:rPr lang="en-US" altLang="zh-CN" sz="1400" dirty="0">
-                <a:latin typeface="Microsoft YaHei" charset="0"/>
-                <a:ea typeface="Microsoft YaHei" charset="0"/>
-                <a:cs typeface="Microsoft YaHei" charset="0"/>
-              </a:rPr>
-              <a:t>Jenkins</a:t>
-            </a:r>
-            <a:r>
-              <a:rPr lang="zh-CN" altLang="en-US" sz="1400" dirty="0">
-                <a:latin typeface="Microsoft YaHei" charset="0"/>
-                <a:ea typeface="Microsoft YaHei" charset="0"/>
-                <a:cs typeface="Microsoft YaHei" charset="0"/>
-              </a:rPr>
-              <a:t> </a:t>
-            </a:r>
-            <a:r>
-              <a:rPr lang="en-US" altLang="zh-CN" sz="1400" dirty="0">
-                <a:latin typeface="Microsoft YaHei" charset="0"/>
-                <a:ea typeface="Microsoft YaHei" charset="0"/>
-                <a:cs typeface="Microsoft YaHei" charset="0"/>
-              </a:rPr>
-              <a:t>+</a:t>
-            </a:r>
-            <a:r>
-              <a:rPr lang="zh-CN" altLang="en-US" sz="1400" dirty="0">
-                <a:latin typeface="Microsoft YaHei" charset="0"/>
-                <a:ea typeface="Microsoft YaHei" charset="0"/>
-                <a:cs typeface="Microsoft YaHei" charset="0"/>
-              </a:rPr>
-              <a:t> </a:t>
-            </a:r>
-            <a:r>
-              <a:rPr lang="en-US" altLang="zh-CN" sz="1400" dirty="0" smtClean="0">
-                <a:latin typeface="Microsoft YaHei" charset="0"/>
-                <a:ea typeface="Microsoft YaHei" charset="0"/>
-                <a:cs typeface="Microsoft YaHei" charset="0"/>
-              </a:rPr>
-              <a:t>Docker</a:t>
-            </a:r>
-            <a:endParaRPr lang="zh-CN" altLang="en-US" sz="1400" dirty="0">
-              <a:latin typeface="Microsoft YaHei" charset="0"/>
-              <a:ea typeface="Microsoft YaHei" charset="0"/>
-              <a:cs typeface="Microsoft YaHei" charset="0"/>
-            </a:endParaRPr>
-          </a:p>
-        </p:txBody>
-      </p:sp>
-      <p:sp>
-        <p:nvSpPr>
-          <p:cNvPr id="37" name="矩形 36"/>
-          <p:cNvSpPr/>
-          <p:nvPr/>
-        </p:nvSpPr>
-        <p:spPr>
-          <a:xfrm>
-            <a:off x="6694148" y="2662635"/>
-            <a:ext cx="1505158" cy="1982771"/>
-          </a:xfrm>
-          <a:prstGeom prst="rect">
-            <a:avLst/>
-          </a:prstGeom>
-          <a:noFill/>
-          <a:ln w="12700" cap="flat" cmpd="sng" algn="ctr">
-            <a:solidFill>
-              <a:srgbClr val="5B9BD5">
-                <a:shade val="50000"/>
-              </a:srgbClr>
-            </a:solidFill>
-            <a:prstDash val="dash"/>
-            <a:miter lim="800000"/>
-          </a:ln>
-          <a:effectLst/>
-        </p:spPr>
-        <p:txBody>
-          <a:bodyPr anchor="b"/>
-          <a:lstStyle/>
-          <a:p>
-            <a:pPr algn="ctr" defTabSz="1219170" eaLnBrk="0" fontAlgn="base" hangingPunct="0">
-              <a:spcBef>
-                <a:spcPct val="0"/>
-              </a:spcBef>
-              <a:spcAft>
-                <a:spcPct val="0"/>
-              </a:spcAft>
-              <a:defRPr/>
-            </a:pPr>
-            <a:r>
-              <a:rPr kumimoji="1" lang="zh-CN" altLang="en-US" sz="1400" kern="0" dirty="0" smtClean="0">
-                <a:latin typeface="Microsoft YaHei" charset="0"/>
-                <a:ea typeface="Microsoft YaHei" charset="0"/>
-                <a:cs typeface="Microsoft YaHei" charset="0"/>
-              </a:rPr>
-              <a:t>监控</a:t>
-            </a:r>
-            <a:endParaRPr kumimoji="1" lang="zh-CN" altLang="en-US" sz="1400" kern="0" dirty="0">
-              <a:latin typeface="Microsoft YaHei" charset="0"/>
-              <a:ea typeface="Microsoft YaHei" charset="0"/>
-              <a:cs typeface="Microsoft YaHei" charset="0"/>
-            </a:endParaRPr>
-          </a:p>
-        </p:txBody>
-      </p:sp>
-      <p:sp>
-        <p:nvSpPr>
-          <p:cNvPr id="40" name="可选流程 39"/>
-          <p:cNvSpPr/>
-          <p:nvPr/>
-        </p:nvSpPr>
-        <p:spPr>
-          <a:xfrm>
-            <a:off x="9032130" y="4942351"/>
-            <a:ext cx="1295671" cy="612427"/>
-          </a:xfrm>
-          <a:prstGeom prst="flowChartAlternateProcess">
-            <a:avLst/>
-          </a:prstGeom>
-          <a:solidFill>
-            <a:srgbClr val="ABC36C"/>
-          </a:solidFill>
-          <a:ln>
-            <a:noFill/>
-          </a:ln>
-          <a:effectLst>
-            <a:outerShdw blurRad="57150" dist="19050" dir="5400000" algn="ctr" rotWithShape="0">
-              <a:srgbClr val="000000">
-                <a:alpha val="63000"/>
-              </a:srgbClr>
-            </a:outerShdw>
-          </a:effectLst>
-        </p:spPr>
-        <p:txBody>
-          <a:bodyPr anchor="ctr"/>
-          <a:lstStyle/>
-          <a:p>
-            <a:pPr lvl="0" algn="ctr"/>
-            <a:r>
-              <a:rPr kumimoji="1" lang="en-US" altLang="zh-CN" sz="1400">
-                <a:solidFill>
-                  <a:prstClr val="white"/>
-                </a:solidFill>
-                <a:latin typeface="Microsoft YaHei" charset="0"/>
-                <a:ea typeface="Microsoft YaHei" charset="0"/>
-                <a:cs typeface="Microsoft YaHei" charset="0"/>
-              </a:rPr>
-              <a:t>……</a:t>
-            </a:r>
-            <a:endParaRPr kumimoji="1" lang="zh-CN" altLang="en-US" sz="1400" dirty="0">
-              <a:solidFill>
-                <a:prstClr val="white"/>
-              </a:solidFill>
-              <a:latin typeface="Microsoft YaHei" charset="0"/>
-              <a:ea typeface="Microsoft YaHei" charset="0"/>
-              <a:cs typeface="Microsoft YaHei" charset="0"/>
-            </a:endParaRPr>
-          </a:p>
-        </p:txBody>
-      </p:sp>
-      <p:sp>
-        <p:nvSpPr>
-          <p:cNvPr id="43" name="可选流程 42"/>
-          <p:cNvSpPr/>
-          <p:nvPr/>
-        </p:nvSpPr>
-        <p:spPr>
-          <a:xfrm>
-            <a:off x="879585" y="5075293"/>
-            <a:ext cx="1295671" cy="611595"/>
-          </a:xfrm>
-          <a:prstGeom prst="flowChartAlternateProcess">
-            <a:avLst/>
-          </a:prstGeom>
-          <a:solidFill>
-            <a:srgbClr val="D8D8D8"/>
-          </a:solidFill>
-          <a:ln>
-            <a:noFill/>
-          </a:ln>
-          <a:effectLst>
-            <a:outerShdw blurRad="57150" dist="19050" dir="5400000" algn="ctr" rotWithShape="0">
-              <a:srgbClr val="000000">
-                <a:alpha val="63000"/>
-              </a:srgbClr>
-            </a:outerShdw>
-          </a:effectLst>
-        </p:spPr>
-        <p:txBody>
-          <a:bodyPr anchor="ctr"/>
-          <a:lstStyle/>
-          <a:p>
-            <a:pPr lvl="0" algn="ctr"/>
-            <a:r>
-              <a:rPr kumimoji="1" lang="zh-CN" altLang="en-US" sz="1400" dirty="0">
-                <a:latin typeface="Microsoft YaHei" charset="0"/>
-                <a:ea typeface="Microsoft YaHei" charset="0"/>
-                <a:cs typeface="Microsoft YaHei" charset="0"/>
-              </a:rPr>
-              <a:t>数据库</a:t>
-            </a:r>
-          </a:p>
-          <a:p>
-            <a:pPr lvl="0" algn="ctr"/>
-            <a:r>
-              <a:rPr kumimoji="1" lang="en-US" altLang="zh-CN" sz="1400" dirty="0">
-                <a:latin typeface="Microsoft YaHei" charset="0"/>
-                <a:ea typeface="Microsoft YaHei" charset="0"/>
-                <a:cs typeface="Microsoft YaHei" charset="0"/>
-              </a:rPr>
-              <a:t>DB</a:t>
-            </a:r>
-            <a:endParaRPr kumimoji="1" lang="zh-CN" altLang="en-US" sz="1400" dirty="0">
-              <a:latin typeface="Microsoft YaHei" charset="0"/>
-              <a:ea typeface="Microsoft YaHei" charset="0"/>
-              <a:cs typeface="Microsoft YaHei" charset="0"/>
-            </a:endParaRPr>
-          </a:p>
-        </p:txBody>
-      </p:sp>
-      <p:sp>
-        <p:nvSpPr>
-          <p:cNvPr id="44" name="可选流程 43"/>
-          <p:cNvSpPr/>
-          <p:nvPr/>
-        </p:nvSpPr>
-        <p:spPr>
-          <a:xfrm>
-            <a:off x="2331179" y="5075292"/>
-            <a:ext cx="1295671" cy="611595"/>
-          </a:xfrm>
-          <a:prstGeom prst="flowChartAlternateProcess">
-            <a:avLst/>
-          </a:prstGeom>
-          <a:solidFill>
-            <a:srgbClr val="D8D8D8"/>
-          </a:solidFill>
-          <a:ln>
-            <a:noFill/>
-          </a:ln>
-          <a:effectLst>
-            <a:outerShdw blurRad="57150" dist="19050" dir="5400000" algn="ctr" rotWithShape="0">
-              <a:srgbClr val="000000">
-                <a:alpha val="63000"/>
-              </a:srgbClr>
-            </a:outerShdw>
-          </a:effectLst>
-        </p:spPr>
-        <p:txBody>
-          <a:bodyPr anchor="ctr"/>
-          <a:lstStyle/>
-          <a:p>
-            <a:pPr lvl="0" algn="ctr"/>
-            <a:r>
-              <a:rPr kumimoji="1" lang="en-US" altLang="zh-CN" sz="1400" dirty="0" smtClean="0">
-                <a:latin typeface="Microsoft YaHei" charset="0"/>
-                <a:ea typeface="Microsoft YaHei" charset="0"/>
-                <a:cs typeface="Microsoft YaHei" charset="0"/>
-              </a:rPr>
-              <a:t>……</a:t>
-            </a:r>
-            <a:endParaRPr kumimoji="1" lang="zh-CN" altLang="en-US" sz="1400" dirty="0">
-              <a:latin typeface="Microsoft YaHei" charset="0"/>
-              <a:ea typeface="Microsoft YaHei" charset="0"/>
-              <a:cs typeface="Microsoft YaHei" charset="0"/>
-            </a:endParaRPr>
-          </a:p>
-        </p:txBody>
-      </p:sp>
-      <p:sp>
-        <p:nvSpPr>
-          <p:cNvPr id="39" name="可选流程 38"/>
-          <p:cNvSpPr/>
-          <p:nvPr/>
-        </p:nvSpPr>
-        <p:spPr>
-          <a:xfrm>
-            <a:off x="3717429" y="2870166"/>
+            <a:off x="7385789" y="2264161"/>
             <a:ext cx="1295671" cy="611595"/>
           </a:xfrm>
           <a:prstGeom prst="flowChartAlternateProcess">
@@ -8439,90 +8719,36 @@
           <a:p>
             <a:pPr algn="ctr"/>
             <a:r>
-              <a:rPr kumimoji="1" lang="zh-CN" altLang="en-US" sz="1400" dirty="0">
-                <a:latin typeface="Microsoft YaHei" charset="0"/>
-                <a:ea typeface="Microsoft YaHei" charset="0"/>
-                <a:cs typeface="Microsoft YaHei" charset="0"/>
-              </a:rPr>
-              <a:t>消息队列</a:t>
+              <a:rPr kumimoji="1" lang="zh-CN" altLang="en-US" sz="1400" dirty="0" smtClean="0">
+                <a:latin typeface="Heiti SC Light" charset="-122"/>
+                <a:ea typeface="Heiti SC Light" charset="-122"/>
+                <a:cs typeface="Heiti SC Light" charset="-122"/>
+              </a:rPr>
+              <a:t>生产（灰度）</a:t>
             </a:r>
           </a:p>
           <a:p>
             <a:pPr algn="ctr"/>
             <a:r>
-              <a:rPr kumimoji="1" lang="en-US" altLang="zh-CN" sz="1400" dirty="0">
-                <a:latin typeface="Microsoft YaHei" charset="0"/>
-                <a:ea typeface="Microsoft YaHei" charset="0"/>
-                <a:cs typeface="Microsoft YaHei" charset="0"/>
-              </a:rPr>
-              <a:t>【 MQ 】</a:t>
-            </a:r>
-          </a:p>
-        </p:txBody>
-      </p:sp>
-      <p:sp>
-        <p:nvSpPr>
-          <p:cNvPr id="42" name="可选流程 41"/>
-          <p:cNvSpPr/>
-          <p:nvPr/>
-        </p:nvSpPr>
-        <p:spPr>
-          <a:xfrm>
-            <a:off x="5117433" y="2870166"/>
-            <a:ext cx="1295671" cy="611595"/>
-          </a:xfrm>
-          <a:prstGeom prst="flowChartAlternateProcess">
-            <a:avLst/>
-          </a:prstGeom>
-          <a:solidFill>
-            <a:srgbClr val="4BACC6"/>
-          </a:solidFill>
-        </p:spPr>
-        <p:style>
-          <a:lnRef idx="0">
-            <a:schemeClr val="accent1"/>
-          </a:lnRef>
-          <a:fillRef idx="3">
-            <a:schemeClr val="accent1"/>
-          </a:fillRef>
-          <a:effectRef idx="3">
-            <a:schemeClr val="accent1"/>
-          </a:effectRef>
-          <a:fontRef idx="minor">
-            <a:schemeClr val="lt1"/>
-          </a:fontRef>
-        </p:style>
-        <p:txBody>
-          <a:bodyPr anchor="ctr"/>
-          <a:lstStyle/>
-          <a:p>
-            <a:pPr algn="ctr"/>
-            <a:r>
-              <a:rPr kumimoji="1" lang="zh-CN" altLang="en-US" sz="1400" dirty="0">
-                <a:latin typeface="Microsoft YaHei" charset="0"/>
-                <a:ea typeface="Microsoft YaHei" charset="0"/>
-                <a:cs typeface="Microsoft YaHei" charset="0"/>
-              </a:rPr>
-              <a:t>任务调度</a:t>
-            </a:r>
-          </a:p>
-          <a:p>
-            <a:pPr algn="ctr"/>
-            <a:r>
-              <a:rPr kumimoji="1" lang="en-US" altLang="zh-CN" sz="1400" dirty="0">
-                <a:latin typeface="Microsoft YaHei" charset="0"/>
-                <a:ea typeface="Microsoft YaHei" charset="0"/>
-                <a:cs typeface="Microsoft YaHei" charset="0"/>
-              </a:rPr>
-              <a:t>【 Job 】</a:t>
-            </a:r>
+              <a:rPr kumimoji="1" lang="en-US" altLang="zh-CN" sz="1400" dirty="0" smtClean="0">
+                <a:latin typeface="Heiti SC Light" charset="-122"/>
+                <a:ea typeface="Heiti SC Light" charset="-122"/>
+                <a:cs typeface="Heiti SC Light" charset="-122"/>
+              </a:rPr>
+              <a:t>product</a:t>
+            </a:r>
+            <a:endParaRPr kumimoji="1" lang="zh-CN" altLang="en-US" sz="1400" dirty="0">
+              <a:latin typeface="Heiti SC Light" charset="-122"/>
+              <a:ea typeface="Heiti SC Light" charset="-122"/>
+              <a:cs typeface="Heiti SC Light" charset="-122"/>
+            </a:endParaRPr>
           </a:p>
         </p:txBody>
       </p:sp>
     </p:spTree>
     <p:extLst>
       <p:ext uri="{BB962C8B-B14F-4D97-AF65-F5344CB8AC3E}">
-        <p14:creationId xmlns:p14="http://schemas.microsoft.com/office/powerpoint/2010/main" val="2114692193"/>
+        <p14:creationId xmlns:p14="http://schemas.microsoft.com/office/powerpoint/2010/main" val="113463035"/>
       </p:ext>
     </p:extLst>
   </p:cSld>

--- a/blog/notebook/XXL分布式系统架构.pptx
+++ b/blog/notebook/XXL分布式系统架构.pptx
@@ -200,7 +200,7 @@
           <a:p>
             <a:fld id="{D2A48B96-639E-45A3-A0BA-2464DFDB1FAA}" type="datetimeFigureOut">
               <a:rPr lang="zh-CN" altLang="en-US" smtClean="0"/>
-              <a:t>2018/12/7</a:t>
+              <a:t>2019/3/5</a:t>
             </a:fld>
             <a:endParaRPr lang="zh-CN" altLang="en-US"/>
           </a:p>
@@ -588,15 +588,73 @@
                 <a:ea typeface="Microsoft YaHei" charset="0"/>
                 <a:cs typeface="Microsoft YaHei" charset="0"/>
               </a:rPr>
+              <a:t> 中间件（</a:t>
+            </a:r>
+            <a:r>
+              <a:rPr lang="en-US" altLang="zh-CN" sz="1200" dirty="0" smtClean="0">
+                <a:latin typeface="Microsoft YaHei" charset="0"/>
+                <a:ea typeface="Microsoft YaHei" charset="0"/>
+                <a:cs typeface="Microsoft YaHei" charset="0"/>
+              </a:rPr>
+              <a:t>9</a:t>
+            </a:r>
+            <a:r>
+              <a:rPr lang="zh-CN" altLang="en-US" sz="1200" dirty="0" smtClean="0">
+                <a:latin typeface="Microsoft YaHei" charset="0"/>
+                <a:ea typeface="Microsoft YaHei" charset="0"/>
+                <a:cs typeface="Microsoft YaHei" charset="0"/>
+              </a:rPr>
+              <a:t>）</a:t>
+            </a:r>
+          </a:p>
+          <a:p>
+            <a:r>
+              <a:rPr lang="en-US" altLang="zh-CN" sz="1200" dirty="0" smtClean="0">
+                <a:latin typeface="Microsoft YaHei" charset="0"/>
+                <a:ea typeface="Microsoft YaHei" charset="0"/>
+                <a:cs typeface="Microsoft YaHei" charset="0"/>
+              </a:rPr>
+              <a:t>1</a:t>
+            </a:r>
+            <a:r>
+              <a:rPr lang="zh-CN" altLang="en-US" sz="1200" dirty="0" smtClean="0">
+                <a:latin typeface="Microsoft YaHei" charset="0"/>
+                <a:ea typeface="Microsoft YaHei" charset="0"/>
+                <a:cs typeface="Microsoft YaHei" charset="0"/>
+              </a:rPr>
+              <a:t>、网关：</a:t>
+            </a:r>
+            <a:r>
+              <a:rPr lang="en-US" altLang="zh-CN" sz="1200" dirty="0" err="1" smtClean="0">
+                <a:latin typeface="Microsoft YaHei" charset="0"/>
+                <a:ea typeface="Microsoft YaHei" charset="0"/>
+                <a:cs typeface="Microsoft YaHei" charset="0"/>
+              </a:rPr>
+              <a:t>nginx</a:t>
+            </a:r>
+            <a:r>
+              <a:rPr lang="zh-CN" altLang="en-US" sz="1200" dirty="0" smtClean="0">
+                <a:latin typeface="Microsoft YaHei" charset="0"/>
+                <a:ea typeface="Microsoft YaHei" charset="0"/>
+                <a:cs typeface="Microsoft YaHei" charset="0"/>
+              </a:rPr>
               <a:t> </a:t>
             </a:r>
             <a:r>
+              <a:rPr lang="en-US" altLang="zh-CN" sz="1200" dirty="0" smtClean="0">
+                <a:latin typeface="Microsoft YaHei" charset="0"/>
+                <a:ea typeface="Microsoft YaHei" charset="0"/>
+                <a:cs typeface="Microsoft YaHei" charset="0"/>
+              </a:rPr>
+              <a:t>+</a:t>
+            </a:r>
+            <a:r>
               <a:rPr lang="zh-CN" altLang="en-US" sz="1200" dirty="0" smtClean="0">
                 <a:latin typeface="Microsoft YaHei" charset="0"/>
                 <a:ea typeface="Microsoft YaHei" charset="0"/>
                 <a:cs typeface="Microsoft YaHei" charset="0"/>
               </a:rPr>
-              <a:t>中间件</a:t>
+              <a:t> </a:t>
             </a:r>
             <a:r>
               <a:rPr lang="zh-CN" altLang="en-US" sz="1200" dirty="0" smtClean="0">
@@ -604,489 +662,7 @@
                 <a:ea typeface="Microsoft YaHei" charset="0"/>
                 <a:cs typeface="Microsoft YaHei" charset="0"/>
               </a:rPr>
-              <a:t>（</a:t>
-            </a:r>
-            <a:r>
-              <a:rPr lang="en-US" altLang="zh-CN" sz="1200" dirty="0" smtClean="0">
-                <a:latin typeface="Microsoft YaHei" charset="0"/>
-                <a:ea typeface="Microsoft YaHei" charset="0"/>
-                <a:cs typeface="Microsoft YaHei" charset="0"/>
-              </a:rPr>
-              <a:t>9</a:t>
-            </a:r>
-            <a:r>
-              <a:rPr lang="zh-CN" altLang="en-US" sz="1200" dirty="0" smtClean="0">
-                <a:latin typeface="Microsoft YaHei" charset="0"/>
-                <a:ea typeface="Microsoft YaHei" charset="0"/>
-                <a:cs typeface="Microsoft YaHei" charset="0"/>
-              </a:rPr>
-              <a:t>）</a:t>
-            </a:r>
-          </a:p>
-          <a:p>
-            <a:r>
-              <a:rPr lang="en-US" altLang="zh-CN" sz="1200" dirty="0" smtClean="0">
-                <a:latin typeface="Microsoft YaHei" charset="0"/>
-                <a:ea typeface="Microsoft YaHei" charset="0"/>
-                <a:cs typeface="Microsoft YaHei" charset="0"/>
-              </a:rPr>
-              <a:t>1</a:t>
-            </a:r>
-            <a:r>
-              <a:rPr lang="zh-CN" altLang="en-US" sz="1200" dirty="0" smtClean="0">
-                <a:latin typeface="Microsoft YaHei" charset="0"/>
-                <a:ea typeface="Microsoft YaHei" charset="0"/>
-                <a:cs typeface="Microsoft YaHei" charset="0"/>
-              </a:rPr>
-              <a:t>、</a:t>
-            </a:r>
-            <a:r>
-              <a:rPr lang="zh-CN" altLang="en-US" sz="1200" dirty="0" smtClean="0">
-                <a:latin typeface="Microsoft YaHei" charset="0"/>
-                <a:ea typeface="Microsoft YaHei" charset="0"/>
-                <a:cs typeface="Microsoft YaHei" charset="0"/>
-              </a:rPr>
-              <a:t>集群</a:t>
-            </a:r>
-            <a:r>
-              <a:rPr lang="zh-CN" altLang="en-US" sz="1200" dirty="0" smtClean="0">
-                <a:latin typeface="Microsoft YaHei" charset="0"/>
-                <a:ea typeface="Microsoft YaHei" charset="0"/>
-                <a:cs typeface="Microsoft YaHei" charset="0"/>
-              </a:rPr>
-              <a:t>（负载</a:t>
-            </a:r>
-            <a:r>
-              <a:rPr lang="en-US" altLang="zh-CN" sz="1200" dirty="0" smtClean="0">
-                <a:latin typeface="Microsoft YaHei" charset="0"/>
-                <a:ea typeface="Microsoft YaHei" charset="0"/>
-                <a:cs typeface="Microsoft YaHei" charset="0"/>
-              </a:rPr>
-              <a:t>/</a:t>
-            </a:r>
-            <a:r>
-              <a:rPr lang="zh-CN" altLang="en-US" sz="1200" dirty="0" smtClean="0">
-                <a:latin typeface="Microsoft YaHei" charset="0"/>
-                <a:ea typeface="Microsoft YaHei" charset="0"/>
-                <a:cs typeface="Microsoft YaHei" charset="0"/>
-              </a:rPr>
-              <a:t>网关）：</a:t>
-            </a:r>
-            <a:r>
-              <a:rPr lang="en-US" altLang="zh-CN" sz="1200" dirty="0" smtClean="0">
-                <a:latin typeface="Microsoft YaHei" charset="0"/>
-                <a:ea typeface="Microsoft YaHei" charset="0"/>
-                <a:cs typeface="Microsoft YaHei" charset="0"/>
-              </a:rPr>
-              <a:t>nginx</a:t>
-            </a:r>
-            <a:r>
-              <a:rPr lang="zh-CN" altLang="en-US" sz="1200" dirty="0" smtClean="0">
-                <a:latin typeface="Microsoft YaHei" charset="0"/>
-                <a:ea typeface="Microsoft YaHei" charset="0"/>
-                <a:cs typeface="Microsoft YaHei" charset="0"/>
-              </a:rPr>
-              <a:t> </a:t>
-            </a:r>
-          </a:p>
-          <a:p>
-            <a:r>
-              <a:rPr lang="en-US" altLang="zh-CN" sz="1200" dirty="0" smtClean="0">
-                <a:latin typeface="Microsoft YaHei" charset="0"/>
-                <a:ea typeface="Microsoft YaHei" charset="0"/>
-                <a:cs typeface="Microsoft YaHei" charset="0"/>
-              </a:rPr>
-              <a:t>2</a:t>
-            </a:r>
-            <a:r>
-              <a:rPr lang="zh-CN" altLang="en-US" sz="1200" dirty="0" smtClean="0">
-                <a:latin typeface="Microsoft YaHei" charset="0"/>
-                <a:ea typeface="Microsoft YaHei" charset="0"/>
-                <a:cs typeface="Microsoft YaHei" charset="0"/>
-              </a:rPr>
-              <a:t>、缓存：</a:t>
-            </a:r>
-            <a:r>
-              <a:rPr lang="en-US" altLang="zh-CN" sz="1200" dirty="0" smtClean="0">
-                <a:latin typeface="Microsoft YaHei" charset="0"/>
-                <a:ea typeface="Microsoft YaHei" charset="0"/>
-                <a:cs typeface="Microsoft YaHei" charset="0"/>
-              </a:rPr>
-              <a:t>XXL-CACHE/ redis cluster</a:t>
-            </a:r>
-            <a:endParaRPr lang="zh-CN" altLang="en-US" sz="1200" dirty="0" smtClean="0">
-              <a:latin typeface="Microsoft YaHei" charset="0"/>
-              <a:ea typeface="Microsoft YaHei" charset="0"/>
-              <a:cs typeface="Microsoft YaHei" charset="0"/>
-            </a:endParaRPr>
-          </a:p>
-          <a:p>
-            <a:r>
-              <a:rPr lang="en-US" altLang="zh-CN" sz="1200" dirty="0" smtClean="0">
-                <a:latin typeface="Microsoft YaHei" charset="0"/>
-                <a:ea typeface="Microsoft YaHei" charset="0"/>
-                <a:cs typeface="Microsoft YaHei" charset="0"/>
-              </a:rPr>
-              <a:t>3</a:t>
-            </a:r>
-            <a:r>
-              <a:rPr lang="zh-CN" altLang="en-US" sz="1200" dirty="0" smtClean="0">
-                <a:latin typeface="Microsoft YaHei" charset="0"/>
-                <a:ea typeface="Microsoft YaHei" charset="0"/>
-                <a:cs typeface="Microsoft YaHei" charset="0"/>
-              </a:rPr>
-              <a:t>、通讯：</a:t>
-            </a:r>
-            <a:r>
-              <a:rPr lang="en-US" altLang="zh-CN" sz="1200" dirty="0" smtClean="0">
-                <a:latin typeface="Microsoft YaHei" charset="0"/>
-                <a:ea typeface="Microsoft YaHei" charset="0"/>
-                <a:cs typeface="Microsoft YaHei" charset="0"/>
-              </a:rPr>
-              <a:t>XXL-RPC</a:t>
-            </a:r>
-            <a:endParaRPr lang="zh-CN" altLang="en-US" sz="1200" dirty="0" smtClean="0">
-              <a:latin typeface="Microsoft YaHei" charset="0"/>
-              <a:ea typeface="Microsoft YaHei" charset="0"/>
-              <a:cs typeface="Microsoft YaHei" charset="0"/>
-            </a:endParaRPr>
-          </a:p>
-          <a:p>
-            <a:r>
-              <a:rPr lang="en-US" altLang="zh-CN" sz="1200" dirty="0" smtClean="0">
-                <a:latin typeface="Microsoft YaHei" charset="0"/>
-                <a:ea typeface="Microsoft YaHei" charset="0"/>
-                <a:cs typeface="Microsoft YaHei" charset="0"/>
-              </a:rPr>
-              <a:t>4</a:t>
-            </a:r>
-            <a:r>
-              <a:rPr lang="zh-CN" altLang="en-US" sz="1200" dirty="0" smtClean="0">
-                <a:latin typeface="Microsoft YaHei" charset="0"/>
-                <a:ea typeface="Microsoft YaHei" charset="0"/>
-                <a:cs typeface="Microsoft YaHei" charset="0"/>
-              </a:rPr>
-              <a:t>、队列：</a:t>
-            </a:r>
-            <a:r>
-              <a:rPr lang="en-US" altLang="zh-CN" sz="1200" dirty="0" smtClean="0">
-                <a:latin typeface="Microsoft YaHei" charset="0"/>
-                <a:ea typeface="Microsoft YaHei" charset="0"/>
-                <a:cs typeface="Microsoft YaHei" charset="0"/>
-              </a:rPr>
-              <a:t> XXL-MQ</a:t>
-            </a:r>
-            <a:endParaRPr lang="zh-CN" altLang="en-US" sz="1200" dirty="0" smtClean="0">
-              <a:latin typeface="Microsoft YaHei" charset="0"/>
-              <a:ea typeface="Microsoft YaHei" charset="0"/>
-              <a:cs typeface="Microsoft YaHei" charset="0"/>
-            </a:endParaRPr>
-          </a:p>
-          <a:p>
-            <a:r>
-              <a:rPr lang="en-US" altLang="zh-CN" sz="1200" dirty="0" smtClean="0">
-                <a:latin typeface="Microsoft YaHei" charset="0"/>
-                <a:ea typeface="Microsoft YaHei" charset="0"/>
-                <a:cs typeface="Microsoft YaHei" charset="0"/>
-              </a:rPr>
-              <a:t>5</a:t>
-            </a:r>
-            <a:r>
-              <a:rPr lang="zh-CN" altLang="en-US" sz="1200" dirty="0" smtClean="0">
-                <a:latin typeface="Microsoft YaHei" charset="0"/>
-                <a:ea typeface="Microsoft YaHei" charset="0"/>
-                <a:cs typeface="Microsoft YaHei" charset="0"/>
-              </a:rPr>
-              <a:t>、调度：</a:t>
-            </a:r>
-            <a:r>
-              <a:rPr lang="en-US" altLang="zh-CN" sz="1200" dirty="0" smtClean="0">
-                <a:latin typeface="Microsoft YaHei" charset="0"/>
-                <a:ea typeface="Microsoft YaHei" charset="0"/>
-                <a:cs typeface="Microsoft YaHei" charset="0"/>
-              </a:rPr>
-              <a:t>XXL-JOB</a:t>
-            </a:r>
-            <a:endParaRPr lang="zh-CN" altLang="en-US" sz="1200" dirty="0" smtClean="0">
-              <a:latin typeface="Microsoft YaHei" charset="0"/>
-              <a:ea typeface="Microsoft YaHei" charset="0"/>
-              <a:cs typeface="Microsoft YaHei" charset="0"/>
-            </a:endParaRPr>
-          </a:p>
-          <a:p>
-            <a:r>
-              <a:rPr lang="en-US" altLang="zh-CN" sz="1200" dirty="0" smtClean="0">
-                <a:latin typeface="Microsoft YaHei" charset="0"/>
-                <a:ea typeface="Microsoft YaHei" charset="0"/>
-                <a:cs typeface="Microsoft YaHei" charset="0"/>
-              </a:rPr>
-              <a:t>6</a:t>
-            </a:r>
-            <a:r>
-              <a:rPr lang="zh-CN" altLang="en-US" sz="1200" dirty="0" smtClean="0">
-                <a:latin typeface="Microsoft YaHei" charset="0"/>
-                <a:ea typeface="Microsoft YaHei" charset="0"/>
-                <a:cs typeface="Microsoft YaHei" charset="0"/>
-              </a:rPr>
-              <a:t>、配置：</a:t>
-            </a:r>
-            <a:r>
-              <a:rPr lang="en-US" altLang="zh-CN" sz="1200" dirty="0" smtClean="0">
-                <a:latin typeface="Microsoft YaHei" charset="0"/>
-                <a:ea typeface="Microsoft YaHei" charset="0"/>
-                <a:cs typeface="Microsoft YaHei" charset="0"/>
-              </a:rPr>
-              <a:t>XXL-CONF</a:t>
-            </a:r>
-            <a:endParaRPr lang="zh-CN" altLang="en-US" sz="1200" dirty="0" smtClean="0">
-              <a:latin typeface="Microsoft YaHei" charset="0"/>
-              <a:ea typeface="Microsoft YaHei" charset="0"/>
-              <a:cs typeface="Microsoft YaHei" charset="0"/>
-            </a:endParaRPr>
-          </a:p>
-          <a:p>
-            <a:r>
-              <a:rPr lang="en-US" altLang="zh-CN" sz="1200" dirty="0" smtClean="0">
-                <a:latin typeface="Microsoft YaHei" charset="0"/>
-                <a:ea typeface="Microsoft YaHei" charset="0"/>
-                <a:cs typeface="Microsoft YaHei" charset="0"/>
-              </a:rPr>
-              <a:t>7</a:t>
-            </a:r>
-            <a:r>
-              <a:rPr lang="zh-CN" altLang="en-US" sz="1200" dirty="0" smtClean="0">
-                <a:latin typeface="Microsoft YaHei" charset="0"/>
-                <a:ea typeface="Microsoft YaHei" charset="0"/>
-                <a:cs typeface="Microsoft YaHei" charset="0"/>
-              </a:rPr>
-              <a:t>、注册中心：</a:t>
-            </a:r>
-            <a:r>
-              <a:rPr lang="en-US" altLang="zh-CN" sz="1200" dirty="0" smtClean="0">
-                <a:latin typeface="Microsoft YaHei" charset="0"/>
-                <a:ea typeface="Microsoft YaHei" charset="0"/>
-                <a:cs typeface="Microsoft YaHei" charset="0"/>
-              </a:rPr>
-              <a:t>XXL-REGISTRY</a:t>
-            </a:r>
-            <a:endParaRPr lang="zh-CN" altLang="en-US" sz="1200" dirty="0" smtClean="0">
-              <a:latin typeface="Microsoft YaHei" charset="0"/>
-              <a:ea typeface="Microsoft YaHei" charset="0"/>
-              <a:cs typeface="Microsoft YaHei" charset="0"/>
-            </a:endParaRPr>
-          </a:p>
-          <a:p>
-            <a:r>
-              <a:rPr lang="en-US" altLang="zh-CN" sz="1200" dirty="0" smtClean="0">
-                <a:latin typeface="Microsoft YaHei" charset="0"/>
-                <a:ea typeface="Microsoft YaHei" charset="0"/>
-                <a:cs typeface="Microsoft YaHei" charset="0"/>
-              </a:rPr>
-              <a:t>8</a:t>
-            </a:r>
-            <a:r>
-              <a:rPr lang="zh-CN" altLang="en-US" sz="1200" dirty="0" smtClean="0">
-                <a:latin typeface="Microsoft YaHei" charset="0"/>
-                <a:ea typeface="Microsoft YaHei" charset="0"/>
-                <a:cs typeface="Microsoft YaHei" charset="0"/>
-              </a:rPr>
-              <a:t>、数据库访问层</a:t>
-            </a:r>
-            <a:r>
-              <a:rPr lang="en-US" altLang="zh-CN" sz="1200" dirty="0" smtClean="0">
-                <a:latin typeface="Microsoft YaHei" charset="0"/>
-                <a:ea typeface="Microsoft YaHei" charset="0"/>
-                <a:cs typeface="Microsoft YaHei" charset="0"/>
-              </a:rPr>
-              <a:t>DAL</a:t>
-            </a:r>
-            <a:r>
-              <a:rPr lang="zh-CN" altLang="en-US" sz="1200" dirty="0" smtClean="0">
-                <a:latin typeface="Microsoft YaHei" charset="0"/>
-                <a:ea typeface="Microsoft YaHei" charset="0"/>
-                <a:cs typeface="Microsoft YaHei" charset="0"/>
-              </a:rPr>
-              <a:t>（读写分离、分库分</a:t>
-            </a:r>
-          </a:p>
-          <a:p>
-            <a:r>
-              <a:rPr lang="zh-CN" altLang="en-US" sz="1200" dirty="0" smtClean="0">
-                <a:latin typeface="Microsoft YaHei" charset="0"/>
-                <a:ea typeface="Microsoft YaHei" charset="0"/>
-                <a:cs typeface="Microsoft YaHei" charset="0"/>
-              </a:rPr>
-              <a:t>表）：</a:t>
-            </a:r>
-            <a:r>
-              <a:rPr lang="en-US" altLang="zh-CN" sz="1200" dirty="0" smtClean="0">
-                <a:latin typeface="Microsoft YaHei" charset="0"/>
-                <a:ea typeface="Microsoft YaHei" charset="0"/>
-                <a:cs typeface="Microsoft YaHei" charset="0"/>
-              </a:rPr>
-              <a:t>Zebra</a:t>
-            </a:r>
-            <a:r>
-              <a:rPr lang="zh-CN" altLang="en-US" sz="1200" dirty="0" smtClean="0">
-                <a:latin typeface="Microsoft YaHei" charset="0"/>
-                <a:ea typeface="Microsoft YaHei" charset="0"/>
-                <a:cs typeface="Microsoft YaHei" charset="0"/>
-              </a:rPr>
-              <a:t>、</a:t>
-            </a:r>
-            <a:r>
-              <a:rPr lang="en-US" altLang="zh-CN" sz="1200" dirty="0" smtClean="0">
-                <a:latin typeface="Microsoft YaHei" charset="0"/>
-                <a:ea typeface="Microsoft YaHei" charset="0"/>
-                <a:cs typeface="Microsoft YaHei" charset="0"/>
-              </a:rPr>
-              <a:t>Sharding-jdbc</a:t>
-            </a:r>
-            <a:endParaRPr lang="zh-CN" altLang="en-US" sz="1200" dirty="0" smtClean="0">
-              <a:latin typeface="Microsoft YaHei" charset="0"/>
-              <a:ea typeface="Microsoft YaHei" charset="0"/>
-              <a:cs typeface="Microsoft YaHei" charset="0"/>
-            </a:endParaRPr>
-          </a:p>
-          <a:p>
-            <a:r>
-              <a:rPr lang="en-US" altLang="zh-CN" sz="1200" dirty="0" smtClean="0">
-                <a:latin typeface="Microsoft YaHei" charset="0"/>
-                <a:ea typeface="Microsoft YaHei" charset="0"/>
-                <a:cs typeface="Microsoft YaHei" charset="0"/>
-              </a:rPr>
-              <a:t>9</a:t>
-            </a:r>
-            <a:r>
-              <a:rPr lang="zh-CN" altLang="en-US" sz="1200" dirty="0" smtClean="0">
-                <a:latin typeface="Microsoft YaHei" charset="0"/>
-                <a:ea typeface="Microsoft YaHei" charset="0"/>
-                <a:cs typeface="Microsoft YaHei" charset="0"/>
-              </a:rPr>
-              <a:t>、监控、报警：</a:t>
-            </a:r>
-            <a:r>
-              <a:rPr lang="en-US" altLang="zh-CN" sz="1200" dirty="0" smtClean="0">
-                <a:latin typeface="Microsoft YaHei" charset="0"/>
-                <a:ea typeface="Microsoft YaHei" charset="0"/>
-                <a:cs typeface="Microsoft YaHei" charset="0"/>
-              </a:rPr>
-              <a:t>Cat</a:t>
-            </a:r>
-            <a:r>
-              <a:rPr lang="zh-CN" altLang="en-US" sz="1200" dirty="0" smtClean="0">
-                <a:latin typeface="Microsoft YaHei" charset="0"/>
-                <a:ea typeface="Microsoft YaHei" charset="0"/>
-                <a:cs typeface="Microsoft YaHei" charset="0"/>
-              </a:rPr>
-              <a:t> </a:t>
-            </a:r>
-          </a:p>
-          <a:p>
-            <a:r>
-              <a:rPr lang="en-US" altLang="zh-CN" sz="1200" dirty="0" smtClean="0">
-                <a:latin typeface="Microsoft YaHei" charset="0"/>
-                <a:ea typeface="Microsoft YaHei" charset="0"/>
-                <a:cs typeface="Microsoft YaHei" charset="0"/>
-              </a:rPr>
-              <a:t>---</a:t>
-            </a:r>
-            <a:r>
-              <a:rPr lang="zh-CN" altLang="en-US" sz="1200" dirty="0" smtClean="0">
-                <a:latin typeface="Microsoft YaHei" charset="0"/>
-                <a:ea typeface="Microsoft YaHei" charset="0"/>
-                <a:cs typeface="Microsoft YaHei" charset="0"/>
-              </a:rPr>
-              <a:t> </a:t>
-            </a:r>
-            <a:r>
-              <a:rPr lang="en-US" altLang="zh-CN" sz="1200" dirty="0" smtClean="0">
-                <a:latin typeface="Microsoft YaHei" charset="0"/>
-                <a:ea typeface="Microsoft YaHei" charset="0"/>
-                <a:cs typeface="Microsoft YaHei" charset="0"/>
-              </a:rPr>
-              <a:t>---</a:t>
-            </a:r>
-            <a:r>
-              <a:rPr lang="zh-CN" altLang="en-US" sz="1200" dirty="0" smtClean="0">
-                <a:latin typeface="Microsoft YaHei" charset="0"/>
-                <a:ea typeface="Microsoft YaHei" charset="0"/>
-                <a:cs typeface="Microsoft YaHei" charset="0"/>
-              </a:rPr>
-              <a:t> 基础服务（</a:t>
-            </a:r>
-            <a:r>
-              <a:rPr lang="en-US" altLang="zh-CN" sz="1200" dirty="0" smtClean="0">
-                <a:latin typeface="Microsoft YaHei" charset="0"/>
-                <a:ea typeface="Microsoft YaHei" charset="0"/>
-                <a:cs typeface="Microsoft YaHei" charset="0"/>
-              </a:rPr>
-              <a:t>2</a:t>
-            </a:r>
-            <a:r>
-              <a:rPr lang="zh-CN" altLang="en-US" sz="1200" dirty="0" smtClean="0">
-                <a:latin typeface="Microsoft YaHei" charset="0"/>
-                <a:ea typeface="Microsoft YaHei" charset="0"/>
-                <a:cs typeface="Microsoft YaHei" charset="0"/>
-              </a:rPr>
-              <a:t>）</a:t>
-            </a:r>
-          </a:p>
-          <a:p>
-            <a:r>
-              <a:rPr lang="en-US" altLang="zh-CN" sz="1200" dirty="0" smtClean="0">
-                <a:latin typeface="Microsoft YaHei" charset="0"/>
-                <a:ea typeface="Microsoft YaHei" charset="0"/>
-                <a:cs typeface="Microsoft YaHei" charset="0"/>
-              </a:rPr>
-              <a:t>10</a:t>
-            </a:r>
-            <a:r>
-              <a:rPr lang="zh-CN" altLang="en-US" sz="1200" dirty="0" smtClean="0">
-                <a:latin typeface="Microsoft YaHei" charset="0"/>
-                <a:ea typeface="Microsoft YaHei" charset="0"/>
-                <a:cs typeface="Microsoft YaHei" charset="0"/>
-              </a:rPr>
-              <a:t>、单点登录：</a:t>
-            </a:r>
-            <a:r>
-              <a:rPr lang="en-US" altLang="zh-CN" sz="1200" dirty="0" smtClean="0">
-                <a:latin typeface="Microsoft YaHei" charset="0"/>
-                <a:ea typeface="Microsoft YaHei" charset="0"/>
-                <a:cs typeface="Microsoft YaHei" charset="0"/>
-              </a:rPr>
-              <a:t>XXL-SSO</a:t>
-            </a:r>
-            <a:endParaRPr lang="zh-CN" altLang="en-US" sz="1200" dirty="0" smtClean="0">
-              <a:latin typeface="Microsoft YaHei" charset="0"/>
-              <a:ea typeface="Microsoft YaHei" charset="0"/>
-              <a:cs typeface="Microsoft YaHei" charset="0"/>
-            </a:endParaRPr>
-          </a:p>
-          <a:p>
-            <a:r>
-              <a:rPr lang="en-US" altLang="zh-CN" sz="1200" dirty="0" smtClean="0">
-                <a:latin typeface="Microsoft YaHei" charset="0"/>
-                <a:ea typeface="Microsoft YaHei" charset="0"/>
-                <a:cs typeface="Microsoft YaHei" charset="0"/>
-              </a:rPr>
-              <a:t>11</a:t>
-            </a:r>
-            <a:r>
-              <a:rPr lang="zh-CN" altLang="en-US" sz="1200" dirty="0" smtClean="0">
-                <a:latin typeface="Microsoft YaHei" charset="0"/>
-                <a:ea typeface="Microsoft YaHei" charset="0"/>
-                <a:cs typeface="Microsoft YaHei" charset="0"/>
-              </a:rPr>
-              <a:t>、搜索：</a:t>
-            </a:r>
-            <a:r>
-              <a:rPr lang="en-US" altLang="zh-CN" sz="1200" dirty="0" smtClean="0">
-                <a:latin typeface="Microsoft YaHei" charset="0"/>
-                <a:ea typeface="Microsoft YaHei" charset="0"/>
-                <a:cs typeface="Microsoft YaHei" charset="0"/>
-              </a:rPr>
-              <a:t>XXL-SEARCH/ES</a:t>
+              <a:t>服务泛化调用</a:t>
             </a:r>
             <a:endParaRPr lang="zh-CN" altLang="en-US" sz="1200" dirty="0" smtClean="0">
               <a:latin typeface="Microsoft YaHei" charset="0"/>
@@ -1118,6 +694,360 @@
                 <a:ea typeface="Microsoft YaHei" charset="0"/>
                 <a:cs typeface="Microsoft YaHei" charset="0"/>
               </a:rPr>
+              <a:t>2</a:t>
+            </a:r>
+            <a:r>
+              <a:rPr lang="zh-CN" altLang="en-US" sz="1200" dirty="0" smtClean="0">
+                <a:latin typeface="Microsoft YaHei" charset="0"/>
+                <a:ea typeface="Microsoft YaHei" charset="0"/>
+                <a:cs typeface="Microsoft YaHei" charset="0"/>
+              </a:rPr>
+              <a:t>、</a:t>
+            </a:r>
+            <a:r>
+              <a:rPr lang="zh-CN" altLang="en-US" sz="1200" dirty="0" smtClean="0">
+                <a:latin typeface="Microsoft YaHei" charset="0"/>
+                <a:ea typeface="Microsoft YaHei" charset="0"/>
+                <a:cs typeface="Microsoft YaHei" charset="0"/>
+              </a:rPr>
+              <a:t>服务</a:t>
+            </a:r>
+            <a:r>
+              <a:rPr lang="zh-CN" altLang="en-US" sz="1200" dirty="0" smtClean="0">
+                <a:latin typeface="Microsoft YaHei" charset="0"/>
+                <a:ea typeface="Microsoft YaHei" charset="0"/>
+                <a:cs typeface="Microsoft YaHei" charset="0"/>
+              </a:rPr>
+              <a:t>：</a:t>
+            </a:r>
+            <a:r>
+              <a:rPr lang="en-US" altLang="zh-CN" sz="1200" dirty="0" smtClean="0">
+                <a:latin typeface="Microsoft YaHei" charset="0"/>
+                <a:ea typeface="Microsoft YaHei" charset="0"/>
+                <a:cs typeface="Microsoft YaHei" charset="0"/>
+              </a:rPr>
+              <a:t>XXL-RPC</a:t>
+            </a:r>
+            <a:endParaRPr lang="zh-CN" altLang="en-US" sz="1200" dirty="0" smtClean="0">
+              <a:latin typeface="Microsoft YaHei" charset="0"/>
+              <a:ea typeface="Microsoft YaHei" charset="0"/>
+              <a:cs typeface="Microsoft YaHei" charset="0"/>
+            </a:endParaRPr>
+          </a:p>
+          <a:p>
+            <a:r>
+              <a:rPr lang="en-US" altLang="zh-CN" sz="1200" dirty="0" smtClean="0">
+                <a:latin typeface="Microsoft YaHei" charset="0"/>
+                <a:ea typeface="Microsoft YaHei" charset="0"/>
+                <a:cs typeface="Microsoft YaHei" charset="0"/>
+              </a:rPr>
+              <a:t>3</a:t>
+            </a:r>
+            <a:r>
+              <a:rPr lang="zh-CN" altLang="en-US" sz="1200" dirty="0" smtClean="0">
+                <a:latin typeface="Microsoft YaHei" charset="0"/>
+                <a:ea typeface="Microsoft YaHei" charset="0"/>
+                <a:cs typeface="Microsoft YaHei" charset="0"/>
+              </a:rPr>
+              <a:t>、</a:t>
+            </a:r>
+            <a:r>
+              <a:rPr lang="zh-CN" altLang="en-US" sz="1200" dirty="0" smtClean="0">
+                <a:latin typeface="Microsoft YaHei" charset="0"/>
+                <a:ea typeface="Microsoft YaHei" charset="0"/>
+                <a:cs typeface="Microsoft YaHei" charset="0"/>
+              </a:rPr>
+              <a:t>缓存：</a:t>
+            </a:r>
+            <a:r>
+              <a:rPr lang="en-US" altLang="zh-CN" sz="1200" dirty="0" smtClean="0">
+                <a:latin typeface="Microsoft YaHei" charset="0"/>
+                <a:ea typeface="Microsoft YaHei" charset="0"/>
+                <a:cs typeface="Microsoft YaHei" charset="0"/>
+              </a:rPr>
+              <a:t>XXL-CACHE/ redis cluster</a:t>
+            </a:r>
+            <a:endParaRPr lang="zh-CN" altLang="en-US" sz="1200" dirty="0" smtClean="0">
+              <a:latin typeface="Microsoft YaHei" charset="0"/>
+              <a:ea typeface="Microsoft YaHei" charset="0"/>
+              <a:cs typeface="Microsoft YaHei" charset="0"/>
+            </a:endParaRPr>
+          </a:p>
+          <a:p>
+            <a:r>
+              <a:rPr lang="en-US" altLang="zh-CN" sz="1200" dirty="0" smtClean="0">
+                <a:latin typeface="Microsoft YaHei" charset="0"/>
+                <a:ea typeface="Microsoft YaHei" charset="0"/>
+                <a:cs typeface="Microsoft YaHei" charset="0"/>
+              </a:rPr>
+              <a:t>4</a:t>
+            </a:r>
+            <a:r>
+              <a:rPr lang="zh-CN" altLang="en-US" sz="1200" dirty="0" smtClean="0">
+                <a:latin typeface="Microsoft YaHei" charset="0"/>
+                <a:ea typeface="Microsoft YaHei" charset="0"/>
+                <a:cs typeface="Microsoft YaHei" charset="0"/>
+              </a:rPr>
+              <a:t>、队列：</a:t>
+            </a:r>
+            <a:r>
+              <a:rPr lang="en-US" altLang="zh-CN" sz="1200" dirty="0" smtClean="0">
+                <a:latin typeface="Microsoft YaHei" charset="0"/>
+                <a:ea typeface="Microsoft YaHei" charset="0"/>
+                <a:cs typeface="Microsoft YaHei" charset="0"/>
+              </a:rPr>
+              <a:t> XXL-MQ</a:t>
+            </a:r>
+            <a:endParaRPr lang="zh-CN" altLang="en-US" sz="1200" dirty="0" smtClean="0">
+              <a:latin typeface="Microsoft YaHei" charset="0"/>
+              <a:ea typeface="Microsoft YaHei" charset="0"/>
+              <a:cs typeface="Microsoft YaHei" charset="0"/>
+            </a:endParaRPr>
+          </a:p>
+          <a:p>
+            <a:r>
+              <a:rPr lang="en-US" altLang="zh-CN" sz="1200" dirty="0" smtClean="0">
+                <a:latin typeface="Microsoft YaHei" charset="0"/>
+                <a:ea typeface="Microsoft YaHei" charset="0"/>
+                <a:cs typeface="Microsoft YaHei" charset="0"/>
+              </a:rPr>
+              <a:t>5</a:t>
+            </a:r>
+            <a:r>
+              <a:rPr lang="zh-CN" altLang="en-US" sz="1200" dirty="0" smtClean="0">
+                <a:latin typeface="Microsoft YaHei" charset="0"/>
+                <a:ea typeface="Microsoft YaHei" charset="0"/>
+                <a:cs typeface="Microsoft YaHei" charset="0"/>
+              </a:rPr>
+              <a:t>、调度：</a:t>
+            </a:r>
+            <a:r>
+              <a:rPr lang="en-US" altLang="zh-CN" sz="1200" dirty="0" smtClean="0">
+                <a:latin typeface="Microsoft YaHei" charset="0"/>
+                <a:ea typeface="Microsoft YaHei" charset="0"/>
+                <a:cs typeface="Microsoft YaHei" charset="0"/>
+              </a:rPr>
+              <a:t>XXL-JOB</a:t>
+            </a:r>
+            <a:endParaRPr lang="zh-CN" altLang="en-US" sz="1200" dirty="0" smtClean="0">
+              <a:latin typeface="Microsoft YaHei" charset="0"/>
+              <a:ea typeface="Microsoft YaHei" charset="0"/>
+              <a:cs typeface="Microsoft YaHei" charset="0"/>
+            </a:endParaRPr>
+          </a:p>
+          <a:p>
+            <a:r>
+              <a:rPr lang="en-US" altLang="zh-CN" sz="1200" dirty="0" smtClean="0">
+                <a:latin typeface="Microsoft YaHei" charset="0"/>
+                <a:ea typeface="Microsoft YaHei" charset="0"/>
+                <a:cs typeface="Microsoft YaHei" charset="0"/>
+              </a:rPr>
+              <a:t>6</a:t>
+            </a:r>
+            <a:r>
+              <a:rPr lang="zh-CN" altLang="en-US" sz="1200" dirty="0" smtClean="0">
+                <a:latin typeface="Microsoft YaHei" charset="0"/>
+                <a:ea typeface="Microsoft YaHei" charset="0"/>
+                <a:cs typeface="Microsoft YaHei" charset="0"/>
+              </a:rPr>
+              <a:t>、配置：</a:t>
+            </a:r>
+            <a:r>
+              <a:rPr lang="en-US" altLang="zh-CN" sz="1200" dirty="0" smtClean="0">
+                <a:latin typeface="Microsoft YaHei" charset="0"/>
+                <a:ea typeface="Microsoft YaHei" charset="0"/>
+                <a:cs typeface="Microsoft YaHei" charset="0"/>
+              </a:rPr>
+              <a:t>XXL-CONF</a:t>
+            </a:r>
+            <a:endParaRPr lang="zh-CN" altLang="en-US" sz="1200" dirty="0" smtClean="0">
+              <a:latin typeface="Microsoft YaHei" charset="0"/>
+              <a:ea typeface="Microsoft YaHei" charset="0"/>
+              <a:cs typeface="Microsoft YaHei" charset="0"/>
+            </a:endParaRPr>
+          </a:p>
+          <a:p>
+            <a:r>
+              <a:rPr lang="en-US" altLang="zh-CN" sz="1200" dirty="0" smtClean="0">
+                <a:latin typeface="Microsoft YaHei" charset="0"/>
+                <a:ea typeface="Microsoft YaHei" charset="0"/>
+                <a:cs typeface="Microsoft YaHei" charset="0"/>
+              </a:rPr>
+              <a:t>7</a:t>
+            </a:r>
+            <a:r>
+              <a:rPr lang="zh-CN" altLang="en-US" sz="1200" dirty="0" smtClean="0">
+                <a:latin typeface="Microsoft YaHei" charset="0"/>
+                <a:ea typeface="Microsoft YaHei" charset="0"/>
+                <a:cs typeface="Microsoft YaHei" charset="0"/>
+              </a:rPr>
+              <a:t>、注册中心</a:t>
+            </a:r>
+            <a:r>
+              <a:rPr lang="zh-CN" altLang="en-US" sz="1200" dirty="0" smtClean="0">
+                <a:latin typeface="Microsoft YaHei" charset="0"/>
+                <a:ea typeface="Microsoft YaHei" charset="0"/>
+                <a:cs typeface="Microsoft YaHei" charset="0"/>
+              </a:rPr>
+              <a:t>：</a:t>
+            </a:r>
+            <a:endParaRPr lang="zh-CN" altLang="en-US" sz="1200" dirty="0" smtClean="0">
+              <a:latin typeface="Microsoft YaHei" charset="0"/>
+              <a:ea typeface="Microsoft YaHei" charset="0"/>
+              <a:cs typeface="Microsoft YaHei" charset="0"/>
+            </a:endParaRPr>
+          </a:p>
+          <a:p>
+            <a:r>
+              <a:rPr lang="en-US" altLang="zh-CN" sz="1200" dirty="0" smtClean="0">
+                <a:latin typeface="Microsoft YaHei" charset="0"/>
+                <a:ea typeface="Microsoft YaHei" charset="0"/>
+                <a:cs typeface="Microsoft YaHei" charset="0"/>
+              </a:rPr>
+              <a:t>8</a:t>
+            </a:r>
+            <a:r>
+              <a:rPr lang="zh-CN" altLang="en-US" sz="1200" dirty="0" smtClean="0">
+                <a:latin typeface="Microsoft YaHei" charset="0"/>
+                <a:ea typeface="Microsoft YaHei" charset="0"/>
+                <a:cs typeface="Microsoft YaHei" charset="0"/>
+              </a:rPr>
+              <a:t>、数据库访问</a:t>
+            </a:r>
+            <a:r>
+              <a:rPr lang="zh-CN" altLang="en-US" sz="1200" dirty="0" smtClean="0">
+                <a:latin typeface="Microsoft YaHei" charset="0"/>
+                <a:ea typeface="Microsoft YaHei" charset="0"/>
+                <a:cs typeface="Microsoft YaHei" charset="0"/>
+              </a:rPr>
+              <a:t>层</a:t>
+            </a:r>
+            <a:r>
+              <a:rPr lang="en-US" altLang="zh-CN" sz="1200" dirty="0" smtClean="0">
+                <a:latin typeface="Microsoft YaHei" charset="0"/>
+                <a:ea typeface="Microsoft YaHei" charset="0"/>
+                <a:cs typeface="Microsoft YaHei" charset="0"/>
+              </a:rPr>
+              <a:t>XXL-REGISTRYDAL</a:t>
+            </a:r>
+            <a:r>
+              <a:rPr lang="zh-CN" altLang="en-US" sz="1200" dirty="0" smtClean="0">
+                <a:latin typeface="Microsoft YaHei" charset="0"/>
+                <a:ea typeface="Microsoft YaHei" charset="0"/>
+                <a:cs typeface="Microsoft YaHei" charset="0"/>
+              </a:rPr>
+              <a:t>（读写分离、分库分</a:t>
+            </a:r>
+          </a:p>
+          <a:p>
+            <a:r>
+              <a:rPr lang="zh-CN" altLang="en-US" sz="1200" dirty="0" smtClean="0">
+                <a:latin typeface="Microsoft YaHei" charset="0"/>
+                <a:ea typeface="Microsoft YaHei" charset="0"/>
+                <a:cs typeface="Microsoft YaHei" charset="0"/>
+              </a:rPr>
+              <a:t>表）：</a:t>
+            </a:r>
+            <a:r>
+              <a:rPr lang="en-US" altLang="zh-CN" sz="1200" dirty="0" smtClean="0">
+                <a:latin typeface="Microsoft YaHei" charset="0"/>
+                <a:ea typeface="Microsoft YaHei" charset="0"/>
+                <a:cs typeface="Microsoft YaHei" charset="0"/>
+              </a:rPr>
+              <a:t>Zebra</a:t>
+            </a:r>
+            <a:r>
+              <a:rPr lang="zh-CN" altLang="en-US" sz="1200" dirty="0" smtClean="0">
+                <a:latin typeface="Microsoft YaHei" charset="0"/>
+                <a:ea typeface="Microsoft YaHei" charset="0"/>
+                <a:cs typeface="Microsoft YaHei" charset="0"/>
+              </a:rPr>
+              <a:t>、</a:t>
+            </a:r>
+            <a:r>
+              <a:rPr lang="en-US" altLang="zh-CN" sz="1200" dirty="0" smtClean="0">
+                <a:latin typeface="Microsoft YaHei" charset="0"/>
+                <a:ea typeface="Microsoft YaHei" charset="0"/>
+                <a:cs typeface="Microsoft YaHei" charset="0"/>
+              </a:rPr>
+              <a:t>Sharding-jdbc</a:t>
+            </a:r>
+            <a:endParaRPr lang="zh-CN" altLang="en-US" sz="1200" dirty="0" smtClean="0">
+              <a:latin typeface="Microsoft YaHei" charset="0"/>
+              <a:ea typeface="Microsoft YaHei" charset="0"/>
+              <a:cs typeface="Microsoft YaHei" charset="0"/>
+            </a:endParaRPr>
+          </a:p>
+          <a:p>
+            <a:r>
+              <a:rPr lang="en-US" altLang="zh-CN" sz="1200" dirty="0" smtClean="0">
+                <a:latin typeface="Microsoft YaHei" charset="0"/>
+                <a:ea typeface="Microsoft YaHei" charset="0"/>
+                <a:cs typeface="Microsoft YaHei" charset="0"/>
+              </a:rPr>
+              <a:t>9</a:t>
+            </a:r>
+            <a:r>
+              <a:rPr lang="zh-CN" altLang="en-US" sz="1200" dirty="0" smtClean="0">
+                <a:latin typeface="Microsoft YaHei" charset="0"/>
+                <a:ea typeface="Microsoft YaHei" charset="0"/>
+                <a:cs typeface="Microsoft YaHei" charset="0"/>
+              </a:rPr>
+              <a:t>、</a:t>
+            </a:r>
+            <a:r>
+              <a:rPr lang="zh-CN" altLang="en-US" sz="1200" dirty="0" smtClean="0">
+                <a:latin typeface="Microsoft YaHei" charset="0"/>
+                <a:ea typeface="Microsoft YaHei" charset="0"/>
+                <a:cs typeface="Microsoft YaHei" charset="0"/>
+              </a:rPr>
+              <a:t>监控报警：</a:t>
+            </a:r>
+            <a:r>
+              <a:rPr lang="en-US" altLang="zh-CN" sz="1200" dirty="0" smtClean="0">
+                <a:latin typeface="Microsoft YaHei" charset="0"/>
+                <a:ea typeface="Microsoft YaHei" charset="0"/>
+                <a:cs typeface="Microsoft YaHei" charset="0"/>
+              </a:rPr>
+              <a:t>XXL-APM</a:t>
+            </a:r>
+            <a:r>
+              <a:rPr lang="zh-CN" altLang="en-US" sz="1200" dirty="0" smtClean="0">
+                <a:latin typeface="Microsoft YaHei" charset="0"/>
+                <a:ea typeface="Microsoft YaHei" charset="0"/>
+                <a:cs typeface="Microsoft YaHei" charset="0"/>
+              </a:rPr>
+              <a:t>、</a:t>
+            </a:r>
+            <a:r>
+              <a:rPr lang="en-US" altLang="zh-CN" sz="1200" dirty="0" smtClean="0">
+                <a:latin typeface="Microsoft YaHei" charset="0"/>
+                <a:ea typeface="Microsoft YaHei" charset="0"/>
+                <a:cs typeface="Microsoft YaHei" charset="0"/>
+              </a:rPr>
+              <a:t>Cat</a:t>
+            </a:r>
+            <a:r>
+              <a:rPr lang="zh-CN" altLang="en-US" sz="1200" dirty="0" smtClean="0">
+                <a:latin typeface="Microsoft YaHei" charset="0"/>
+                <a:ea typeface="Microsoft YaHei" charset="0"/>
+                <a:cs typeface="Microsoft YaHei" charset="0"/>
+              </a:rPr>
+              <a:t> </a:t>
+            </a:r>
+            <a:endParaRPr lang="zh-CN" altLang="en-US" sz="1200" dirty="0" smtClean="0">
+              <a:latin typeface="Microsoft YaHei" charset="0"/>
+              <a:ea typeface="Microsoft YaHei" charset="0"/>
+              <a:cs typeface="Microsoft YaHei" charset="0"/>
+            </a:endParaRPr>
+          </a:p>
+          <a:p>
+            <a:r>
+              <a:rPr lang="en-US" altLang="zh-CN" sz="1200" dirty="0" smtClean="0">
+                <a:latin typeface="Microsoft YaHei" charset="0"/>
+                <a:ea typeface="Microsoft YaHei" charset="0"/>
+                <a:cs typeface="Microsoft YaHei" charset="0"/>
+              </a:rPr>
               <a:t>---</a:t>
             </a:r>
             <a:r>
@@ -1142,7 +1072,7 @@
                 <a:ea typeface="Microsoft YaHei" charset="0"/>
                 <a:cs typeface="Microsoft YaHei" charset="0"/>
               </a:rPr>
-              <a:t> </a:t>
+              <a:t> 基础服务（</a:t>
             </a:r>
             <a:r>
               <a:rPr lang="en-US" altLang="zh-CN" sz="1200" dirty="0" smtClean="0">
@@ -1150,7 +1080,7 @@
                 <a:ea typeface="Microsoft YaHei" charset="0"/>
                 <a:cs typeface="Microsoft YaHei" charset="0"/>
               </a:rPr>
-              <a:t>CI</a:t>
+              <a:t>2</a:t>
             </a:r>
             <a:r>
               <a:rPr lang="zh-CN" altLang="en-US" sz="1200" dirty="0" smtClean="0">
@@ -1158,15 +1088,17 @@
                 <a:ea typeface="Microsoft YaHei" charset="0"/>
                 <a:cs typeface="Microsoft YaHei" charset="0"/>
               </a:rPr>
-              <a:t>、</a:t>
-            </a:r>
+              <a:t>）</a:t>
+            </a:r>
+          </a:p>
+          <a:p>
             <a:r>
               <a:rPr lang="en-US" altLang="zh-CN" sz="1200" dirty="0" smtClean="0">
                 <a:latin typeface="Microsoft YaHei" charset="0"/>
                 <a:ea typeface="Microsoft YaHei" charset="0"/>
                 <a:cs typeface="Microsoft YaHei" charset="0"/>
               </a:rPr>
-              <a:t>CD</a:t>
+              <a:t>10</a:t>
             </a:r>
             <a:r>
               <a:rPr lang="zh-CN" altLang="en-US" sz="1200" dirty="0" smtClean="0">
@@ -1174,7 +1106,7 @@
                 <a:ea typeface="Microsoft YaHei" charset="0"/>
                 <a:cs typeface="Microsoft YaHei" charset="0"/>
               </a:rPr>
-              <a:t>（</a:t>
+              <a:t>、单点登录：</a:t>
             </a:r>
             <a:r>
               <a:rPr lang="en-US" altLang="zh-CN" sz="1200" dirty="0" smtClean="0">
@@ -1182,7 +1114,22 @@
                 <a:ea typeface="Microsoft YaHei" charset="0"/>
                 <a:cs typeface="Microsoft YaHei" charset="0"/>
               </a:rPr>
-              <a:t>2</a:t>
+              <a:t>XXL-SSO</a:t>
+            </a:r>
+            <a:endParaRPr lang="zh-CN" altLang="en-US" sz="1200" dirty="0" smtClean="0">
+              <a:latin typeface="Microsoft YaHei" charset="0"/>
+              <a:ea typeface="Microsoft YaHei" charset="0"/>
+              <a:cs typeface="Microsoft YaHei" charset="0"/>
+            </a:endParaRPr>
+          </a:p>
+          <a:p>
+            <a:r>
+              <a:rPr lang="en-US" altLang="zh-CN" sz="1200" dirty="0" smtClean="0">
+                <a:latin typeface="Microsoft YaHei" charset="0"/>
+                <a:ea typeface="Microsoft YaHei" charset="0"/>
+                <a:cs typeface="Microsoft YaHei" charset="0"/>
+              </a:rPr>
+              <a:t>11</a:t>
             </a:r>
             <a:r>
               <a:rPr lang="zh-CN" altLang="en-US" sz="1200" dirty="0" smtClean="0">
@@ -1190,8 +1137,21 @@
                 <a:ea typeface="Microsoft YaHei" charset="0"/>
                 <a:cs typeface="Microsoft YaHei" charset="0"/>
               </a:rPr>
-              <a:t>）</a:t>
-            </a:r>
+              <a:t>、搜索：</a:t>
+            </a:r>
+            <a:r>
+              <a:rPr lang="en-US" altLang="zh-CN" sz="1200" dirty="0" smtClean="0">
+                <a:latin typeface="Microsoft YaHei" charset="0"/>
+                <a:ea typeface="Microsoft YaHei" charset="0"/>
+                <a:cs typeface="Microsoft YaHei" charset="0"/>
+              </a:rPr>
+              <a:t>XXL-SEARCH/ES</a:t>
+            </a:r>
+            <a:endParaRPr lang="zh-CN" altLang="en-US" sz="1200" dirty="0" smtClean="0">
+              <a:latin typeface="Microsoft YaHei" charset="0"/>
+              <a:ea typeface="Microsoft YaHei" charset="0"/>
+              <a:cs typeface="Microsoft YaHei" charset="0"/>
+            </a:endParaRPr>
           </a:p>
           <a:p>
             <a:pPr marL="0" marR="0" indent="0" algn="l" defTabSz="914400" rtl="0" eaLnBrk="1" fontAlgn="auto" latinLnBrk="0" hangingPunct="1">
@@ -1217,7 +1177,7 @@
                 <a:ea typeface="Microsoft YaHei" charset="0"/>
                 <a:cs typeface="Microsoft YaHei" charset="0"/>
               </a:rPr>
-              <a:t>12</a:t>
+              <a:t>---</a:t>
             </a:r>
             <a:r>
               <a:rPr lang="zh-CN" altLang="en-US" sz="1200" dirty="0" smtClean="0">
@@ -1225,6 +1185,38 @@
                 <a:ea typeface="Microsoft YaHei" charset="0"/>
                 <a:cs typeface="Microsoft YaHei" charset="0"/>
               </a:rPr>
+              <a:t> </a:t>
+            </a:r>
+            <a:r>
+              <a:rPr lang="en-US" altLang="zh-CN" sz="1200" dirty="0" smtClean="0">
+                <a:latin typeface="Microsoft YaHei" charset="0"/>
+                <a:ea typeface="Microsoft YaHei" charset="0"/>
+                <a:cs typeface="Microsoft YaHei" charset="0"/>
+              </a:rPr>
+              <a:t>---</a:t>
+            </a:r>
+            <a:r>
+              <a:rPr lang="zh-CN" altLang="en-US" sz="1200" dirty="0" smtClean="0">
+                <a:latin typeface="Microsoft YaHei" charset="0"/>
+                <a:ea typeface="Microsoft YaHei" charset="0"/>
+                <a:cs typeface="Microsoft YaHei" charset="0"/>
+              </a:rPr>
+              <a:t> </a:t>
+            </a:r>
+            <a:r>
+              <a:rPr lang="en-US" altLang="zh-CN" sz="1200" dirty="0" smtClean="0">
+                <a:latin typeface="Microsoft YaHei" charset="0"/>
+                <a:ea typeface="Microsoft YaHei" charset="0"/>
+                <a:cs typeface="Microsoft YaHei" charset="0"/>
+              </a:rPr>
+              <a:t>CI</a:t>
+            </a:r>
+            <a:r>
+              <a:rPr lang="zh-CN" altLang="en-US" sz="1200" dirty="0" smtClean="0">
+                <a:latin typeface="Microsoft YaHei" charset="0"/>
+                <a:ea typeface="Microsoft YaHei" charset="0"/>
+                <a:cs typeface="Microsoft YaHei" charset="0"/>
+              </a:rPr>
               <a:t>、</a:t>
             </a:r>
             <a:r>
@@ -1233,7 +1225,7 @@
                 <a:ea typeface="Microsoft YaHei" charset="0"/>
                 <a:cs typeface="Microsoft YaHei" charset="0"/>
               </a:rPr>
-              <a:t>CI</a:t>
+              <a:t>CD</a:t>
             </a:r>
             <a:r>
               <a:rPr lang="zh-CN" altLang="en-US" sz="1200" dirty="0" smtClean="0">
@@ -1241,7 +1233,7 @@
                 <a:ea typeface="Microsoft YaHei" charset="0"/>
                 <a:cs typeface="Microsoft YaHei" charset="0"/>
               </a:rPr>
-              <a:t>：</a:t>
+              <a:t>（</a:t>
             </a:r>
             <a:r>
               <a:rPr lang="en-US" altLang="zh-CN" sz="1200" dirty="0" smtClean="0">
@@ -1249,13 +1241,16 @@
                 <a:ea typeface="Microsoft YaHei" charset="0"/>
                 <a:cs typeface="Microsoft YaHei" charset="0"/>
               </a:rPr>
-              <a:t>Jenkins</a:t>
-            </a:r>
-            <a:endParaRPr lang="zh-CN" altLang="en-US" sz="1200" dirty="0" smtClean="0">
-              <a:latin typeface="Microsoft YaHei" charset="0"/>
-              <a:ea typeface="Microsoft YaHei" charset="0"/>
-              <a:cs typeface="Microsoft YaHei" charset="0"/>
-            </a:endParaRPr>
+              <a:t>2</a:t>
+            </a:r>
+            <a:r>
+              <a:rPr lang="zh-CN" altLang="en-US" sz="1200" dirty="0" smtClean="0">
+                <a:latin typeface="Microsoft YaHei" charset="0"/>
+                <a:ea typeface="Microsoft YaHei" charset="0"/>
+                <a:cs typeface="Microsoft YaHei" charset="0"/>
+              </a:rPr>
+              <a:t>）</a:t>
+            </a:r>
           </a:p>
           <a:p>
             <a:pPr marL="0" marR="0" indent="0" algn="l" defTabSz="914400" rtl="0" eaLnBrk="1" fontAlgn="auto" latinLnBrk="0" hangingPunct="1">
@@ -1281,7 +1276,7 @@
                 <a:ea typeface="Microsoft YaHei" charset="0"/>
                 <a:cs typeface="Microsoft YaHei" charset="0"/>
               </a:rPr>
-              <a:t>13</a:t>
+              <a:t>12</a:t>
             </a:r>
             <a:r>
               <a:rPr lang="zh-CN" altLang="en-US" sz="1200" dirty="0" smtClean="0">
@@ -1297,7 +1292,7 @@
                 <a:ea typeface="Microsoft YaHei" charset="0"/>
                 <a:cs typeface="Microsoft YaHei" charset="0"/>
               </a:rPr>
-              <a:t>CD</a:t>
+              <a:t>CI</a:t>
             </a:r>
             <a:r>
               <a:rPr lang="zh-CN" altLang="en-US" sz="1200" dirty="0" smtClean="0">
@@ -1313,7 +1308,7 @@
                 <a:ea typeface="Microsoft YaHei" charset="0"/>
                 <a:cs typeface="Microsoft YaHei" charset="0"/>
               </a:rPr>
-              <a:t>Docker</a:t>
+              <a:t>Jenkins</a:t>
             </a:r>
             <a:endParaRPr lang="zh-CN" altLang="en-US" sz="1200" dirty="0" smtClean="0">
               <a:latin typeface="Microsoft YaHei" charset="0"/>
@@ -1345,7 +1340,7 @@
                 <a:ea typeface="Microsoft YaHei" charset="0"/>
                 <a:cs typeface="Microsoft YaHei" charset="0"/>
               </a:rPr>
-              <a:t>---</a:t>
+              <a:t>13</a:t>
             </a:r>
             <a:r>
               <a:rPr lang="zh-CN" altLang="en-US" sz="1200" dirty="0" smtClean="0">
@@ -1353,7 +1348,7 @@
                 <a:ea typeface="Microsoft YaHei" charset="0"/>
                 <a:cs typeface="Microsoft YaHei" charset="0"/>
               </a:rPr>
-              <a:t> </a:t>
+              <a:t>、</a:t>
             </a:r>
             <a:r>
               <a:rPr lang="en-US" altLang="zh-CN" sz="1200" dirty="0" smtClean="0">
@@ -1361,7 +1356,7 @@
                 <a:ea typeface="Microsoft YaHei" charset="0"/>
                 <a:cs typeface="Microsoft YaHei" charset="0"/>
               </a:rPr>
-              <a:t>---</a:t>
+              <a:t>CD</a:t>
             </a:r>
             <a:r>
               <a:rPr lang="zh-CN" altLang="en-US" sz="1200" dirty="0" smtClean="0">
@@ -1369,21 +1364,72 @@
                 <a:ea typeface="Microsoft YaHei" charset="0"/>
                 <a:cs typeface="Microsoft YaHei" charset="0"/>
               </a:rPr>
-              <a:t> </a:t>
-            </a:r>
-            <a:r>
-              <a:rPr lang="zh-CN" altLang="en-US" sz="1200" dirty="0" smtClean="0">
-                <a:latin typeface="Microsoft YaHei" charset="0"/>
-                <a:ea typeface="Microsoft YaHei" charset="0"/>
-                <a:cs typeface="Microsoft YaHei" charset="0"/>
-              </a:rPr>
-              <a:t>存储</a:t>
+              <a:t>：</a:t>
+            </a:r>
+            <a:r>
+              <a:rPr lang="en-US" altLang="zh-CN" sz="1200" dirty="0" smtClean="0">
+                <a:latin typeface="Microsoft YaHei" charset="0"/>
+                <a:ea typeface="Microsoft YaHei" charset="0"/>
+                <a:cs typeface="Microsoft YaHei" charset="0"/>
+              </a:rPr>
+              <a:t>Docker</a:t>
             </a:r>
             <a:endParaRPr lang="zh-CN" altLang="en-US" sz="1200" dirty="0" smtClean="0">
               <a:latin typeface="Microsoft YaHei" charset="0"/>
               <a:ea typeface="Microsoft YaHei" charset="0"/>
               <a:cs typeface="Microsoft YaHei" charset="0"/>
             </a:endParaRPr>
+          </a:p>
+          <a:p>
+            <a:pPr marL="0" marR="0" indent="0" algn="l" defTabSz="914400" rtl="0" eaLnBrk="1" fontAlgn="auto" latinLnBrk="0" hangingPunct="1">
+              <a:lnSpc>
+                <a:spcPct val="100000"/>
+              </a:lnSpc>
+              <a:spcBef>
+                <a:spcPts val="0"/>
+              </a:spcBef>
+              <a:spcAft>
+                <a:spcPts val="0"/>
+              </a:spcAft>
+              <a:buClrTx/>
+              <a:buSzTx/>
+              <a:buFontTx/>
+              <a:buNone/>
+              <a:tabLst/>
+              <a:defRPr/>
+            </a:pPr>
+            <a:r>
+              <a:rPr lang="en-US" altLang="zh-CN" sz="1200" dirty="0" smtClean="0">
+                <a:latin typeface="Microsoft YaHei" charset="0"/>
+                <a:ea typeface="Microsoft YaHei" charset="0"/>
+                <a:cs typeface="Microsoft YaHei" charset="0"/>
+              </a:rPr>
+              <a:t>---</a:t>
+            </a:r>
+            <a:r>
+              <a:rPr lang="zh-CN" altLang="en-US" sz="1200" dirty="0" smtClean="0">
+                <a:latin typeface="Microsoft YaHei" charset="0"/>
+                <a:ea typeface="Microsoft YaHei" charset="0"/>
+                <a:cs typeface="Microsoft YaHei" charset="0"/>
+              </a:rPr>
+              <a:t> </a:t>
+            </a:r>
+            <a:r>
+              <a:rPr lang="en-US" altLang="zh-CN" sz="1200" dirty="0" smtClean="0">
+                <a:latin typeface="Microsoft YaHei" charset="0"/>
+                <a:ea typeface="Microsoft YaHei" charset="0"/>
+                <a:cs typeface="Microsoft YaHei" charset="0"/>
+              </a:rPr>
+              <a:t>---</a:t>
+            </a:r>
+            <a:r>
+              <a:rPr lang="zh-CN" altLang="en-US" sz="1200" dirty="0" smtClean="0">
+                <a:latin typeface="Microsoft YaHei" charset="0"/>
+                <a:ea typeface="Microsoft YaHei" charset="0"/>
+                <a:cs typeface="Microsoft YaHei" charset="0"/>
+              </a:rPr>
+              <a:t> 存储</a:t>
+            </a:r>
           </a:p>
           <a:p>
             <a:r>
@@ -2536,7 +2582,7 @@
           <a:p>
             <a:fld id="{D997B5FA-0921-464F-AAE1-844C04324D75}" type="datetimeFigureOut">
               <a:rPr lang="zh-CN" altLang="en-US" smtClean="0"/>
-              <a:t>2018/12/7</a:t>
+              <a:t>2019/3/5</a:t>
             </a:fld>
             <a:endParaRPr lang="zh-CN" altLang="en-US"/>
           </a:p>
@@ -2701,7 +2747,7 @@
           <a:p>
             <a:fld id="{D997B5FA-0921-464F-AAE1-844C04324D75}" type="datetimeFigureOut">
               <a:rPr lang="zh-CN" altLang="en-US" smtClean="0"/>
-              <a:t>2018/12/7</a:t>
+              <a:t>2019/3/5</a:t>
             </a:fld>
             <a:endParaRPr lang="zh-CN" altLang="en-US"/>
           </a:p>
@@ -2876,7 +2922,7 @@
           <a:p>
             <a:fld id="{D997B5FA-0921-464F-AAE1-844C04324D75}" type="datetimeFigureOut">
               <a:rPr lang="zh-CN" altLang="en-US" smtClean="0"/>
-              <a:t>2018/12/7</a:t>
+              <a:t>2019/3/5</a:t>
             </a:fld>
             <a:endParaRPr lang="zh-CN" altLang="en-US"/>
           </a:p>
@@ -3041,7 +3087,7 @@
           <a:p>
             <a:fld id="{D997B5FA-0921-464F-AAE1-844C04324D75}" type="datetimeFigureOut">
               <a:rPr lang="zh-CN" altLang="en-US" smtClean="0"/>
-              <a:t>2018/12/7</a:t>
+              <a:t>2019/3/5</a:t>
             </a:fld>
             <a:endParaRPr lang="zh-CN" altLang="en-US"/>
           </a:p>
@@ -3282,7 +3328,7 @@
           <a:p>
             <a:fld id="{D997B5FA-0921-464F-AAE1-844C04324D75}" type="datetimeFigureOut">
               <a:rPr lang="zh-CN" altLang="en-US" smtClean="0"/>
-              <a:t>2018/12/7</a:t>
+              <a:t>2019/3/5</a:t>
             </a:fld>
             <a:endParaRPr lang="zh-CN" altLang="en-US"/>
           </a:p>
@@ -3509,7 +3555,7 @@
           <a:p>
             <a:fld id="{D997B5FA-0921-464F-AAE1-844C04324D75}" type="datetimeFigureOut">
               <a:rPr lang="zh-CN" altLang="en-US" smtClean="0"/>
-              <a:t>2018/12/7</a:t>
+              <a:t>2019/3/5</a:t>
             </a:fld>
             <a:endParaRPr lang="zh-CN" altLang="en-US"/>
           </a:p>
@@ -3871,7 +3917,7 @@
           <a:p>
             <a:fld id="{D997B5FA-0921-464F-AAE1-844C04324D75}" type="datetimeFigureOut">
               <a:rPr lang="zh-CN" altLang="en-US" smtClean="0"/>
-              <a:t>2018/12/7</a:t>
+              <a:t>2019/3/5</a:t>
             </a:fld>
             <a:endParaRPr lang="zh-CN" altLang="en-US"/>
           </a:p>
@@ -3984,7 +4030,7 @@
           <a:p>
             <a:fld id="{D997B5FA-0921-464F-AAE1-844C04324D75}" type="datetimeFigureOut">
               <a:rPr lang="zh-CN" altLang="en-US" smtClean="0"/>
-              <a:t>2018/12/7</a:t>
+              <a:t>2019/3/5</a:t>
             </a:fld>
             <a:endParaRPr lang="zh-CN" altLang="en-US"/>
           </a:p>
@@ -4074,7 +4120,7 @@
           <a:p>
             <a:fld id="{D997B5FA-0921-464F-AAE1-844C04324D75}" type="datetimeFigureOut">
               <a:rPr lang="zh-CN" altLang="en-US" smtClean="0"/>
-              <a:t>2018/12/7</a:t>
+              <a:t>2019/3/5</a:t>
             </a:fld>
             <a:endParaRPr lang="zh-CN" altLang="en-US"/>
           </a:p>
@@ -4346,7 +4392,7 @@
           <a:p>
             <a:fld id="{D997B5FA-0921-464F-AAE1-844C04324D75}" type="datetimeFigureOut">
               <a:rPr lang="zh-CN" altLang="en-US" smtClean="0"/>
-              <a:t>2018/12/7</a:t>
+              <a:t>2019/3/5</a:t>
             </a:fld>
             <a:endParaRPr lang="zh-CN" altLang="en-US"/>
           </a:p>
@@ -4594,7 +4640,7 @@
           <a:p>
             <a:fld id="{D997B5FA-0921-464F-AAE1-844C04324D75}" type="datetimeFigureOut">
               <a:rPr lang="zh-CN" altLang="en-US" smtClean="0"/>
-              <a:t>2018/12/7</a:t>
+              <a:t>2019/3/5</a:t>
             </a:fld>
             <a:endParaRPr lang="zh-CN" altLang="en-US"/>
           </a:p>
@@ -4802,7 +4848,7 @@
           <a:p>
             <a:fld id="{D997B5FA-0921-464F-AAE1-844C04324D75}" type="datetimeFigureOut">
               <a:rPr lang="zh-CN" altLang="en-US" smtClean="0"/>
-              <a:t>2018/12/7</a:t>
+              <a:t>2019/3/5</a:t>
             </a:fld>
             <a:endParaRPr lang="zh-CN" altLang="en-US"/>
           </a:p>
@@ -5288,21 +5334,18 @@
               <a:defRPr/>
             </a:pPr>
             <a:r>
-              <a:rPr kumimoji="1" lang="zh-CN" altLang="en-US" sz="1400" dirty="0">
-                <a:latin typeface="Microsoft YaHei" charset="0"/>
-                <a:ea typeface="Microsoft YaHei" charset="0"/>
-                <a:cs typeface="Microsoft YaHei" charset="0"/>
-              </a:rPr>
-              <a:t>负载</a:t>
-            </a:r>
-            <a:r>
               <a:rPr kumimoji="1" lang="zh-CN" altLang="en-US" sz="1400" dirty="0" smtClean="0">
                 <a:latin typeface="Microsoft YaHei" charset="0"/>
                 <a:ea typeface="Microsoft YaHei" charset="0"/>
                 <a:cs typeface="Microsoft YaHei" charset="0"/>
               </a:rPr>
-              <a:t>均衡</a:t>
-            </a:r>
+              <a:t>网关</a:t>
+            </a:r>
+            <a:endParaRPr kumimoji="1" lang="zh-CN" altLang="en-US" sz="1400" dirty="0" smtClean="0">
+              <a:latin typeface="Microsoft YaHei" charset="0"/>
+              <a:ea typeface="Microsoft YaHei" charset="0"/>
+              <a:cs typeface="Microsoft YaHei" charset="0"/>
+            </a:endParaRPr>
           </a:p>
           <a:p>
             <a:pPr algn="ctr">
@@ -5314,23 +5357,7 @@
                 <a:ea typeface="Microsoft YaHei" charset="0"/>
                 <a:cs typeface="Microsoft YaHei" charset="0"/>
               </a:rPr>
-              <a:t>Api</a:t>
-            </a:r>
-            <a:r>
-              <a:rPr kumimoji="1" lang="zh-CN" altLang="en-US" sz="1400" dirty="0" smtClean="0">
-                <a:latin typeface="Microsoft YaHei" charset="0"/>
-                <a:ea typeface="Microsoft YaHei" charset="0"/>
-                <a:cs typeface="Microsoft YaHei" charset="0"/>
-              </a:rPr>
-              <a:t> </a:t>
-            </a:r>
-            <a:r>
-              <a:rPr kumimoji="1" lang="en-US" altLang="zh-CN" sz="1400" dirty="0" smtClean="0">
-                <a:latin typeface="Microsoft YaHei" charset="0"/>
-                <a:ea typeface="Microsoft YaHei" charset="0"/>
-                <a:cs typeface="Microsoft YaHei" charset="0"/>
-              </a:rPr>
-              <a:t>gateway</a:t>
+              <a:t>【Gateway】</a:t>
             </a:r>
             <a:endParaRPr kumimoji="1" lang="zh-CN" altLang="en-US" sz="1400" dirty="0">
               <a:latin typeface="Microsoft YaHei" charset="0"/>
@@ -5383,8 +5410,21 @@
                 <a:ea typeface="Microsoft YaHei" charset="0"/>
                 <a:cs typeface="Microsoft YaHei" charset="0"/>
               </a:rPr>
-              <a:t>缓存</a:t>
-            </a:r>
+              <a:t>服务</a:t>
+            </a:r>
+            <a:r>
+              <a:rPr kumimoji="1" lang="zh-CN" altLang="en-US" sz="1400" dirty="0" smtClean="0">
+                <a:latin typeface="Microsoft YaHei" charset="0"/>
+                <a:ea typeface="Microsoft YaHei" charset="0"/>
+                <a:cs typeface="Microsoft YaHei" charset="0"/>
+              </a:rPr>
+              <a:t>治理</a:t>
+            </a:r>
+            <a:endParaRPr kumimoji="1" lang="zh-CN" altLang="en-US" sz="1400" dirty="0">
+              <a:latin typeface="Microsoft YaHei" charset="0"/>
+              <a:ea typeface="Microsoft YaHei" charset="0"/>
+              <a:cs typeface="Microsoft YaHei" charset="0"/>
+            </a:endParaRPr>
           </a:p>
           <a:p>
             <a:pPr algn="ctr"/>
@@ -5394,7 +5434,15 @@
                 <a:ea typeface="Microsoft YaHei" charset="0"/>
                 <a:cs typeface="Microsoft YaHei" charset="0"/>
               </a:rPr>
-              <a:t>【 Cache 】</a:t>
+              <a:t>【 RPC </a:t>
+            </a:r>
+            <a:r>
+              <a:rPr kumimoji="1" lang="en-US" altLang="zh-CN" sz="1400" dirty="0" smtClean="0">
+                <a:latin typeface="Microsoft YaHei" charset="0"/>
+                <a:ea typeface="Microsoft YaHei" charset="0"/>
+                <a:cs typeface="Microsoft YaHei" charset="0"/>
+              </a:rPr>
+              <a:t>】</a:t>
             </a:r>
             <a:endParaRPr kumimoji="1" lang="zh-CN" altLang="en-US" sz="1400" dirty="0">
               <a:latin typeface="Microsoft YaHei" charset="0"/>
@@ -5442,12 +5490,12 @@
           <a:p>
             <a:pPr algn="ctr"/>
             <a:r>
-              <a:rPr kumimoji="1" lang="zh-CN" altLang="en-US" sz="1400" dirty="0" smtClean="0">
-                <a:latin typeface="Microsoft YaHei" charset="0"/>
-                <a:ea typeface="Microsoft YaHei" charset="0"/>
-                <a:cs typeface="Microsoft YaHei" charset="0"/>
-              </a:rPr>
-              <a:t>服务通讯</a:t>
+              <a:rPr kumimoji="1" lang="zh-CN" altLang="en-US" sz="1400" dirty="0">
+                <a:latin typeface="Microsoft YaHei" charset="0"/>
+                <a:ea typeface="Microsoft YaHei" charset="0"/>
+                <a:cs typeface="Microsoft YaHei" charset="0"/>
+              </a:rPr>
+              <a:t>缓存</a:t>
             </a:r>
           </a:p>
           <a:p>
@@ -5458,7 +5506,23 @@
                 <a:ea typeface="Microsoft YaHei" charset="0"/>
                 <a:cs typeface="Microsoft YaHei" charset="0"/>
               </a:rPr>
-              <a:t>【 RPC 】</a:t>
+              <a:t>【 </a:t>
+            </a:r>
+            <a:r>
+              <a:rPr kumimoji="1" lang="en-US" altLang="zh-CN" sz="1400" dirty="0" smtClean="0">
+                <a:latin typeface="Microsoft YaHei" charset="0"/>
+                <a:ea typeface="Microsoft YaHei" charset="0"/>
+                <a:cs typeface="Microsoft YaHei" charset="0"/>
+              </a:rPr>
+              <a:t>Cache</a:t>
+            </a:r>
+            <a:r>
+              <a:rPr kumimoji="1" lang="en-US" altLang="zh-CN" sz="1400" dirty="0" smtClean="0">
+                <a:latin typeface="Microsoft YaHei" charset="0"/>
+                <a:ea typeface="Microsoft YaHei" charset="0"/>
+                <a:cs typeface="Microsoft YaHei" charset="0"/>
+              </a:rPr>
+              <a:t>】</a:t>
             </a:r>
             <a:endParaRPr kumimoji="1" lang="zh-CN" altLang="en-US" sz="1400" dirty="0">
               <a:latin typeface="Microsoft YaHei" charset="0"/>
@@ -5575,34 +5639,39 @@
                 <a:ea typeface="Microsoft YaHei" charset="0"/>
                 <a:cs typeface="Microsoft YaHei" charset="0"/>
               </a:rPr>
-              <a:t>监控</a:t>
-            </a:r>
+              <a:t>监控告警</a:t>
+            </a:r>
+            <a:endParaRPr kumimoji="1" lang="zh-CN" altLang="en-US" sz="1400" dirty="0" smtClean="0">
+              <a:latin typeface="Microsoft YaHei" charset="0"/>
+              <a:ea typeface="Microsoft YaHei" charset="0"/>
+              <a:cs typeface="Microsoft YaHei" charset="0"/>
+            </a:endParaRPr>
+          </a:p>
+          <a:p>
+            <a:pPr algn="ctr"/>
             <a:r>
               <a:rPr kumimoji="1" lang="en-US" altLang="zh-CN" sz="1400" dirty="0" smtClean="0">
                 <a:latin typeface="Microsoft YaHei" charset="0"/>
                 <a:ea typeface="Microsoft YaHei" charset="0"/>
                 <a:cs typeface="Microsoft YaHei" charset="0"/>
               </a:rPr>
-              <a:t>/</a:t>
-            </a:r>
-            <a:r>
-              <a:rPr kumimoji="1" lang="zh-CN" altLang="en-US" sz="1400" dirty="0" smtClean="0">
-                <a:latin typeface="Microsoft YaHei" charset="0"/>
-                <a:ea typeface="Microsoft YaHei" charset="0"/>
-                <a:cs typeface="Microsoft YaHei" charset="0"/>
-              </a:rPr>
-              <a:t>告警</a:t>
-            </a:r>
-          </a:p>
-          <a:p>
-            <a:pPr algn="ctr"/>
+              <a:t>【</a:t>
+            </a:r>
             <a:r>
               <a:rPr kumimoji="1" lang="en-US" altLang="zh-CN" sz="1400" dirty="0" smtClean="0">
                 <a:latin typeface="Microsoft YaHei" charset="0"/>
                 <a:ea typeface="Microsoft YaHei" charset="0"/>
                 <a:cs typeface="Microsoft YaHei" charset="0"/>
               </a:rPr>
-              <a:t>CAT</a:t>
+              <a:t>APM</a:t>
+            </a:r>
+            <a:r>
+              <a:rPr kumimoji="1" lang="en-US" altLang="zh-CN" sz="1400" dirty="0" smtClean="0">
+                <a:latin typeface="Microsoft YaHei" charset="0"/>
+                <a:ea typeface="Microsoft YaHei" charset="0"/>
+                <a:cs typeface="Microsoft YaHei" charset="0"/>
+              </a:rPr>
+              <a:t>】</a:t>
             </a:r>
             <a:endParaRPr kumimoji="1" lang="zh-CN" altLang="en-US" sz="1400" dirty="0">
               <a:latin typeface="Microsoft YaHei" charset="0"/>
@@ -6075,8 +6144,13 @@
                 <a:ea typeface="Microsoft YaHei" charset="0"/>
                 <a:cs typeface="Microsoft YaHei" charset="0"/>
               </a:rPr>
-              <a:t>搜索服务</a:t>
-            </a:r>
+              <a:t>搜索</a:t>
+            </a:r>
+            <a:endParaRPr kumimoji="1" lang="zh-CN" altLang="en-US" sz="1400" dirty="0" smtClean="0">
+              <a:latin typeface="Microsoft YaHei" charset="0"/>
+              <a:ea typeface="Microsoft YaHei" charset="0"/>
+              <a:cs typeface="Microsoft YaHei" charset="0"/>
+            </a:endParaRPr>
           </a:p>
           <a:p>
             <a:pPr algn="ctr"/>
@@ -6141,15 +6215,7 @@
                 <a:ea typeface="Microsoft YaHei" charset="0"/>
                 <a:cs typeface="Microsoft YaHei" charset="0"/>
               </a:rPr>
-              <a:t>中间</a:t>
-            </a:r>
-            <a:r>
-              <a:rPr kumimoji="1" lang="zh-CN" altLang="en-US" sz="1400" kern="0" dirty="0" smtClean="0">
-                <a:latin typeface="Microsoft YaHei" charset="0"/>
-                <a:ea typeface="Microsoft YaHei" charset="0"/>
-                <a:cs typeface="Microsoft YaHei" charset="0"/>
-              </a:rPr>
-              <a:t>件</a:t>
+              <a:t>中间件</a:t>
             </a:r>
             <a:endParaRPr kumimoji="1" lang="zh-CN" altLang="en-US" sz="1400" kern="0" dirty="0">
               <a:latin typeface="Microsoft YaHei" charset="0"/>
@@ -6777,204 +6843,6 @@
       </p:grpSpPr>
       <p:sp>
         <p:nvSpPr>
-          <p:cNvPr id="9" name="矩形 8"/>
-          <p:cNvSpPr/>
-          <p:nvPr/>
-        </p:nvSpPr>
-        <p:spPr>
-          <a:xfrm>
-            <a:off x="5931089" y="7076091"/>
-            <a:ext cx="2920811" cy="841124"/>
-          </a:xfrm>
-          <a:prstGeom prst="rect">
-            <a:avLst/>
-          </a:prstGeom>
-          <a:solidFill>
-            <a:srgbClr val="E8DDF4"/>
-          </a:solidFill>
-          <a:ln>
-            <a:noFill/>
-          </a:ln>
-        </p:spPr>
-        <p:style>
-          <a:lnRef idx="1">
-            <a:schemeClr val="accent1"/>
-          </a:lnRef>
-          <a:fillRef idx="2">
-            <a:schemeClr val="accent1"/>
-          </a:fillRef>
-          <a:effectRef idx="1">
-            <a:schemeClr val="accent1"/>
-          </a:effectRef>
-          <a:fontRef idx="minor">
-            <a:schemeClr val="dk1"/>
-          </a:fontRef>
-        </p:style>
-        <p:txBody>
-          <a:bodyPr anchor="b"/>
-          <a:lstStyle/>
-          <a:p>
-            <a:pPr algn="ctr">
-              <a:defRPr/>
-            </a:pPr>
-            <a:r>
-              <a:rPr kumimoji="1" lang="zh-CN" altLang="en-US" sz="1600" b="1" dirty="0" smtClean="0">
-                <a:latin typeface="Heiti SC Light" charset="-122"/>
-                <a:ea typeface="Heiti SC Light" charset="-122"/>
-                <a:cs typeface="Heiti SC Light" charset="-122"/>
-              </a:rPr>
-              <a:t>注册中心</a:t>
-            </a:r>
-            <a:endParaRPr kumimoji="1" lang="zh-CN" altLang="en-US" sz="1600" b="1" dirty="0">
-              <a:latin typeface="Heiti SC Light" charset="-122"/>
-              <a:ea typeface="Heiti SC Light" charset="-122"/>
-              <a:cs typeface="Heiti SC Light" charset="-122"/>
-            </a:endParaRPr>
-          </a:p>
-        </p:txBody>
-      </p:sp>
-      <p:cxnSp>
-        <p:nvCxnSpPr>
-          <p:cNvPr id="86" name="直线箭头连接符 85"/>
-          <p:cNvCxnSpPr/>
-          <p:nvPr/>
-        </p:nvCxnSpPr>
-        <p:spPr>
-          <a:xfrm>
-            <a:off x="11955553" y="7258143"/>
-            <a:ext cx="9228" cy="410923"/>
-          </a:xfrm>
-          <a:prstGeom prst="straightConnector1">
-            <a:avLst/>
-          </a:prstGeom>
-          <a:ln w="28575">
-            <a:prstDash val="dash"/>
-            <a:headEnd type="none" w="med" len="med"/>
-            <a:tailEnd type="arrow" w="med" len="med"/>
-          </a:ln>
-        </p:spPr>
-        <p:style>
-          <a:lnRef idx="1">
-            <a:schemeClr val="accent1"/>
-          </a:lnRef>
-          <a:fillRef idx="0">
-            <a:schemeClr val="accent1"/>
-          </a:fillRef>
-          <a:effectRef idx="0">
-            <a:schemeClr val="accent1"/>
-          </a:effectRef>
-          <a:fontRef idx="minor">
-            <a:schemeClr val="tx1"/>
-          </a:fontRef>
-        </p:style>
-      </p:cxnSp>
-      <p:cxnSp>
-        <p:nvCxnSpPr>
-          <p:cNvPr id="87" name="直线箭头连接符 86"/>
-          <p:cNvCxnSpPr/>
-          <p:nvPr/>
-        </p:nvCxnSpPr>
-        <p:spPr>
-          <a:xfrm flipV="1">
-            <a:off x="12192000" y="7245443"/>
-            <a:ext cx="0" cy="417180"/>
-          </a:xfrm>
-          <a:prstGeom prst="straightConnector1">
-            <a:avLst/>
-          </a:prstGeom>
-          <a:ln w="28575">
-            <a:prstDash val="dash"/>
-            <a:headEnd type="none" w="med" len="med"/>
-            <a:tailEnd type="arrow" w="med" len="med"/>
-          </a:ln>
-        </p:spPr>
-        <p:style>
-          <a:lnRef idx="1">
-            <a:schemeClr val="accent1"/>
-          </a:lnRef>
-          <a:fillRef idx="0">
-            <a:schemeClr val="accent1"/>
-          </a:fillRef>
-          <a:effectRef idx="0">
-            <a:schemeClr val="accent1"/>
-          </a:effectRef>
-          <a:fontRef idx="minor">
-            <a:schemeClr val="tx1"/>
-          </a:fontRef>
-        </p:style>
-      </p:cxnSp>
-      <p:cxnSp>
-        <p:nvCxnSpPr>
-          <p:cNvPr id="133" name="直线箭头连接符 132"/>
-          <p:cNvCxnSpPr/>
-          <p:nvPr/>
-        </p:nvCxnSpPr>
-        <p:spPr>
-          <a:xfrm>
-            <a:off x="12476487" y="7419060"/>
-            <a:ext cx="413345" cy="1"/>
-          </a:xfrm>
-          <a:prstGeom prst="straightConnector1">
-            <a:avLst/>
-          </a:prstGeom>
-          <a:ln w="28575">
-            <a:prstDash val="dash"/>
-            <a:headEnd type="none" w="med" len="med"/>
-            <a:tailEnd type="arrow" w="med" len="med"/>
-          </a:ln>
-        </p:spPr>
-        <p:style>
-          <a:lnRef idx="1">
-            <a:schemeClr val="accent1"/>
-          </a:lnRef>
-          <a:fillRef idx="0">
-            <a:schemeClr val="accent1"/>
-          </a:fillRef>
-          <a:effectRef idx="0">
-            <a:schemeClr val="accent1"/>
-          </a:effectRef>
-          <a:fontRef idx="minor">
-            <a:schemeClr val="tx1"/>
-          </a:fontRef>
-        </p:style>
-      </p:cxnSp>
-      <p:cxnSp>
-        <p:nvCxnSpPr>
-          <p:cNvPr id="134" name="直线箭头连接符 133"/>
-          <p:cNvCxnSpPr/>
-          <p:nvPr/>
-        </p:nvCxnSpPr>
-        <p:spPr>
-          <a:xfrm flipH="1">
-            <a:off x="12434527" y="7662622"/>
-            <a:ext cx="429217" cy="1"/>
-          </a:xfrm>
-          <a:prstGeom prst="straightConnector1">
-            <a:avLst/>
-          </a:prstGeom>
-          <a:ln w="28575">
-            <a:prstDash val="dash"/>
-            <a:headEnd type="none" w="med" len="med"/>
-            <a:tailEnd type="arrow" w="med" len="med"/>
-          </a:ln>
-        </p:spPr>
-        <p:style>
-          <a:lnRef idx="1">
-            <a:schemeClr val="accent1"/>
-          </a:lnRef>
-          <a:fillRef idx="0">
-            <a:schemeClr val="accent1"/>
-          </a:fillRef>
-          <a:effectRef idx="0">
-            <a:schemeClr val="accent1"/>
-          </a:effectRef>
-          <a:fontRef idx="minor">
-            <a:schemeClr val="tx1"/>
-          </a:fontRef>
-        </p:style>
-      </p:cxnSp>
-      <p:sp>
-        <p:nvSpPr>
           <p:cNvPr id="2" name="矩形 1"/>
           <p:cNvSpPr/>
           <p:nvPr/>
@@ -7426,15 +7294,7 @@
                 <a:ea typeface="Heiti SC Light" charset="-122"/>
                 <a:cs typeface="Heiti SC Light" charset="-122"/>
               </a:rPr>
-              <a:t>Mysql</a:t>
-            </a:r>
-            <a:r>
-              <a:rPr kumimoji="1" lang="en-US" altLang="zh-CN" sz="1400" dirty="0" smtClean="0">
-                <a:latin typeface="Heiti SC Light" charset="-122"/>
-                <a:ea typeface="Heiti SC Light" charset="-122"/>
-                <a:cs typeface="Heiti SC Light" charset="-122"/>
-              </a:rPr>
-              <a:t>…</a:t>
+              <a:t>Mysql…</a:t>
             </a:r>
             <a:r>
               <a:rPr kumimoji="1" lang="zh-CN" altLang="en-US" sz="1400" dirty="0" smtClean="0">
